--- a/643 Final project.pptx
+++ b/643 Final project.pptx
@@ -5,19 +5,21 @@
     <p:sldMasterId id="2147483648" r:id="rId1"/>
   </p:sldMasterIdLst>
   <p:notesMasterIdLst>
-    <p:notesMasterId r:id="rId12"/>
+    <p:notesMasterId r:id="rId14"/>
   </p:notesMasterIdLst>
   <p:sldIdLst>
     <p:sldId id="256" r:id="rId2"/>
     <p:sldId id="257" r:id="rId3"/>
     <p:sldId id="261" r:id="rId4"/>
     <p:sldId id="263" r:id="rId5"/>
-    <p:sldId id="266" r:id="rId6"/>
-    <p:sldId id="268" r:id="rId7"/>
-    <p:sldId id="267" r:id="rId8"/>
-    <p:sldId id="258" r:id="rId9"/>
-    <p:sldId id="264" r:id="rId10"/>
-    <p:sldId id="260" r:id="rId11"/>
+    <p:sldId id="268" r:id="rId6"/>
+    <p:sldId id="266" r:id="rId7"/>
+    <p:sldId id="269" r:id="rId8"/>
+    <p:sldId id="270" r:id="rId9"/>
+    <p:sldId id="271" r:id="rId10"/>
+    <p:sldId id="272" r:id="rId11"/>
+    <p:sldId id="264" r:id="rId12"/>
+    <p:sldId id="260" r:id="rId13"/>
   </p:sldIdLst>
   <p:sldSz cx="12192000" cy="6858000"/>
   <p:notesSz cx="6858000" cy="9144000"/>
@@ -956,6 +958,7 @@
         <a:bodyPr/>
         <a:lstStyle/>
         <a:p>
+          <a:pPr algn="ctr"/>
           <a:r>
             <a:rPr lang="en-IN" dirty="0"/>
             <a:t>Initial Framework</a:t>
@@ -970,6 +973,7 @@
         <a:bodyPr/>
         <a:lstStyle/>
         <a:p>
+          <a:pPr algn="ctr"/>
           <a:endParaRPr lang="en-IN"/>
         </a:p>
       </dgm:t>
@@ -981,6 +985,7 @@
         <a:bodyPr/>
         <a:lstStyle/>
         <a:p>
+          <a:pPr algn="ctr"/>
           <a:endParaRPr lang="en-IN"/>
         </a:p>
       </dgm:t>
@@ -992,6 +997,7 @@
         <a:bodyPr/>
         <a:lstStyle/>
         <a:p>
+          <a:pPr algn="ctr"/>
           <a:r>
             <a:rPr lang="en-IN" dirty="0"/>
             <a:t>ROS Cloud Server setup</a:t>
@@ -1006,6 +1012,7 @@
         <a:bodyPr/>
         <a:lstStyle/>
         <a:p>
+          <a:pPr algn="ctr"/>
           <a:endParaRPr lang="en-IN"/>
         </a:p>
       </dgm:t>
@@ -1017,6 +1024,7 @@
         <a:bodyPr/>
         <a:lstStyle/>
         <a:p>
+          <a:pPr algn="ctr"/>
           <a:endParaRPr lang="en-IN"/>
         </a:p>
       </dgm:t>
@@ -1028,6 +1036,7 @@
         <a:bodyPr/>
         <a:lstStyle/>
         <a:p>
+          <a:pPr algn="ctr"/>
           <a:r>
             <a:rPr lang="en-IN" dirty="0"/>
             <a:t>Create Robot LAN</a:t>
@@ -1042,6 +1051,7 @@
         <a:bodyPr/>
         <a:lstStyle/>
         <a:p>
+          <a:pPr algn="ctr"/>
           <a:endParaRPr lang="en-IN"/>
         </a:p>
       </dgm:t>
@@ -1053,6 +1063,7 @@
         <a:bodyPr/>
         <a:lstStyle/>
         <a:p>
+          <a:pPr algn="ctr"/>
           <a:endParaRPr lang="en-IN"/>
         </a:p>
       </dgm:t>
@@ -1064,6 +1075,7 @@
         <a:bodyPr/>
         <a:lstStyle/>
         <a:p>
+          <a:pPr algn="ctr"/>
           <a:r>
             <a:rPr lang="en-IN" dirty="0"/>
             <a:t>Inter module Sensor Fusion</a:t>
@@ -1078,6 +1090,7 @@
         <a:bodyPr/>
         <a:lstStyle/>
         <a:p>
+          <a:pPr algn="ctr"/>
           <a:endParaRPr lang="en-IN"/>
         </a:p>
       </dgm:t>
@@ -1089,6 +1102,7 @@
         <a:bodyPr/>
         <a:lstStyle/>
         <a:p>
+          <a:pPr algn="ctr"/>
           <a:endParaRPr lang="en-IN"/>
         </a:p>
       </dgm:t>
@@ -1100,6 +1114,7 @@
         <a:bodyPr/>
         <a:lstStyle/>
         <a:p>
+          <a:pPr algn="ctr"/>
           <a:r>
             <a:rPr lang="en-IN" dirty="0"/>
             <a:t>Connected intelligence among sub modules</a:t>
@@ -1114,6 +1129,7 @@
         <a:bodyPr/>
         <a:lstStyle/>
         <a:p>
+          <a:pPr algn="ctr"/>
           <a:endParaRPr lang="en-IN"/>
         </a:p>
       </dgm:t>
@@ -1125,6 +1141,7 @@
         <a:bodyPr/>
         <a:lstStyle/>
         <a:p>
+          <a:pPr algn="ctr"/>
           <a:endParaRPr lang="en-IN"/>
         </a:p>
       </dgm:t>
@@ -1136,6 +1153,7 @@
         <a:bodyPr/>
         <a:lstStyle/>
         <a:p>
+          <a:pPr algn="ctr"/>
           <a:r>
             <a:rPr lang="en-IN" dirty="0"/>
             <a:t>Test data throughput</a:t>
@@ -1150,6 +1168,7 @@
         <a:bodyPr/>
         <a:lstStyle/>
         <a:p>
+          <a:pPr algn="ctr"/>
           <a:endParaRPr lang="en-IN"/>
         </a:p>
       </dgm:t>
@@ -1161,6 +1180,7 @@
         <a:bodyPr/>
         <a:lstStyle/>
         <a:p>
+          <a:pPr algn="ctr"/>
           <a:endParaRPr lang="en-IN"/>
         </a:p>
       </dgm:t>
@@ -1172,6 +1192,7 @@
         <a:bodyPr/>
         <a:lstStyle/>
         <a:p>
+          <a:pPr algn="ctr"/>
           <a:r>
             <a:rPr lang="en-IN" dirty="0"/>
             <a:t>Shared autonomy</a:t>
@@ -1186,6 +1207,7 @@
         <a:bodyPr/>
         <a:lstStyle/>
         <a:p>
+          <a:pPr algn="ctr"/>
           <a:endParaRPr lang="en-IN"/>
         </a:p>
       </dgm:t>
@@ -1197,6 +1219,7 @@
         <a:bodyPr/>
         <a:lstStyle/>
         <a:p>
+          <a:pPr algn="ctr"/>
           <a:endParaRPr lang="en-IN"/>
         </a:p>
       </dgm:t>
@@ -1208,6 +1231,7 @@
         <a:bodyPr/>
         <a:lstStyle/>
         <a:p>
+          <a:pPr algn="ctr"/>
           <a:r>
             <a:rPr lang="en-IN" dirty="0"/>
             <a:t>Fallback behaviour when connection is lost</a:t>
@@ -1222,6 +1246,7 @@
         <a:bodyPr/>
         <a:lstStyle/>
         <a:p>
+          <a:pPr algn="ctr"/>
           <a:endParaRPr lang="en-IN"/>
         </a:p>
       </dgm:t>
@@ -1233,6 +1258,7 @@
         <a:bodyPr/>
         <a:lstStyle/>
         <a:p>
+          <a:pPr algn="ctr"/>
           <a:endParaRPr lang="en-IN"/>
         </a:p>
       </dgm:t>
@@ -1244,6 +1270,7 @@
         <a:bodyPr/>
         <a:lstStyle/>
         <a:p>
+          <a:pPr algn="ctr"/>
           <a:r>
             <a:rPr lang="en-IN" dirty="0"/>
             <a:t>Dynamic computation offloading</a:t>
@@ -1258,6 +1285,7 @@
         <a:bodyPr/>
         <a:lstStyle/>
         <a:p>
+          <a:pPr algn="ctr"/>
           <a:endParaRPr lang="en-IN"/>
         </a:p>
       </dgm:t>
@@ -1269,6 +1297,7 @@
         <a:bodyPr/>
         <a:lstStyle/>
         <a:p>
+          <a:pPr algn="ctr"/>
           <a:endParaRPr lang="en-IN"/>
         </a:p>
       </dgm:t>
@@ -1280,6 +1309,7 @@
         <a:bodyPr/>
         <a:lstStyle/>
         <a:p>
+          <a:pPr algn="ctr"/>
           <a:r>
             <a:rPr lang="en-IN" dirty="0"/>
             <a:t>Setup Modular WAN</a:t>
@@ -1294,6 +1324,7 @@
         <a:bodyPr/>
         <a:lstStyle/>
         <a:p>
+          <a:pPr algn="ctr"/>
           <a:endParaRPr lang="en-IN"/>
         </a:p>
       </dgm:t>
@@ -1305,6 +1336,7 @@
         <a:bodyPr/>
         <a:lstStyle/>
         <a:p>
+          <a:pPr algn="ctr"/>
           <a:endParaRPr lang="en-IN"/>
         </a:p>
       </dgm:t>
@@ -1316,6 +1348,7 @@
         <a:bodyPr/>
         <a:lstStyle/>
         <a:p>
+          <a:pPr algn="ctr"/>
           <a:r>
             <a:rPr lang="en-IN" dirty="0"/>
             <a:t>Security</a:t>
@@ -1330,6 +1363,7 @@
         <a:bodyPr/>
         <a:lstStyle/>
         <a:p>
+          <a:pPr algn="ctr"/>
           <a:endParaRPr lang="en-IN"/>
         </a:p>
       </dgm:t>
@@ -1341,6 +1375,7 @@
         <a:bodyPr/>
         <a:lstStyle/>
         <a:p>
+          <a:pPr algn="ctr"/>
           <a:endParaRPr lang="en-IN"/>
         </a:p>
       </dgm:t>
@@ -1359,6 +1394,7 @@
         <a:bodyPr/>
         <a:lstStyle/>
         <a:p>
+          <a:pPr algn="ctr"/>
           <a:r>
             <a:rPr lang="en-IN" dirty="0"/>
             <a:t>Local Sensor Fusion</a:t>
@@ -1373,6 +1409,7 @@
         <a:bodyPr/>
         <a:lstStyle/>
         <a:p>
+          <a:pPr algn="ctr"/>
           <a:endParaRPr lang="en-IN"/>
         </a:p>
       </dgm:t>
@@ -1384,6 +1421,7 @@
         <a:bodyPr/>
         <a:lstStyle/>
         <a:p>
+          <a:pPr algn="ctr"/>
           <a:endParaRPr lang="en-IN"/>
         </a:p>
       </dgm:t>
@@ -1395,6 +1433,7 @@
         <a:bodyPr/>
         <a:lstStyle/>
         <a:p>
+          <a:pPr algn="ctr"/>
           <a:r>
             <a:rPr lang="en-IN" dirty="0"/>
             <a:t>Develop a universal communication protocol across sensors</a:t>
@@ -1409,6 +1448,7 @@
         <a:bodyPr/>
         <a:lstStyle/>
         <a:p>
+          <a:pPr algn="ctr"/>
           <a:endParaRPr lang="en-IN"/>
         </a:p>
       </dgm:t>
@@ -1420,6 +1460,7 @@
         <a:bodyPr/>
         <a:lstStyle/>
         <a:p>
+          <a:pPr algn="ctr"/>
           <a:endParaRPr lang="en-IN"/>
         </a:p>
       </dgm:t>
@@ -1431,6 +1472,7 @@
         <a:bodyPr/>
         <a:lstStyle/>
         <a:p>
+          <a:pPr algn="ctr"/>
           <a:r>
             <a:rPr lang="en-IN" dirty="0"/>
             <a:t>Online and offline data storage handling</a:t>
@@ -1445,6 +1487,7 @@
         <a:bodyPr/>
         <a:lstStyle/>
         <a:p>
+          <a:pPr algn="ctr"/>
           <a:endParaRPr lang="en-IN"/>
         </a:p>
       </dgm:t>
@@ -1456,6 +1499,7 @@
         <a:bodyPr/>
         <a:lstStyle/>
         <a:p>
+          <a:pPr algn="ctr"/>
           <a:endParaRPr lang="en-IN"/>
         </a:p>
       </dgm:t>
@@ -1467,6 +1511,7 @@
         <a:bodyPr/>
         <a:lstStyle/>
         <a:p>
+          <a:pPr algn="ctr"/>
           <a:r>
             <a:rPr lang="en-IN" dirty="0"/>
             <a:t>Test Fault tolerance</a:t>
@@ -1481,6 +1526,7 @@
         <a:bodyPr/>
         <a:lstStyle/>
         <a:p>
+          <a:pPr algn="ctr"/>
           <a:endParaRPr lang="en-IN"/>
         </a:p>
       </dgm:t>
@@ -1492,6 +1538,7 @@
         <a:bodyPr/>
         <a:lstStyle/>
         <a:p>
+          <a:pPr algn="ctr"/>
           <a:endParaRPr lang="en-IN"/>
         </a:p>
       </dgm:t>
@@ -1639,7 +1686,7 @@
       <dgm:spPr/>
     </dgm:pt>
     <dgm:pt modelId="{A2AAA4D1-39A0-4179-AB94-3B07C0DE66E7}" type="pres">
-      <dgm:prSet presAssocID="{C0BE2A92-DE1A-40EA-BBCB-4336A16FAE45}" presName="arrow" presStyleLbl="node1" presStyleIdx="3" presStyleCnt="4" custLinFactNeighborX="-1857" custLinFactNeighborY="-44840"/>
+      <dgm:prSet presAssocID="{C0BE2A92-DE1A-40EA-BBCB-4336A16FAE45}" presName="arrow" presStyleLbl="node1" presStyleIdx="3" presStyleCnt="4" custLinFactNeighborX="-10312" custLinFactNeighborY="-123"/>
       <dgm:spPr/>
     </dgm:pt>
     <dgm:pt modelId="{D4C8E46D-CCB8-4C3A-B4B5-5CC011D1C89B}" type="pres">
@@ -1763,8 +1810,8 @@
       </dsp:nvSpPr>
       <dsp:spPr>
         <a:xfrm>
-          <a:off x="0" y="3811229"/>
-          <a:ext cx="10972800" cy="833803"/>
+          <a:off x="0" y="2737511"/>
+          <a:ext cx="8867480" cy="598900"/>
         </a:xfrm>
         <a:prstGeom prst="rect">
           <a:avLst/>
@@ -1815,12 +1862,12 @@
         </a:fontRef>
       </dsp:style>
       <dsp:txBody>
-        <a:bodyPr spcFirstLastPara="0" vert="horz" wrap="square" lIns="106680" tIns="106680" rIns="106680" bIns="106680" numCol="1" spcCol="1270" anchor="ctr" anchorCtr="0">
+        <a:bodyPr spcFirstLastPara="0" vert="horz" wrap="square" lIns="78232" tIns="78232" rIns="78232" bIns="78232" numCol="1" spcCol="1270" anchor="ctr" anchorCtr="0">
           <a:noAutofit/>
         </a:bodyPr>
         <a:lstStyle/>
         <a:p>
-          <a:pPr marL="0" lvl="0" indent="0" algn="ctr" defTabSz="666750">
+          <a:pPr marL="0" lvl="0" indent="0" algn="ctr" defTabSz="488950">
             <a:lnSpc>
               <a:spcPct val="90000"/>
             </a:lnSpc>
@@ -1833,14 +1880,14 @@
             <a:buNone/>
           </a:pPr>
           <a:r>
-            <a:rPr lang="en-IN" sz="1500" kern="1200" dirty="0"/>
+            <a:rPr lang="en-IN" sz="1100" kern="1200" dirty="0"/>
             <a:t>Shared autonomy</a:t>
           </a:r>
         </a:p>
       </dsp:txBody>
       <dsp:txXfrm>
-        <a:off x="0" y="3811229"/>
-        <a:ext cx="10972800" cy="450254"/>
+        <a:off x="0" y="2737511"/>
+        <a:ext cx="8867480" cy="323406"/>
       </dsp:txXfrm>
     </dsp:sp>
     <dsp:sp modelId="{46222590-0894-473E-AF74-CBA781C974BB}">
@@ -1850,8 +1897,8 @@
       </dsp:nvSpPr>
       <dsp:spPr>
         <a:xfrm>
-          <a:off x="5357" y="4244807"/>
-          <a:ext cx="3654028" cy="383549"/>
+          <a:off x="4329" y="3048940"/>
+          <a:ext cx="2952940" cy="275494"/>
         </a:xfrm>
         <a:prstGeom prst="rect">
           <a:avLst/>
@@ -1896,12 +1943,12 @@
         <a:fontRef idx="minor"/>
       </dsp:style>
       <dsp:txBody>
-        <a:bodyPr spcFirstLastPara="0" vert="horz" wrap="square" lIns="106680" tIns="19050" rIns="106680" bIns="19050" numCol="1" spcCol="1270" anchor="ctr" anchorCtr="0">
+        <a:bodyPr spcFirstLastPara="0" vert="horz" wrap="square" lIns="85344" tIns="15240" rIns="85344" bIns="15240" numCol="1" spcCol="1270" anchor="ctr" anchorCtr="0">
           <a:noAutofit/>
         </a:bodyPr>
         <a:lstStyle/>
         <a:p>
-          <a:pPr marL="0" lvl="0" indent="0" algn="ctr" defTabSz="666750">
+          <a:pPr marL="0" lvl="0" indent="0" algn="ctr" defTabSz="533400">
             <a:lnSpc>
               <a:spcPct val="90000"/>
             </a:lnSpc>
@@ -1914,14 +1961,14 @@
             <a:buNone/>
           </a:pPr>
           <a:r>
-            <a:rPr lang="en-IN" sz="1500" kern="1200" dirty="0"/>
+            <a:rPr lang="en-IN" sz="1200" kern="1200" dirty="0"/>
             <a:t>Fallback behaviour when connection is lost</a:t>
           </a:r>
         </a:p>
       </dsp:txBody>
       <dsp:txXfrm>
-        <a:off x="5357" y="4244807"/>
-        <a:ext cx="3654028" cy="383549"/>
+        <a:off x="4329" y="3048940"/>
+        <a:ext cx="2952940" cy="275494"/>
       </dsp:txXfrm>
     </dsp:sp>
     <dsp:sp modelId="{F8C2AD56-002B-4BDE-8310-1137BC00A333}">
@@ -1931,8 +1978,8 @@
       </dsp:nvSpPr>
       <dsp:spPr>
         <a:xfrm>
-          <a:off x="3659385" y="4244807"/>
-          <a:ext cx="3654028" cy="383549"/>
+          <a:off x="2957269" y="3048940"/>
+          <a:ext cx="2952940" cy="275494"/>
         </a:xfrm>
         <a:prstGeom prst="rect">
           <a:avLst/>
@@ -1977,12 +2024,12 @@
         <a:fontRef idx="minor"/>
       </dsp:style>
       <dsp:txBody>
-        <a:bodyPr spcFirstLastPara="0" vert="horz" wrap="square" lIns="106680" tIns="19050" rIns="106680" bIns="19050" numCol="1" spcCol="1270" anchor="ctr" anchorCtr="0">
+        <a:bodyPr spcFirstLastPara="0" vert="horz" wrap="square" lIns="85344" tIns="15240" rIns="85344" bIns="15240" numCol="1" spcCol="1270" anchor="ctr" anchorCtr="0">
           <a:noAutofit/>
         </a:bodyPr>
         <a:lstStyle/>
         <a:p>
-          <a:pPr marL="0" lvl="0" indent="0" algn="ctr" defTabSz="666750">
+          <a:pPr marL="0" lvl="0" indent="0" algn="ctr" defTabSz="533400">
             <a:lnSpc>
               <a:spcPct val="90000"/>
             </a:lnSpc>
@@ -1995,14 +2042,14 @@
             <a:buNone/>
           </a:pPr>
           <a:r>
-            <a:rPr lang="en-IN" sz="1500" kern="1200" dirty="0"/>
+            <a:rPr lang="en-IN" sz="1200" kern="1200" dirty="0"/>
             <a:t>Dynamic computation offloading</a:t>
           </a:r>
         </a:p>
       </dsp:txBody>
       <dsp:txXfrm>
-        <a:off x="3659385" y="4244807"/>
-        <a:ext cx="3654028" cy="383549"/>
+        <a:off x="2957269" y="3048940"/>
+        <a:ext cx="2952940" cy="275494"/>
       </dsp:txXfrm>
     </dsp:sp>
     <dsp:sp modelId="{E5CCEE36-8F1A-4445-9D7B-E60CFECCFCD6}">
@@ -2012,8 +2059,8 @@
       </dsp:nvSpPr>
       <dsp:spPr>
         <a:xfrm>
-          <a:off x="7313414" y="4244807"/>
-          <a:ext cx="3654028" cy="383549"/>
+          <a:off x="5910210" y="3048940"/>
+          <a:ext cx="2952940" cy="275494"/>
         </a:xfrm>
         <a:prstGeom prst="rect">
           <a:avLst/>
@@ -2058,12 +2105,12 @@
         <a:fontRef idx="minor"/>
       </dsp:style>
       <dsp:txBody>
-        <a:bodyPr spcFirstLastPara="0" vert="horz" wrap="square" lIns="106680" tIns="19050" rIns="106680" bIns="19050" numCol="1" spcCol="1270" anchor="ctr" anchorCtr="0">
+        <a:bodyPr spcFirstLastPara="0" vert="horz" wrap="square" lIns="85344" tIns="15240" rIns="85344" bIns="15240" numCol="1" spcCol="1270" anchor="ctr" anchorCtr="0">
           <a:noAutofit/>
         </a:bodyPr>
         <a:lstStyle/>
         <a:p>
-          <a:pPr marL="0" lvl="0" indent="0" algn="ctr" defTabSz="666750">
+          <a:pPr marL="0" lvl="0" indent="0" algn="ctr" defTabSz="533400">
             <a:lnSpc>
               <a:spcPct val="90000"/>
             </a:lnSpc>
@@ -2076,14 +2123,14 @@
             <a:buNone/>
           </a:pPr>
           <a:r>
-            <a:rPr lang="en-IN" sz="1500" kern="1200" dirty="0"/>
+            <a:rPr lang="en-IN" sz="1200" kern="1200" dirty="0"/>
             <a:t>Security</a:t>
           </a:r>
         </a:p>
       </dsp:txBody>
       <dsp:txXfrm>
-        <a:off x="7313414" y="4244807"/>
-        <a:ext cx="3654028" cy="383549"/>
+        <a:off x="5910210" y="3048940"/>
+        <a:ext cx="2952940" cy="275494"/>
       </dsp:txXfrm>
     </dsp:sp>
     <dsp:sp modelId="{4AE30EF7-09D1-4544-8A4C-38A84D10FD9E}">
@@ -2093,8 +2140,8 @@
       </dsp:nvSpPr>
       <dsp:spPr>
         <a:xfrm rot="10800000">
-          <a:off x="0" y="2541346"/>
-          <a:ext cx="10972800" cy="1282390"/>
+          <a:off x="0" y="1825386"/>
+          <a:ext cx="8867480" cy="921109"/>
         </a:xfrm>
         <a:prstGeom prst="upArrowCallout">
           <a:avLst/>
@@ -2145,12 +2192,12 @@
         </a:fontRef>
       </dsp:style>
       <dsp:txBody>
-        <a:bodyPr spcFirstLastPara="0" vert="horz" wrap="square" lIns="106680" tIns="106680" rIns="106680" bIns="106680" numCol="1" spcCol="1270" anchor="ctr" anchorCtr="0">
+        <a:bodyPr spcFirstLastPara="0" vert="horz" wrap="square" lIns="78232" tIns="78232" rIns="78232" bIns="78232" numCol="1" spcCol="1270" anchor="ctr" anchorCtr="0">
           <a:noAutofit/>
         </a:bodyPr>
         <a:lstStyle/>
         <a:p>
-          <a:pPr marL="0" lvl="0" indent="0" algn="ctr" defTabSz="666750">
+          <a:pPr marL="0" lvl="0" indent="0" algn="ctr" defTabSz="488950">
             <a:lnSpc>
               <a:spcPct val="90000"/>
             </a:lnSpc>
@@ -2163,14 +2210,14 @@
             <a:buNone/>
           </a:pPr>
           <a:r>
-            <a:rPr lang="en-IN" sz="1500" kern="1200" dirty="0"/>
+            <a:rPr lang="en-IN" sz="1100" kern="1200" dirty="0"/>
             <a:t>Inter module Sensor Fusion</a:t>
           </a:r>
         </a:p>
       </dsp:txBody>
       <dsp:txXfrm rot="-10800000">
-        <a:off x="0" y="2541346"/>
-        <a:ext cx="10972800" cy="450119"/>
+        <a:off x="0" y="1825386"/>
+        <a:ext cx="8867480" cy="323309"/>
       </dsp:txXfrm>
     </dsp:sp>
     <dsp:sp modelId="{AB4AFE8D-1367-46EC-9C55-57F62C146C27}">
@@ -2180,8 +2227,8 @@
       </dsp:nvSpPr>
       <dsp:spPr>
         <a:xfrm>
-          <a:off x="5357" y="2991465"/>
-          <a:ext cx="3654028" cy="383434"/>
+          <a:off x="4329" y="2148695"/>
+          <a:ext cx="2952940" cy="275411"/>
         </a:xfrm>
         <a:prstGeom prst="rect">
           <a:avLst/>
@@ -2226,12 +2273,12 @@
         <a:fontRef idx="minor"/>
       </dsp:style>
       <dsp:txBody>
-        <a:bodyPr spcFirstLastPara="0" vert="horz" wrap="square" lIns="106680" tIns="19050" rIns="106680" bIns="19050" numCol="1" spcCol="1270" anchor="ctr" anchorCtr="0">
+        <a:bodyPr spcFirstLastPara="0" vert="horz" wrap="square" lIns="85344" tIns="15240" rIns="85344" bIns="15240" numCol="1" spcCol="1270" anchor="ctr" anchorCtr="0">
           <a:noAutofit/>
         </a:bodyPr>
         <a:lstStyle/>
         <a:p>
-          <a:pPr marL="0" lvl="0" indent="0" algn="ctr" defTabSz="666750">
+          <a:pPr marL="0" lvl="0" indent="0" algn="ctr" defTabSz="533400">
             <a:lnSpc>
               <a:spcPct val="90000"/>
             </a:lnSpc>
@@ -2244,14 +2291,14 @@
             <a:buNone/>
           </a:pPr>
           <a:r>
-            <a:rPr lang="en-IN" sz="1500" kern="1200" dirty="0"/>
+            <a:rPr lang="en-IN" sz="1200" kern="1200" dirty="0"/>
             <a:t>Connected intelligence among sub modules</a:t>
           </a:r>
         </a:p>
       </dsp:txBody>
       <dsp:txXfrm>
-        <a:off x="5357" y="2991465"/>
-        <a:ext cx="3654028" cy="383434"/>
+        <a:off x="4329" y="2148695"/>
+        <a:ext cx="2952940" cy="275411"/>
       </dsp:txXfrm>
     </dsp:sp>
     <dsp:sp modelId="{4CE5B7FB-F986-48DC-9603-8D69BC5DD823}">
@@ -2261,8 +2308,8 @@
       </dsp:nvSpPr>
       <dsp:spPr>
         <a:xfrm>
-          <a:off x="3659385" y="2991465"/>
-          <a:ext cx="3654028" cy="383434"/>
+          <a:off x="2957269" y="2148695"/>
+          <a:ext cx="2952940" cy="275411"/>
         </a:xfrm>
         <a:prstGeom prst="rect">
           <a:avLst/>
@@ -2307,12 +2354,12 @@
         <a:fontRef idx="minor"/>
       </dsp:style>
       <dsp:txBody>
-        <a:bodyPr spcFirstLastPara="0" vert="horz" wrap="square" lIns="106680" tIns="19050" rIns="106680" bIns="19050" numCol="1" spcCol="1270" anchor="ctr" anchorCtr="0">
+        <a:bodyPr spcFirstLastPara="0" vert="horz" wrap="square" lIns="85344" tIns="15240" rIns="85344" bIns="15240" numCol="1" spcCol="1270" anchor="ctr" anchorCtr="0">
           <a:noAutofit/>
         </a:bodyPr>
         <a:lstStyle/>
         <a:p>
-          <a:pPr marL="0" lvl="0" indent="0" algn="ctr" defTabSz="666750">
+          <a:pPr marL="0" lvl="0" indent="0" algn="ctr" defTabSz="533400">
             <a:lnSpc>
               <a:spcPct val="90000"/>
             </a:lnSpc>
@@ -2325,14 +2372,14 @@
             <a:buNone/>
           </a:pPr>
           <a:r>
-            <a:rPr lang="en-IN" sz="1500" kern="1200" dirty="0"/>
+            <a:rPr lang="en-IN" sz="1200" kern="1200" dirty="0"/>
             <a:t>Test data throughput</a:t>
           </a:r>
         </a:p>
       </dsp:txBody>
       <dsp:txXfrm>
-        <a:off x="3659385" y="2991465"/>
-        <a:ext cx="3654028" cy="383434"/>
+        <a:off x="2957269" y="2148695"/>
+        <a:ext cx="2952940" cy="275411"/>
       </dsp:txXfrm>
     </dsp:sp>
     <dsp:sp modelId="{A6CEBBA9-970D-4697-9283-F387AED4D0B4}">
@@ -2342,8 +2389,8 @@
       </dsp:nvSpPr>
       <dsp:spPr>
         <a:xfrm>
-          <a:off x="7313414" y="2991465"/>
-          <a:ext cx="3654028" cy="383434"/>
+          <a:off x="5910210" y="2148695"/>
+          <a:ext cx="2952940" cy="275411"/>
         </a:xfrm>
         <a:prstGeom prst="rect">
           <a:avLst/>
@@ -2388,12 +2435,12 @@
         <a:fontRef idx="minor"/>
       </dsp:style>
       <dsp:txBody>
-        <a:bodyPr spcFirstLastPara="0" vert="horz" wrap="square" lIns="106680" tIns="19050" rIns="106680" bIns="19050" numCol="1" spcCol="1270" anchor="ctr" anchorCtr="0">
+        <a:bodyPr spcFirstLastPara="0" vert="horz" wrap="square" lIns="85344" tIns="15240" rIns="85344" bIns="15240" numCol="1" spcCol="1270" anchor="ctr" anchorCtr="0">
           <a:noAutofit/>
         </a:bodyPr>
         <a:lstStyle/>
         <a:p>
-          <a:pPr marL="0" lvl="0" indent="0" algn="ctr" defTabSz="666750">
+          <a:pPr marL="0" lvl="0" indent="0" algn="ctr" defTabSz="533400">
             <a:lnSpc>
               <a:spcPct val="90000"/>
             </a:lnSpc>
@@ -2406,14 +2453,14 @@
             <a:buNone/>
           </a:pPr>
           <a:r>
-            <a:rPr lang="en-IN" sz="1500" kern="1200" dirty="0"/>
+            <a:rPr lang="en-IN" sz="1200" kern="1200" dirty="0"/>
             <a:t>Test Fault tolerance</a:t>
           </a:r>
         </a:p>
       </dsp:txBody>
       <dsp:txXfrm>
-        <a:off x="7313414" y="2991465"/>
-        <a:ext cx="3654028" cy="383434"/>
+        <a:off x="5910210" y="2148695"/>
+        <a:ext cx="2952940" cy="275411"/>
       </dsp:txXfrm>
     </dsp:sp>
     <dsp:sp modelId="{5AB84AD5-008E-4E48-8B3D-47D403F5D684}">
@@ -2423,8 +2470,8 @@
       </dsp:nvSpPr>
       <dsp:spPr>
         <a:xfrm rot="10800000">
-          <a:off x="0" y="1271462"/>
-          <a:ext cx="10972800" cy="1282390"/>
+          <a:off x="0" y="913260"/>
+          <a:ext cx="8867480" cy="921109"/>
         </a:xfrm>
         <a:prstGeom prst="upArrowCallout">
           <a:avLst/>
@@ -2473,12 +2520,12 @@
         </a:fontRef>
       </dsp:style>
       <dsp:txBody>
-        <a:bodyPr spcFirstLastPara="0" vert="horz" wrap="square" lIns="106680" tIns="106680" rIns="106680" bIns="106680" numCol="1" spcCol="1270" anchor="ctr" anchorCtr="0">
+        <a:bodyPr spcFirstLastPara="0" vert="horz" wrap="square" lIns="78232" tIns="78232" rIns="78232" bIns="78232" numCol="1" spcCol="1270" anchor="ctr" anchorCtr="0">
           <a:noAutofit/>
         </a:bodyPr>
         <a:lstStyle/>
         <a:p>
-          <a:pPr marL="0" lvl="0" indent="0" algn="ctr" defTabSz="666750">
+          <a:pPr marL="0" lvl="0" indent="0" algn="ctr" defTabSz="488950">
             <a:lnSpc>
               <a:spcPct val="90000"/>
             </a:lnSpc>
@@ -2491,14 +2538,14 @@
             <a:buNone/>
           </a:pPr>
           <a:r>
-            <a:rPr lang="en-IN" sz="1500" kern="1200" dirty="0"/>
+            <a:rPr lang="en-IN" sz="1100" kern="1200" dirty="0"/>
             <a:t>Local Sensor Fusion</a:t>
           </a:r>
         </a:p>
       </dsp:txBody>
       <dsp:txXfrm rot="-10800000">
-        <a:off x="0" y="1271462"/>
-        <a:ext cx="10972800" cy="450119"/>
+        <a:off x="0" y="913260"/>
+        <a:ext cx="8867480" cy="323309"/>
       </dsp:txXfrm>
     </dsp:sp>
     <dsp:sp modelId="{D1D4C106-CFA9-4991-B0F4-566B3AD0A03E}">
@@ -2508,8 +2555,8 @@
       </dsp:nvSpPr>
       <dsp:spPr>
         <a:xfrm>
-          <a:off x="0" y="1721581"/>
-          <a:ext cx="5486399" cy="383434"/>
+          <a:off x="0" y="1236569"/>
+          <a:ext cx="4433739" cy="275411"/>
         </a:xfrm>
         <a:prstGeom prst="rect">
           <a:avLst/>
@@ -2554,12 +2601,12 @@
         <a:fontRef idx="minor"/>
       </dsp:style>
       <dsp:txBody>
-        <a:bodyPr spcFirstLastPara="0" vert="horz" wrap="square" lIns="106680" tIns="19050" rIns="106680" bIns="19050" numCol="1" spcCol="1270" anchor="ctr" anchorCtr="0">
+        <a:bodyPr spcFirstLastPara="0" vert="horz" wrap="square" lIns="85344" tIns="15240" rIns="85344" bIns="15240" numCol="1" spcCol="1270" anchor="ctr" anchorCtr="0">
           <a:noAutofit/>
         </a:bodyPr>
         <a:lstStyle/>
         <a:p>
-          <a:pPr marL="0" lvl="0" indent="0" algn="ctr" defTabSz="666750">
+          <a:pPr marL="0" lvl="0" indent="0" algn="ctr" defTabSz="533400">
             <a:lnSpc>
               <a:spcPct val="90000"/>
             </a:lnSpc>
@@ -2572,14 +2619,14 @@
             <a:buNone/>
           </a:pPr>
           <a:r>
-            <a:rPr lang="en-IN" sz="1500" kern="1200" dirty="0"/>
+            <a:rPr lang="en-IN" sz="1200" kern="1200" dirty="0"/>
             <a:t>Develop a universal communication protocol across sensors</a:t>
           </a:r>
         </a:p>
       </dsp:txBody>
       <dsp:txXfrm>
-        <a:off x="0" y="1721581"/>
-        <a:ext cx="5486399" cy="383434"/>
+        <a:off x="0" y="1236569"/>
+        <a:ext cx="4433739" cy="275411"/>
       </dsp:txXfrm>
     </dsp:sp>
     <dsp:sp modelId="{730CDE31-0799-45D0-BB57-3E6FFA8A2AFC}">
@@ -2589,8 +2636,8 @@
       </dsp:nvSpPr>
       <dsp:spPr>
         <a:xfrm>
-          <a:off x="5486400" y="1721581"/>
-          <a:ext cx="5486399" cy="383434"/>
+          <a:off x="4433740" y="1236569"/>
+          <a:ext cx="4433739" cy="275411"/>
         </a:xfrm>
         <a:prstGeom prst="rect">
           <a:avLst/>
@@ -2635,12 +2682,12 @@
         <a:fontRef idx="minor"/>
       </dsp:style>
       <dsp:txBody>
-        <a:bodyPr spcFirstLastPara="0" vert="horz" wrap="square" lIns="106680" tIns="19050" rIns="106680" bIns="19050" numCol="1" spcCol="1270" anchor="ctr" anchorCtr="0">
+        <a:bodyPr spcFirstLastPara="0" vert="horz" wrap="square" lIns="85344" tIns="15240" rIns="85344" bIns="15240" numCol="1" spcCol="1270" anchor="ctr" anchorCtr="0">
           <a:noAutofit/>
         </a:bodyPr>
         <a:lstStyle/>
         <a:p>
-          <a:pPr marL="0" lvl="0" indent="0" algn="ctr" defTabSz="666750">
+          <a:pPr marL="0" lvl="0" indent="0" algn="ctr" defTabSz="533400">
             <a:lnSpc>
               <a:spcPct val="90000"/>
             </a:lnSpc>
@@ -2653,14 +2700,14 @@
             <a:buNone/>
           </a:pPr>
           <a:r>
-            <a:rPr lang="en-IN" sz="1500" kern="1200" dirty="0"/>
+            <a:rPr lang="en-IN" sz="1200" kern="1200" dirty="0"/>
             <a:t>Online and offline data storage handling</a:t>
           </a:r>
         </a:p>
       </dsp:txBody>
       <dsp:txXfrm>
-        <a:off x="5486400" y="1721581"/>
-        <a:ext cx="5486399" cy="383434"/>
+        <a:off x="4433740" y="1236569"/>
+        <a:ext cx="4433739" cy="275411"/>
       </dsp:txXfrm>
     </dsp:sp>
     <dsp:sp modelId="{A2AAA4D1-39A0-4179-AB94-3B07C0DE66E7}">
@@ -2670,8 +2717,8 @@
       </dsp:nvSpPr>
       <dsp:spPr>
         <a:xfrm rot="10800000">
-          <a:off x="0" y="0"/>
-          <a:ext cx="10972800" cy="1282390"/>
+          <a:off x="0" y="1"/>
+          <a:ext cx="8867480" cy="921109"/>
         </a:xfrm>
         <a:prstGeom prst="upArrowCallout">
           <a:avLst/>
@@ -2717,12 +2764,12 @@
         </a:fontRef>
       </dsp:style>
       <dsp:txBody>
-        <a:bodyPr spcFirstLastPara="0" vert="horz" wrap="square" lIns="106680" tIns="106680" rIns="106680" bIns="106680" numCol="1" spcCol="1270" anchor="ctr" anchorCtr="0">
+        <a:bodyPr spcFirstLastPara="0" vert="horz" wrap="square" lIns="78232" tIns="78232" rIns="78232" bIns="78232" numCol="1" spcCol="1270" anchor="ctr" anchorCtr="0">
           <a:noAutofit/>
         </a:bodyPr>
         <a:lstStyle/>
         <a:p>
-          <a:pPr marL="0" lvl="0" indent="0" algn="ctr" defTabSz="666750">
+          <a:pPr marL="0" lvl="0" indent="0" algn="ctr" defTabSz="488950">
             <a:lnSpc>
               <a:spcPct val="90000"/>
             </a:lnSpc>
@@ -2735,14 +2782,14 @@
             <a:buNone/>
           </a:pPr>
           <a:r>
-            <a:rPr lang="en-IN" sz="1500" kern="1200" dirty="0"/>
+            <a:rPr lang="en-IN" sz="1100" kern="1200" dirty="0"/>
             <a:t>Initial Framework</a:t>
           </a:r>
         </a:p>
       </dsp:txBody>
       <dsp:txXfrm rot="-10800000">
-        <a:off x="0" y="0"/>
-        <a:ext cx="10972800" cy="450119"/>
+        <a:off x="0" y="1"/>
+        <a:ext cx="8867480" cy="323309"/>
       </dsp:txXfrm>
     </dsp:sp>
     <dsp:sp modelId="{F307D3A8-B1D9-4D60-A660-C2931D7F58DB}">
@@ -2752,8 +2799,8 @@
       </dsp:nvSpPr>
       <dsp:spPr>
         <a:xfrm>
-          <a:off x="5357" y="451698"/>
-          <a:ext cx="3654028" cy="383434"/>
+          <a:off x="4329" y="324443"/>
+          <a:ext cx="2952940" cy="275411"/>
         </a:xfrm>
         <a:prstGeom prst="rect">
           <a:avLst/>
@@ -2798,12 +2845,12 @@
         <a:fontRef idx="minor"/>
       </dsp:style>
       <dsp:txBody>
-        <a:bodyPr spcFirstLastPara="0" vert="horz" wrap="square" lIns="106680" tIns="19050" rIns="106680" bIns="19050" numCol="1" spcCol="1270" anchor="ctr" anchorCtr="0">
+        <a:bodyPr spcFirstLastPara="0" vert="horz" wrap="square" lIns="85344" tIns="15240" rIns="85344" bIns="15240" numCol="1" spcCol="1270" anchor="ctr" anchorCtr="0">
           <a:noAutofit/>
         </a:bodyPr>
         <a:lstStyle/>
         <a:p>
-          <a:pPr marL="0" lvl="0" indent="0" algn="ctr" defTabSz="666750">
+          <a:pPr marL="0" lvl="0" indent="0" algn="ctr" defTabSz="533400">
             <a:lnSpc>
               <a:spcPct val="90000"/>
             </a:lnSpc>
@@ -2816,14 +2863,14 @@
             <a:buNone/>
           </a:pPr>
           <a:r>
-            <a:rPr lang="en-IN" sz="1500" kern="1200" dirty="0"/>
+            <a:rPr lang="en-IN" sz="1200" kern="1200" dirty="0"/>
             <a:t>ROS Cloud Server setup</a:t>
           </a:r>
         </a:p>
       </dsp:txBody>
       <dsp:txXfrm>
-        <a:off x="5357" y="451698"/>
-        <a:ext cx="3654028" cy="383434"/>
+        <a:off x="4329" y="324443"/>
+        <a:ext cx="2952940" cy="275411"/>
       </dsp:txXfrm>
     </dsp:sp>
     <dsp:sp modelId="{0D3DAF7A-7EC6-4470-9B3C-AB44BAF398C5}">
@@ -2833,8 +2880,8 @@
       </dsp:nvSpPr>
       <dsp:spPr>
         <a:xfrm>
-          <a:off x="3659385" y="451698"/>
-          <a:ext cx="3654028" cy="383434"/>
+          <a:off x="2957269" y="324443"/>
+          <a:ext cx="2952940" cy="275411"/>
         </a:xfrm>
         <a:prstGeom prst="rect">
           <a:avLst/>
@@ -2879,12 +2926,12 @@
         <a:fontRef idx="minor"/>
       </dsp:style>
       <dsp:txBody>
-        <a:bodyPr spcFirstLastPara="0" vert="horz" wrap="square" lIns="106680" tIns="19050" rIns="106680" bIns="19050" numCol="1" spcCol="1270" anchor="ctr" anchorCtr="0">
+        <a:bodyPr spcFirstLastPara="0" vert="horz" wrap="square" lIns="85344" tIns="15240" rIns="85344" bIns="15240" numCol="1" spcCol="1270" anchor="ctr" anchorCtr="0">
           <a:noAutofit/>
         </a:bodyPr>
         <a:lstStyle/>
         <a:p>
-          <a:pPr marL="0" lvl="0" indent="0" algn="ctr" defTabSz="666750">
+          <a:pPr marL="0" lvl="0" indent="0" algn="ctr" defTabSz="533400">
             <a:lnSpc>
               <a:spcPct val="90000"/>
             </a:lnSpc>
@@ -2897,14 +2944,14 @@
             <a:buNone/>
           </a:pPr>
           <a:r>
-            <a:rPr lang="en-IN" sz="1500" kern="1200" dirty="0"/>
+            <a:rPr lang="en-IN" sz="1200" kern="1200" dirty="0"/>
             <a:t>Create Robot LAN</a:t>
           </a:r>
         </a:p>
       </dsp:txBody>
       <dsp:txXfrm>
-        <a:off x="3659385" y="451698"/>
-        <a:ext cx="3654028" cy="383434"/>
+        <a:off x="2957269" y="324443"/>
+        <a:ext cx="2952940" cy="275411"/>
       </dsp:txXfrm>
     </dsp:sp>
     <dsp:sp modelId="{D1DAF052-6C04-46C2-8CE5-32EAE16E00EE}">
@@ -2914,8 +2961,8 @@
       </dsp:nvSpPr>
       <dsp:spPr>
         <a:xfrm>
-          <a:off x="7313414" y="451698"/>
-          <a:ext cx="3654028" cy="383434"/>
+          <a:off x="5910210" y="324443"/>
+          <a:ext cx="2952940" cy="275411"/>
         </a:xfrm>
         <a:prstGeom prst="rect">
           <a:avLst/>
@@ -2960,12 +3007,12 @@
         <a:fontRef idx="minor"/>
       </dsp:style>
       <dsp:txBody>
-        <a:bodyPr spcFirstLastPara="0" vert="horz" wrap="square" lIns="106680" tIns="19050" rIns="106680" bIns="19050" numCol="1" spcCol="1270" anchor="ctr" anchorCtr="0">
+        <a:bodyPr spcFirstLastPara="0" vert="horz" wrap="square" lIns="85344" tIns="15240" rIns="85344" bIns="15240" numCol="1" spcCol="1270" anchor="ctr" anchorCtr="0">
           <a:noAutofit/>
         </a:bodyPr>
         <a:lstStyle/>
         <a:p>
-          <a:pPr marL="0" lvl="0" indent="0" algn="ctr" defTabSz="666750">
+          <a:pPr marL="0" lvl="0" indent="0" algn="ctr" defTabSz="533400">
             <a:lnSpc>
               <a:spcPct val="90000"/>
             </a:lnSpc>
@@ -2978,14 +3025,14 @@
             <a:buNone/>
           </a:pPr>
           <a:r>
-            <a:rPr lang="en-IN" sz="1500" kern="1200" dirty="0"/>
+            <a:rPr lang="en-IN" sz="1200" kern="1200" dirty="0"/>
             <a:t>Setup Modular WAN</a:t>
           </a:r>
         </a:p>
       </dsp:txBody>
       <dsp:txXfrm>
-        <a:off x="7313414" y="451698"/>
-        <a:ext cx="3654028" cy="383434"/>
+        <a:off x="5910210" y="324443"/>
+        <a:ext cx="2952940" cy="275411"/>
       </dsp:txXfrm>
     </dsp:sp>
   </dsp:spTree>
@@ -4757,7 +4804,7 @@
           <a:p>
             <a:fld id="{BE5F3E31-9781-B24F-87A9-F98653FBF465}" type="datetimeFigureOut">
               <a:rPr lang="en-US" smtClean="0"/>
-              <a:t>12/14/2021</a:t>
+              <a:t>12/16/2021</a:t>
             </a:fld>
             <a:endParaRPr lang="en-US"/>
           </a:p>
@@ -5266,7 +5313,7 @@
     </p:spTree>
     <p:extLst>
       <p:ext uri="{BB962C8B-B14F-4D97-AF65-F5344CB8AC3E}">
-        <p14:creationId xmlns:p14="http://schemas.microsoft.com/office/powerpoint/2010/main" val="773184769"/>
+        <p14:creationId xmlns:p14="http://schemas.microsoft.com/office/powerpoint/2010/main" val="3475213148"/>
       </p:ext>
     </p:extLst>
   </p:cSld>
@@ -5350,7 +5397,343 @@
     </p:spTree>
     <p:extLst>
       <p:ext uri="{BB962C8B-B14F-4D97-AF65-F5344CB8AC3E}">
-        <p14:creationId xmlns:p14="http://schemas.microsoft.com/office/powerpoint/2010/main" val="3475213148"/>
+        <p14:creationId xmlns:p14="http://schemas.microsoft.com/office/powerpoint/2010/main" val="773184769"/>
+      </p:ext>
+    </p:extLst>
+  </p:cSld>
+  <p:clrMapOvr>
+    <a:masterClrMapping/>
+  </p:clrMapOvr>
+</p:notes>
+</file>
+
+<file path=ppt/notesSlides/notesSlide5.xml><?xml version="1.0" encoding="utf-8"?>
+<p:notes xmlns:a="http://schemas.openxmlformats.org/drawingml/2006/main" xmlns:r="http://schemas.openxmlformats.org/officeDocument/2006/relationships" xmlns:p="http://schemas.openxmlformats.org/presentationml/2006/main">
+  <p:cSld>
+    <p:spTree>
+      <p:nvGrpSpPr>
+        <p:cNvPr id="1" name=""/>
+        <p:cNvGrpSpPr/>
+        <p:nvPr/>
+      </p:nvGrpSpPr>
+      <p:grpSpPr>
+        <a:xfrm>
+          <a:off x="0" y="0"/>
+          <a:ext cx="0" cy="0"/>
+          <a:chOff x="0" y="0"/>
+          <a:chExt cx="0" cy="0"/>
+        </a:xfrm>
+      </p:grpSpPr>
+      <p:sp>
+        <p:nvSpPr>
+          <p:cNvPr id="2" name="Slide Image Placeholder 1"/>
+          <p:cNvSpPr>
+            <a:spLocks noGrp="1" noRot="1" noChangeAspect="1"/>
+          </p:cNvSpPr>
+          <p:nvPr>
+            <p:ph type="sldImg"/>
+          </p:nvPr>
+        </p:nvSpPr>
+        <p:spPr/>
+      </p:sp>
+      <p:sp>
+        <p:nvSpPr>
+          <p:cNvPr id="3" name="Notes Placeholder 2"/>
+          <p:cNvSpPr>
+            <a:spLocks noGrp="1"/>
+          </p:cNvSpPr>
+          <p:nvPr>
+            <p:ph type="body" idx="1"/>
+          </p:nvPr>
+        </p:nvSpPr>
+        <p:spPr/>
+        <p:txBody>
+          <a:bodyPr/>
+          <a:lstStyle/>
+          <a:p>
+            <a:endParaRPr lang="en-US" dirty="0"/>
+          </a:p>
+        </p:txBody>
+      </p:sp>
+      <p:sp>
+        <p:nvSpPr>
+          <p:cNvPr id="4" name="Slide Number Placeholder 3"/>
+          <p:cNvSpPr>
+            <a:spLocks noGrp="1"/>
+          </p:cNvSpPr>
+          <p:nvPr>
+            <p:ph type="sldNum" sz="quarter" idx="5"/>
+          </p:nvPr>
+        </p:nvSpPr>
+        <p:spPr/>
+        <p:txBody>
+          <a:bodyPr/>
+          <a:lstStyle/>
+          <a:p>
+            <a:fld id="{A41F4F8C-1785-AC43-97F9-C9301BD933C9}" type="slidenum">
+              <a:rPr lang="en-US" smtClean="0"/>
+              <a:t>7</a:t>
+            </a:fld>
+            <a:endParaRPr lang="en-US"/>
+          </a:p>
+        </p:txBody>
+      </p:sp>
+    </p:spTree>
+    <p:extLst>
+      <p:ext uri="{BB962C8B-B14F-4D97-AF65-F5344CB8AC3E}">
+        <p14:creationId xmlns:p14="http://schemas.microsoft.com/office/powerpoint/2010/main" val="2682086551"/>
+      </p:ext>
+    </p:extLst>
+  </p:cSld>
+  <p:clrMapOvr>
+    <a:masterClrMapping/>
+  </p:clrMapOvr>
+</p:notes>
+</file>
+
+<file path=ppt/notesSlides/notesSlide6.xml><?xml version="1.0" encoding="utf-8"?>
+<p:notes xmlns:a="http://schemas.openxmlformats.org/drawingml/2006/main" xmlns:r="http://schemas.openxmlformats.org/officeDocument/2006/relationships" xmlns:p="http://schemas.openxmlformats.org/presentationml/2006/main">
+  <p:cSld>
+    <p:spTree>
+      <p:nvGrpSpPr>
+        <p:cNvPr id="1" name=""/>
+        <p:cNvGrpSpPr/>
+        <p:nvPr/>
+      </p:nvGrpSpPr>
+      <p:grpSpPr>
+        <a:xfrm>
+          <a:off x="0" y="0"/>
+          <a:ext cx="0" cy="0"/>
+          <a:chOff x="0" y="0"/>
+          <a:chExt cx="0" cy="0"/>
+        </a:xfrm>
+      </p:grpSpPr>
+      <p:sp>
+        <p:nvSpPr>
+          <p:cNvPr id="2" name="Slide Image Placeholder 1"/>
+          <p:cNvSpPr>
+            <a:spLocks noGrp="1" noRot="1" noChangeAspect="1"/>
+          </p:cNvSpPr>
+          <p:nvPr>
+            <p:ph type="sldImg"/>
+          </p:nvPr>
+        </p:nvSpPr>
+        <p:spPr/>
+      </p:sp>
+      <p:sp>
+        <p:nvSpPr>
+          <p:cNvPr id="3" name="Notes Placeholder 2"/>
+          <p:cNvSpPr>
+            <a:spLocks noGrp="1"/>
+          </p:cNvSpPr>
+          <p:nvPr>
+            <p:ph type="body" idx="1"/>
+          </p:nvPr>
+        </p:nvSpPr>
+        <p:spPr/>
+        <p:txBody>
+          <a:bodyPr/>
+          <a:lstStyle/>
+          <a:p>
+            <a:endParaRPr lang="en-US" dirty="0"/>
+          </a:p>
+        </p:txBody>
+      </p:sp>
+      <p:sp>
+        <p:nvSpPr>
+          <p:cNvPr id="4" name="Slide Number Placeholder 3"/>
+          <p:cNvSpPr>
+            <a:spLocks noGrp="1"/>
+          </p:cNvSpPr>
+          <p:nvPr>
+            <p:ph type="sldNum" sz="quarter" idx="5"/>
+          </p:nvPr>
+        </p:nvSpPr>
+        <p:spPr/>
+        <p:txBody>
+          <a:bodyPr/>
+          <a:lstStyle/>
+          <a:p>
+            <a:fld id="{A41F4F8C-1785-AC43-97F9-C9301BD933C9}" type="slidenum">
+              <a:rPr lang="en-US" smtClean="0"/>
+              <a:t>8</a:t>
+            </a:fld>
+            <a:endParaRPr lang="en-US"/>
+          </a:p>
+        </p:txBody>
+      </p:sp>
+    </p:spTree>
+    <p:extLst>
+      <p:ext uri="{BB962C8B-B14F-4D97-AF65-F5344CB8AC3E}">
+        <p14:creationId xmlns:p14="http://schemas.microsoft.com/office/powerpoint/2010/main" val="527758307"/>
+      </p:ext>
+    </p:extLst>
+  </p:cSld>
+  <p:clrMapOvr>
+    <a:masterClrMapping/>
+  </p:clrMapOvr>
+</p:notes>
+</file>
+
+<file path=ppt/notesSlides/notesSlide7.xml><?xml version="1.0" encoding="utf-8"?>
+<p:notes xmlns:a="http://schemas.openxmlformats.org/drawingml/2006/main" xmlns:r="http://schemas.openxmlformats.org/officeDocument/2006/relationships" xmlns:p="http://schemas.openxmlformats.org/presentationml/2006/main">
+  <p:cSld>
+    <p:spTree>
+      <p:nvGrpSpPr>
+        <p:cNvPr id="1" name=""/>
+        <p:cNvGrpSpPr/>
+        <p:nvPr/>
+      </p:nvGrpSpPr>
+      <p:grpSpPr>
+        <a:xfrm>
+          <a:off x="0" y="0"/>
+          <a:ext cx="0" cy="0"/>
+          <a:chOff x="0" y="0"/>
+          <a:chExt cx="0" cy="0"/>
+        </a:xfrm>
+      </p:grpSpPr>
+      <p:sp>
+        <p:nvSpPr>
+          <p:cNvPr id="2" name="Slide Image Placeholder 1"/>
+          <p:cNvSpPr>
+            <a:spLocks noGrp="1" noRot="1" noChangeAspect="1"/>
+          </p:cNvSpPr>
+          <p:nvPr>
+            <p:ph type="sldImg"/>
+          </p:nvPr>
+        </p:nvSpPr>
+        <p:spPr/>
+      </p:sp>
+      <p:sp>
+        <p:nvSpPr>
+          <p:cNvPr id="3" name="Notes Placeholder 2"/>
+          <p:cNvSpPr>
+            <a:spLocks noGrp="1"/>
+          </p:cNvSpPr>
+          <p:nvPr>
+            <p:ph type="body" idx="1"/>
+          </p:nvPr>
+        </p:nvSpPr>
+        <p:spPr/>
+        <p:txBody>
+          <a:bodyPr/>
+          <a:lstStyle/>
+          <a:p>
+            <a:endParaRPr lang="en-US" dirty="0"/>
+          </a:p>
+        </p:txBody>
+      </p:sp>
+      <p:sp>
+        <p:nvSpPr>
+          <p:cNvPr id="4" name="Slide Number Placeholder 3"/>
+          <p:cNvSpPr>
+            <a:spLocks noGrp="1"/>
+          </p:cNvSpPr>
+          <p:nvPr>
+            <p:ph type="sldNum" sz="quarter" idx="5"/>
+          </p:nvPr>
+        </p:nvSpPr>
+        <p:spPr/>
+        <p:txBody>
+          <a:bodyPr/>
+          <a:lstStyle/>
+          <a:p>
+            <a:fld id="{A41F4F8C-1785-AC43-97F9-C9301BD933C9}" type="slidenum">
+              <a:rPr lang="en-US" smtClean="0"/>
+              <a:t>9</a:t>
+            </a:fld>
+            <a:endParaRPr lang="en-US"/>
+          </a:p>
+        </p:txBody>
+      </p:sp>
+    </p:spTree>
+    <p:extLst>
+      <p:ext uri="{BB962C8B-B14F-4D97-AF65-F5344CB8AC3E}">
+        <p14:creationId xmlns:p14="http://schemas.microsoft.com/office/powerpoint/2010/main" val="1632115868"/>
+      </p:ext>
+    </p:extLst>
+  </p:cSld>
+  <p:clrMapOvr>
+    <a:masterClrMapping/>
+  </p:clrMapOvr>
+</p:notes>
+</file>
+
+<file path=ppt/notesSlides/notesSlide8.xml><?xml version="1.0" encoding="utf-8"?>
+<p:notes xmlns:a="http://schemas.openxmlformats.org/drawingml/2006/main" xmlns:r="http://schemas.openxmlformats.org/officeDocument/2006/relationships" xmlns:p="http://schemas.openxmlformats.org/presentationml/2006/main">
+  <p:cSld>
+    <p:spTree>
+      <p:nvGrpSpPr>
+        <p:cNvPr id="1" name=""/>
+        <p:cNvGrpSpPr/>
+        <p:nvPr/>
+      </p:nvGrpSpPr>
+      <p:grpSpPr>
+        <a:xfrm>
+          <a:off x="0" y="0"/>
+          <a:ext cx="0" cy="0"/>
+          <a:chOff x="0" y="0"/>
+          <a:chExt cx="0" cy="0"/>
+        </a:xfrm>
+      </p:grpSpPr>
+      <p:sp>
+        <p:nvSpPr>
+          <p:cNvPr id="2" name="Slide Image Placeholder 1"/>
+          <p:cNvSpPr>
+            <a:spLocks noGrp="1" noRot="1" noChangeAspect="1"/>
+          </p:cNvSpPr>
+          <p:nvPr>
+            <p:ph type="sldImg"/>
+          </p:nvPr>
+        </p:nvSpPr>
+        <p:spPr/>
+      </p:sp>
+      <p:sp>
+        <p:nvSpPr>
+          <p:cNvPr id="3" name="Notes Placeholder 2"/>
+          <p:cNvSpPr>
+            <a:spLocks noGrp="1"/>
+          </p:cNvSpPr>
+          <p:nvPr>
+            <p:ph type="body" idx="1"/>
+          </p:nvPr>
+        </p:nvSpPr>
+        <p:spPr/>
+        <p:txBody>
+          <a:bodyPr/>
+          <a:lstStyle/>
+          <a:p>
+            <a:endParaRPr lang="en-US" dirty="0"/>
+          </a:p>
+        </p:txBody>
+      </p:sp>
+      <p:sp>
+        <p:nvSpPr>
+          <p:cNvPr id="4" name="Slide Number Placeholder 3"/>
+          <p:cNvSpPr>
+            <a:spLocks noGrp="1"/>
+          </p:cNvSpPr>
+          <p:nvPr>
+            <p:ph type="sldNum" sz="quarter" idx="5"/>
+          </p:nvPr>
+        </p:nvSpPr>
+        <p:spPr/>
+        <p:txBody>
+          <a:bodyPr/>
+          <a:lstStyle/>
+          <a:p>
+            <a:fld id="{A41F4F8C-1785-AC43-97F9-C9301BD933C9}" type="slidenum">
+              <a:rPr lang="en-US" smtClean="0"/>
+              <a:t>10</a:t>
+            </a:fld>
+            <a:endParaRPr lang="en-US"/>
+          </a:p>
+        </p:txBody>
+      </p:sp>
+    </p:spTree>
+    <p:extLst>
+      <p:ext uri="{BB962C8B-B14F-4D97-AF65-F5344CB8AC3E}">
+        <p14:creationId xmlns:p14="http://schemas.microsoft.com/office/powerpoint/2010/main" val="4062591683"/>
       </p:ext>
     </p:extLst>
   </p:cSld>
@@ -5675,7 +6058,7 @@
           <a:p>
             <a:fld id="{45C4CE51-D15A-BB47-9138-751D578D2580}" type="datetimeFigureOut">
               <a:rPr lang="en-US" smtClean="0"/>
-              <a:t>12/14/2021</a:t>
+              <a:t>12/16/2021</a:t>
             </a:fld>
             <a:endParaRPr lang="en-US"/>
           </a:p>
@@ -5961,7 +6344,7 @@
           <a:p>
             <a:fld id="{45C4CE51-D15A-BB47-9138-751D578D2580}" type="datetimeFigureOut">
               <a:rPr lang="en-US" smtClean="0"/>
-              <a:t>12/14/2021</a:t>
+              <a:t>12/16/2021</a:t>
             </a:fld>
             <a:endParaRPr lang="en-US"/>
           </a:p>
@@ -6206,7 +6589,7 @@
           <a:p>
             <a:fld id="{45C4CE51-D15A-BB47-9138-751D578D2580}" type="datetimeFigureOut">
               <a:rPr lang="en-US" smtClean="0"/>
-              <a:t>12/14/2021</a:t>
+              <a:t>12/16/2021</a:t>
             </a:fld>
             <a:endParaRPr lang="en-US"/>
           </a:p>
@@ -6496,7 +6879,7 @@
           <a:p>
             <a:fld id="{45C4CE51-D15A-BB47-9138-751D578D2580}" type="datetimeFigureOut">
               <a:rPr lang="en-US" smtClean="0"/>
-              <a:t>12/14/2021</a:t>
+              <a:t>12/16/2021</a:t>
             </a:fld>
             <a:endParaRPr lang="en-US"/>
           </a:p>
@@ -6920,7 +7303,7 @@
           <a:p>
             <a:fld id="{45C4CE51-D15A-BB47-9138-751D578D2580}" type="datetimeFigureOut">
               <a:rPr lang="en-US" smtClean="0"/>
-              <a:t>12/14/2021</a:t>
+              <a:t>12/16/2021</a:t>
             </a:fld>
             <a:endParaRPr lang="en-US"/>
           </a:p>
@@ -7178,7 +7561,7 @@
           <a:p>
             <a:fld id="{45C4CE51-D15A-BB47-9138-751D578D2580}" type="datetimeFigureOut">
               <a:rPr lang="en-US" smtClean="0"/>
-              <a:t>12/14/2021</a:t>
+              <a:t>12/16/2021</a:t>
             </a:fld>
             <a:endParaRPr lang="en-US"/>
           </a:p>
@@ -7343,7 +7726,7 @@
           <a:p>
             <a:fld id="{45C4CE51-D15A-BB47-9138-751D578D2580}" type="datetimeFigureOut">
               <a:rPr lang="en-US" smtClean="0"/>
-              <a:t>12/14/2021</a:t>
+              <a:t>12/16/2021</a:t>
             </a:fld>
             <a:endParaRPr lang="en-US"/>
           </a:p>
@@ -7618,7 +8001,7 @@
           <a:p>
             <a:fld id="{45C4CE51-D15A-BB47-9138-751D578D2580}" type="datetimeFigureOut">
               <a:rPr lang="en-US" smtClean="0"/>
-              <a:t>12/14/2021</a:t>
+              <a:t>12/16/2021</a:t>
             </a:fld>
             <a:endParaRPr lang="en-US"/>
           </a:p>
@@ -7870,7 +8253,7 @@
           <a:p>
             <a:fld id="{45C4CE51-D15A-BB47-9138-751D578D2580}" type="datetimeFigureOut">
               <a:rPr lang="en-US" smtClean="0"/>
-              <a:t>12/14/2021</a:t>
+              <a:t>12/16/2021</a:t>
             </a:fld>
             <a:endParaRPr lang="en-US"/>
           </a:p>
@@ -8081,7 +8464,7 @@
           <a:p>
             <a:fld id="{45C4CE51-D15A-BB47-9138-751D578D2580}" type="datetimeFigureOut">
               <a:rPr lang="en-US" smtClean="0"/>
-              <a:t>12/14/2021</a:t>
+              <a:t>12/16/2021</a:t>
             </a:fld>
             <a:endParaRPr lang="en-US"/>
           </a:p>
@@ -8694,6 +9077,1306 @@
             <a:spLocks noGrp="1"/>
           </p:cNvSpPr>
           <p:nvPr>
+            <p:ph type="title"/>
+          </p:nvPr>
+        </p:nvSpPr>
+        <p:spPr/>
+        <p:txBody>
+          <a:bodyPr/>
+          <a:lstStyle/>
+          <a:p>
+            <a:r>
+              <a:rPr lang="en-US" dirty="0"/>
+              <a:t>Future Work</a:t>
+            </a:r>
+          </a:p>
+        </p:txBody>
+      </p:sp>
+      <p:sp>
+        <p:nvSpPr>
+          <p:cNvPr id="3" name="Content Placeholder 2"/>
+          <p:cNvSpPr>
+            <a:spLocks noGrp="1"/>
+          </p:cNvSpPr>
+          <p:nvPr>
+            <p:ph idx="1"/>
+          </p:nvPr>
+        </p:nvSpPr>
+        <p:spPr/>
+        <p:txBody>
+          <a:bodyPr anchor="ctr">
+            <a:normAutofit/>
+          </a:bodyPr>
+          <a:lstStyle/>
+          <a:p>
+            <a:pPr marL="342900" indent="-342900" algn="just" fontAlgn="base">
+              <a:spcBef>
+                <a:spcPts val="0"/>
+              </a:spcBef>
+              <a:spcAft>
+                <a:spcPts val="1200"/>
+              </a:spcAft>
+              <a:buFont typeface="Arial" panose="020B0604020202020204" pitchFamily="34" charset="0"/>
+              <a:buChar char="•"/>
+            </a:pPr>
+            <a:r>
+              <a:rPr lang="en-US" sz="1800" dirty="0">
+                <a:solidFill>
+                  <a:srgbClr val="595959"/>
+                </a:solidFill>
+                <a:latin typeface="Lato" panose="020F0502020204030203" pitchFamily="34" charset="0"/>
+              </a:rPr>
+              <a:t>In the future, we plan on exploring using IPv6 and create three different data socket pipelines based on the bandwidth requirement and urgency of the data: Ultra-fast, medium and high-definition. </a:t>
+            </a:r>
+          </a:p>
+          <a:p>
+            <a:pPr marL="342900" indent="-342900" algn="just" fontAlgn="base">
+              <a:spcBef>
+                <a:spcPts val="0"/>
+              </a:spcBef>
+              <a:spcAft>
+                <a:spcPts val="1200"/>
+              </a:spcAft>
+              <a:buFont typeface="Arial" panose="020B0604020202020204" pitchFamily="34" charset="0"/>
+              <a:buChar char="•"/>
+            </a:pPr>
+            <a:r>
+              <a:rPr lang="en-US" sz="1800" dirty="0">
+                <a:solidFill>
+                  <a:srgbClr val="595959"/>
+                </a:solidFill>
+                <a:latin typeface="Lato" panose="020F0502020204030203" pitchFamily="34" charset="0"/>
+              </a:rPr>
+              <a:t>Ultra-fast pipeline will be the fastest with low bandwidth and high data rate; medium with slightly slower data rate and wider bandwidth and so on.</a:t>
+            </a:r>
+          </a:p>
+          <a:p>
+            <a:pPr marL="342900" indent="-342900" algn="just" fontAlgn="base">
+              <a:spcBef>
+                <a:spcPts val="0"/>
+              </a:spcBef>
+              <a:spcAft>
+                <a:spcPts val="1200"/>
+              </a:spcAft>
+              <a:buFont typeface="Arial" panose="020B0604020202020204" pitchFamily="34" charset="0"/>
+              <a:buChar char="•"/>
+            </a:pPr>
+            <a:r>
+              <a:rPr lang="en-US" sz="1800" dirty="0">
+                <a:solidFill>
+                  <a:srgbClr val="595959"/>
+                </a:solidFill>
+                <a:latin typeface="Lato" panose="020F0502020204030203" pitchFamily="34" charset="0"/>
+              </a:rPr>
+              <a:t>We will use reinforcement learning based approach to categorize the data.</a:t>
+            </a:r>
+          </a:p>
+        </p:txBody>
+      </p:sp>
+    </p:spTree>
+    <p:extLst>
+      <p:ext uri="{BB962C8B-B14F-4D97-AF65-F5344CB8AC3E}">
+        <p14:creationId xmlns:p14="http://schemas.microsoft.com/office/powerpoint/2010/main" val="3325622793"/>
+      </p:ext>
+    </p:extLst>
+  </p:cSld>
+  <p:clrMapOvr>
+    <a:masterClrMapping/>
+  </p:clrMapOvr>
+</p:sld>
+</file>
+
+<file path=ppt/slides/slide11.xml><?xml version="1.0" encoding="utf-8"?>
+<p:sld xmlns:a="http://schemas.openxmlformats.org/drawingml/2006/main" xmlns:r="http://schemas.openxmlformats.org/officeDocument/2006/relationships" xmlns:p="http://schemas.openxmlformats.org/presentationml/2006/main">
+  <p:cSld>
+    <p:spTree>
+      <p:nvGrpSpPr>
+        <p:cNvPr id="1" name=""/>
+        <p:cNvGrpSpPr/>
+        <p:nvPr/>
+      </p:nvGrpSpPr>
+      <p:grpSpPr>
+        <a:xfrm>
+          <a:off x="0" y="0"/>
+          <a:ext cx="0" cy="0"/>
+          <a:chOff x="0" y="0"/>
+          <a:chExt cx="0" cy="0"/>
+        </a:xfrm>
+      </p:grpSpPr>
+      <p:sp>
+        <p:nvSpPr>
+          <p:cNvPr id="2" name="Title 1"/>
+          <p:cNvSpPr>
+            <a:spLocks noGrp="1"/>
+          </p:cNvSpPr>
+          <p:nvPr>
+            <p:ph type="title"/>
+          </p:nvPr>
+        </p:nvSpPr>
+        <p:spPr/>
+        <p:txBody>
+          <a:bodyPr/>
+          <a:lstStyle/>
+          <a:p>
+            <a:r>
+              <a:rPr lang="en-US" dirty="0"/>
+              <a:t>References</a:t>
+            </a:r>
+          </a:p>
+        </p:txBody>
+      </p:sp>
+      <p:sp>
+        <p:nvSpPr>
+          <p:cNvPr id="3" name="Content Placeholder 2"/>
+          <p:cNvSpPr>
+            <a:spLocks noGrp="1"/>
+          </p:cNvSpPr>
+          <p:nvPr>
+            <p:ph idx="1"/>
+          </p:nvPr>
+        </p:nvSpPr>
+        <p:spPr/>
+        <p:txBody>
+          <a:bodyPr anchor="ctr">
+            <a:normAutofit fontScale="70000" lnSpcReduction="20000"/>
+          </a:bodyPr>
+          <a:lstStyle/>
+          <a:p>
+            <a:pPr marL="342900" marR="0" lvl="0" indent="-342900" algn="just">
+              <a:spcBef>
+                <a:spcPts val="0"/>
+              </a:spcBef>
+              <a:spcAft>
+                <a:spcPts val="0"/>
+              </a:spcAft>
+              <a:buFont typeface="+mj-lt"/>
+              <a:buAutoNum type="arabicPeriod"/>
+              <a:tabLst>
+                <a:tab pos="457200" algn="l"/>
+              </a:tabLst>
+            </a:pPr>
+            <a:r>
+              <a:rPr lang="en-US" sz="1800" dirty="0" err="1">
+                <a:effectLst/>
+                <a:latin typeface="TimesNewRomanPSMT"/>
+                <a:ea typeface="Times New Roman" panose="02020603050405020304" pitchFamily="18" charset="0"/>
+                <a:cs typeface="TimesNewRomanPSMT"/>
+              </a:rPr>
+              <a:t>Haidegger</a:t>
+            </a:r>
+            <a:r>
+              <a:rPr lang="en-US" sz="1800" dirty="0">
+                <a:effectLst/>
+                <a:latin typeface="TimesNewRomanPSMT"/>
+                <a:ea typeface="Times New Roman" panose="02020603050405020304" pitchFamily="18" charset="0"/>
+                <a:cs typeface="TimesNewRomanPSMT"/>
+              </a:rPr>
+              <a:t>, </a:t>
+            </a:r>
+            <a:r>
+              <a:rPr lang="en-US" sz="1800" dirty="0" err="1">
+                <a:effectLst/>
+                <a:latin typeface="TimesNewRomanPSMT"/>
+                <a:ea typeface="Times New Roman" panose="02020603050405020304" pitchFamily="18" charset="0"/>
+                <a:cs typeface="TimesNewRomanPSMT"/>
+              </a:rPr>
+              <a:t>Tamás</a:t>
+            </a:r>
+            <a:r>
+              <a:rPr lang="en-US" sz="1800" dirty="0">
+                <a:effectLst/>
+                <a:latin typeface="TimesNewRomanPSMT"/>
+                <a:ea typeface="Times New Roman" panose="02020603050405020304" pitchFamily="18" charset="0"/>
+                <a:cs typeface="TimesNewRomanPSMT"/>
+              </a:rPr>
+              <a:t>, </a:t>
+            </a:r>
+            <a:r>
+              <a:rPr lang="en-US" sz="1800" dirty="0" err="1">
+                <a:effectLst/>
+                <a:latin typeface="TimesNewRomanPSMT"/>
+                <a:ea typeface="Times New Roman" panose="02020603050405020304" pitchFamily="18" charset="0"/>
+                <a:cs typeface="TimesNewRomanPSMT"/>
+              </a:rPr>
+              <a:t>Péter</a:t>
+            </a:r>
+            <a:r>
+              <a:rPr lang="en-US" sz="1800" dirty="0">
+                <a:effectLst/>
+                <a:latin typeface="TimesNewRomanPSMT"/>
+                <a:ea typeface="Times New Roman" panose="02020603050405020304" pitchFamily="18" charset="0"/>
+                <a:cs typeface="TimesNewRomanPSMT"/>
+              </a:rPr>
+              <a:t> Galambos, and </a:t>
+            </a:r>
+            <a:r>
+              <a:rPr lang="en-US" sz="1800" dirty="0" err="1">
+                <a:effectLst/>
+                <a:latin typeface="TimesNewRomanPSMT"/>
+                <a:ea typeface="Times New Roman" panose="02020603050405020304" pitchFamily="18" charset="0"/>
+                <a:cs typeface="TimesNewRomanPSMT"/>
+              </a:rPr>
+              <a:t>Imre</a:t>
+            </a:r>
+            <a:r>
+              <a:rPr lang="en-US" sz="1800" dirty="0">
+                <a:effectLst/>
+                <a:latin typeface="TimesNewRomanPSMT"/>
+                <a:ea typeface="Times New Roman" panose="02020603050405020304" pitchFamily="18" charset="0"/>
+                <a:cs typeface="TimesNewRomanPSMT"/>
+              </a:rPr>
+              <a:t> J. Rudas. "Robotics 4.0–Are we there yet?." 2019 IEEE 23rd International Conference on Intelligent Engineering Systems (INES). IEEE, 2019.</a:t>
+            </a:r>
+            <a:endParaRPr lang="en-US" sz="1800" dirty="0">
+              <a:effectLst/>
+              <a:latin typeface="Times New Roman" panose="02020603050405020304" pitchFamily="18" charset="0"/>
+              <a:ea typeface="Times New Roman" panose="02020603050405020304" pitchFamily="18" charset="0"/>
+            </a:endParaRPr>
+          </a:p>
+          <a:p>
+            <a:pPr marL="342900" marR="0" lvl="0" indent="-342900" algn="just">
+              <a:spcBef>
+                <a:spcPts val="0"/>
+              </a:spcBef>
+              <a:spcAft>
+                <a:spcPts val="0"/>
+              </a:spcAft>
+              <a:buFont typeface="+mj-lt"/>
+              <a:buAutoNum type="arabicPeriod"/>
+              <a:tabLst>
+                <a:tab pos="457200" algn="l"/>
+              </a:tabLst>
+            </a:pPr>
+            <a:r>
+              <a:rPr lang="en-US" sz="1800" dirty="0">
+                <a:effectLst/>
+                <a:latin typeface="TimesNewRomanPSMT"/>
+                <a:ea typeface="Times New Roman" panose="02020603050405020304" pitchFamily="18" charset="0"/>
+                <a:cs typeface="TimesNewRomanPSMT"/>
+              </a:rPr>
+              <a:t>K. Goldberg, M. </a:t>
+            </a:r>
+            <a:r>
+              <a:rPr lang="en-US" sz="1800" dirty="0" err="1">
+                <a:effectLst/>
+                <a:latin typeface="TimesNewRomanPSMT"/>
+                <a:ea typeface="Times New Roman" panose="02020603050405020304" pitchFamily="18" charset="0"/>
+                <a:cs typeface="TimesNewRomanPSMT"/>
+              </a:rPr>
+              <a:t>Mascha</a:t>
+            </a:r>
+            <a:r>
+              <a:rPr lang="en-US" sz="1800" dirty="0">
+                <a:effectLst/>
+                <a:latin typeface="TimesNewRomanPSMT"/>
+                <a:ea typeface="Times New Roman" panose="02020603050405020304" pitchFamily="18" charset="0"/>
+                <a:cs typeface="TimesNewRomanPSMT"/>
+              </a:rPr>
+              <a:t>, S. </a:t>
+            </a:r>
+            <a:r>
+              <a:rPr lang="en-US" sz="1800" dirty="0" err="1">
+                <a:effectLst/>
+                <a:latin typeface="TimesNewRomanPSMT"/>
+                <a:ea typeface="Times New Roman" panose="02020603050405020304" pitchFamily="18" charset="0"/>
+                <a:cs typeface="TimesNewRomanPSMT"/>
+              </a:rPr>
+              <a:t>Gentner</a:t>
+            </a:r>
+            <a:r>
+              <a:rPr lang="en-US" sz="1800" dirty="0">
+                <a:effectLst/>
+                <a:latin typeface="TimesNewRomanPSMT"/>
+                <a:ea typeface="Times New Roman" panose="02020603050405020304" pitchFamily="18" charset="0"/>
+                <a:cs typeface="TimesNewRomanPSMT"/>
+              </a:rPr>
+              <a:t>, N. Rothenberg, C. Sutter, and J. </a:t>
+            </a:r>
+            <a:r>
+              <a:rPr lang="en-US" sz="1800" dirty="0" err="1">
+                <a:effectLst/>
+                <a:latin typeface="TimesNewRomanPSMT"/>
+                <a:ea typeface="Times New Roman" panose="02020603050405020304" pitchFamily="18" charset="0"/>
+                <a:cs typeface="TimesNewRomanPSMT"/>
+              </a:rPr>
+              <a:t>Wiegley</a:t>
+            </a:r>
+            <a:r>
+              <a:rPr lang="en-US" sz="1800" dirty="0">
+                <a:effectLst/>
+                <a:latin typeface="TimesNewRomanPSMT"/>
+                <a:ea typeface="Times New Roman" panose="02020603050405020304" pitchFamily="18" charset="0"/>
+                <a:cs typeface="TimesNewRomanPSMT"/>
+              </a:rPr>
+              <a:t>, “Desktop teleoperation via the world wide web,” in Proceedings of 1995 IEEE International Conference on Robotics and Automation, vol. 1, May 1995, pp. 654–659 vol.1</a:t>
+            </a:r>
+            <a:endParaRPr lang="en-US" sz="1800" dirty="0">
+              <a:effectLst/>
+              <a:latin typeface="Times New Roman" panose="02020603050405020304" pitchFamily="18" charset="0"/>
+              <a:ea typeface="Times New Roman" panose="02020603050405020304" pitchFamily="18" charset="0"/>
+            </a:endParaRPr>
+          </a:p>
+          <a:p>
+            <a:pPr marL="342900" marR="0" lvl="0" indent="-342900" algn="just">
+              <a:spcBef>
+                <a:spcPts val="0"/>
+              </a:spcBef>
+              <a:spcAft>
+                <a:spcPts val="0"/>
+              </a:spcAft>
+              <a:buFont typeface="+mj-lt"/>
+              <a:buAutoNum type="arabicPeriod"/>
+              <a:tabLst>
+                <a:tab pos="457200" algn="l"/>
+              </a:tabLst>
+            </a:pPr>
+            <a:r>
+              <a:rPr lang="en-US" sz="1800" dirty="0">
+                <a:effectLst/>
+                <a:latin typeface="TimesNewRomanPSMT"/>
+                <a:ea typeface="Times New Roman" panose="02020603050405020304" pitchFamily="18" charset="0"/>
+                <a:cs typeface="TimesNewRomanPSMT"/>
+              </a:rPr>
+              <a:t>Waibel, Markus, Michael Beetz, Javier </a:t>
+            </a:r>
+            <a:r>
+              <a:rPr lang="en-US" sz="1800" dirty="0" err="1">
+                <a:effectLst/>
+                <a:latin typeface="TimesNewRomanPSMT"/>
+                <a:ea typeface="Times New Roman" panose="02020603050405020304" pitchFamily="18" charset="0"/>
+                <a:cs typeface="TimesNewRomanPSMT"/>
+              </a:rPr>
+              <a:t>Civera</a:t>
+            </a:r>
+            <a:r>
+              <a:rPr lang="en-US" sz="1800" dirty="0">
+                <a:effectLst/>
+                <a:latin typeface="TimesNewRomanPSMT"/>
+                <a:ea typeface="Times New Roman" panose="02020603050405020304" pitchFamily="18" charset="0"/>
+                <a:cs typeface="TimesNewRomanPSMT"/>
+              </a:rPr>
+              <a:t>, </a:t>
+            </a:r>
+            <a:r>
+              <a:rPr lang="en-US" sz="1800" dirty="0" err="1">
+                <a:effectLst/>
+                <a:latin typeface="TimesNewRomanPSMT"/>
+                <a:ea typeface="Times New Roman" panose="02020603050405020304" pitchFamily="18" charset="0"/>
+                <a:cs typeface="TimesNewRomanPSMT"/>
+              </a:rPr>
+              <a:t>Raffaello</a:t>
+            </a:r>
+            <a:r>
+              <a:rPr lang="en-US" sz="1800" dirty="0">
+                <a:effectLst/>
+                <a:latin typeface="TimesNewRomanPSMT"/>
+                <a:ea typeface="Times New Roman" panose="02020603050405020304" pitchFamily="18" charset="0"/>
+                <a:cs typeface="TimesNewRomanPSMT"/>
+              </a:rPr>
+              <a:t> </a:t>
+            </a:r>
+            <a:r>
+              <a:rPr lang="en-US" sz="1800" dirty="0" err="1">
+                <a:effectLst/>
+                <a:latin typeface="TimesNewRomanPSMT"/>
+                <a:ea typeface="Times New Roman" panose="02020603050405020304" pitchFamily="18" charset="0"/>
+                <a:cs typeface="TimesNewRomanPSMT"/>
+              </a:rPr>
+              <a:t>d'Andrea</a:t>
+            </a:r>
+            <a:r>
+              <a:rPr lang="en-US" sz="1800" dirty="0">
+                <a:effectLst/>
+                <a:latin typeface="TimesNewRomanPSMT"/>
+                <a:ea typeface="Times New Roman" panose="02020603050405020304" pitchFamily="18" charset="0"/>
+                <a:cs typeface="TimesNewRomanPSMT"/>
+              </a:rPr>
+              <a:t>, Jos </a:t>
+            </a:r>
+            <a:r>
+              <a:rPr lang="en-US" sz="1800" dirty="0" err="1">
+                <a:effectLst/>
+                <a:latin typeface="TimesNewRomanPSMT"/>
+                <a:ea typeface="Times New Roman" panose="02020603050405020304" pitchFamily="18" charset="0"/>
+                <a:cs typeface="TimesNewRomanPSMT"/>
+              </a:rPr>
+              <a:t>Elfring</a:t>
+            </a:r>
+            <a:r>
+              <a:rPr lang="en-US" sz="1800" dirty="0">
+                <a:effectLst/>
+                <a:latin typeface="TimesNewRomanPSMT"/>
+                <a:ea typeface="Times New Roman" panose="02020603050405020304" pitchFamily="18" charset="0"/>
+                <a:cs typeface="TimesNewRomanPSMT"/>
+              </a:rPr>
+              <a:t>, Dorian Galvez-Lopez, Kai </a:t>
+            </a:r>
+            <a:r>
+              <a:rPr lang="en-US" sz="1800" dirty="0" err="1">
+                <a:effectLst/>
+                <a:latin typeface="TimesNewRomanPSMT"/>
+                <a:ea typeface="Times New Roman" panose="02020603050405020304" pitchFamily="18" charset="0"/>
+                <a:cs typeface="TimesNewRomanPSMT"/>
+              </a:rPr>
+              <a:t>Häussermann</a:t>
+            </a:r>
+            <a:r>
+              <a:rPr lang="en-US" sz="1800" dirty="0">
+                <a:effectLst/>
+                <a:latin typeface="TimesNewRomanPSMT"/>
+                <a:ea typeface="Times New Roman" panose="02020603050405020304" pitchFamily="18" charset="0"/>
+                <a:cs typeface="TimesNewRomanPSMT"/>
+              </a:rPr>
+              <a:t> et al. "</a:t>
+            </a:r>
+            <a:r>
+              <a:rPr lang="en-US" sz="1800" dirty="0" err="1">
+                <a:effectLst/>
+                <a:latin typeface="TimesNewRomanPSMT"/>
+                <a:ea typeface="Times New Roman" panose="02020603050405020304" pitchFamily="18" charset="0"/>
+                <a:cs typeface="TimesNewRomanPSMT"/>
+              </a:rPr>
+              <a:t>Roboearth</a:t>
+            </a:r>
+            <a:r>
+              <a:rPr lang="en-US" sz="1800" dirty="0">
+                <a:effectLst/>
+                <a:latin typeface="TimesNewRomanPSMT"/>
+                <a:ea typeface="Times New Roman" panose="02020603050405020304" pitchFamily="18" charset="0"/>
+                <a:cs typeface="TimesNewRomanPSMT"/>
+              </a:rPr>
+              <a:t>." IEEE Robotics &amp; Automation Magazine 18, no. 2 (2011): 69-82.</a:t>
+            </a:r>
+            <a:endParaRPr lang="en-US" sz="1800" dirty="0">
+              <a:effectLst/>
+              <a:latin typeface="Times New Roman" panose="02020603050405020304" pitchFamily="18" charset="0"/>
+              <a:ea typeface="Times New Roman" panose="02020603050405020304" pitchFamily="18" charset="0"/>
+            </a:endParaRPr>
+          </a:p>
+          <a:p>
+            <a:pPr marL="342900" marR="0" lvl="0" indent="-342900" algn="just">
+              <a:spcBef>
+                <a:spcPts val="0"/>
+              </a:spcBef>
+              <a:spcAft>
+                <a:spcPts val="0"/>
+              </a:spcAft>
+              <a:buFont typeface="+mj-lt"/>
+              <a:buAutoNum type="arabicPeriod"/>
+              <a:tabLst>
+                <a:tab pos="457200" algn="l"/>
+              </a:tabLst>
+            </a:pPr>
+            <a:r>
+              <a:rPr lang="en-US" sz="1800" dirty="0">
+                <a:effectLst/>
+                <a:latin typeface="TimesNewRomanPSMT"/>
+                <a:ea typeface="Times New Roman" panose="02020603050405020304" pitchFamily="18" charset="0"/>
+                <a:cs typeface="TimesNewRomanPSMT"/>
+              </a:rPr>
+              <a:t>J. Kuffner, "What's Next: Cloud-Enabled Humanoids?" in 10th IEEE-RAS International Conference on Humanoid Robots (Humanoids 2010) Workshop, 2010.</a:t>
+            </a:r>
+            <a:endParaRPr lang="en-US" sz="1800" dirty="0">
+              <a:effectLst/>
+              <a:latin typeface="Times New Roman" panose="02020603050405020304" pitchFamily="18" charset="0"/>
+              <a:ea typeface="Times New Roman" panose="02020603050405020304" pitchFamily="18" charset="0"/>
+            </a:endParaRPr>
+          </a:p>
+          <a:p>
+            <a:pPr marL="342900" marR="0" lvl="0" indent="-342900" algn="just">
+              <a:spcBef>
+                <a:spcPts val="0"/>
+              </a:spcBef>
+              <a:spcAft>
+                <a:spcPts val="0"/>
+              </a:spcAft>
+              <a:buFont typeface="+mj-lt"/>
+              <a:buAutoNum type="arabicPeriod"/>
+              <a:tabLst>
+                <a:tab pos="457200" algn="l"/>
+              </a:tabLst>
+            </a:pPr>
+            <a:r>
+              <a:rPr lang="en-US" sz="1800" dirty="0">
+                <a:effectLst/>
+                <a:latin typeface="TimesNewRomanPSMT"/>
+                <a:ea typeface="Times New Roman" panose="02020603050405020304" pitchFamily="18" charset="0"/>
+                <a:cs typeface="TimesNewRomanPSMT"/>
+              </a:rPr>
+              <a:t>Fierro, Rafael, </a:t>
+            </a:r>
+            <a:r>
+              <a:rPr lang="en-US" sz="1800" dirty="0" err="1">
+                <a:effectLst/>
+                <a:latin typeface="TimesNewRomanPSMT"/>
+                <a:ea typeface="Times New Roman" panose="02020603050405020304" pitchFamily="18" charset="0"/>
+                <a:cs typeface="TimesNewRomanPSMT"/>
+              </a:rPr>
+              <a:t>Aveek</a:t>
+            </a:r>
+            <a:r>
+              <a:rPr lang="en-US" sz="1800" dirty="0">
+                <a:effectLst/>
+                <a:latin typeface="TimesNewRomanPSMT"/>
+                <a:ea typeface="Times New Roman" panose="02020603050405020304" pitchFamily="18" charset="0"/>
+                <a:cs typeface="TimesNewRomanPSMT"/>
+              </a:rPr>
+              <a:t> Das, John </a:t>
+            </a:r>
+            <a:r>
+              <a:rPr lang="en-US" sz="1800" dirty="0" err="1">
+                <a:effectLst/>
+                <a:latin typeface="TimesNewRomanPSMT"/>
+                <a:ea typeface="Times New Roman" panose="02020603050405020304" pitchFamily="18" charset="0"/>
+                <a:cs typeface="TimesNewRomanPSMT"/>
+              </a:rPr>
+              <a:t>Spletzer</a:t>
+            </a:r>
+            <a:r>
+              <a:rPr lang="en-US" sz="1800" dirty="0">
+                <a:effectLst/>
+                <a:latin typeface="TimesNewRomanPSMT"/>
+                <a:ea typeface="Times New Roman" panose="02020603050405020304" pitchFamily="18" charset="0"/>
+                <a:cs typeface="TimesNewRomanPSMT"/>
+              </a:rPr>
+              <a:t>, Joel Esposito, Vijay Kumar, James P. Ostrowski, George Pappas et al. "A framework and architecture for multi-robot coordination." The International Journal of Robotics Research 21, no. 10-11 (2002): 977-995.</a:t>
+            </a:r>
+            <a:endParaRPr lang="en-US" sz="1800" dirty="0">
+              <a:effectLst/>
+              <a:latin typeface="Times New Roman" panose="02020603050405020304" pitchFamily="18" charset="0"/>
+              <a:ea typeface="Times New Roman" panose="02020603050405020304" pitchFamily="18" charset="0"/>
+            </a:endParaRPr>
+          </a:p>
+          <a:p>
+            <a:pPr marL="342900" marR="0" lvl="0" indent="-342900" algn="just">
+              <a:spcBef>
+                <a:spcPts val="0"/>
+              </a:spcBef>
+              <a:spcAft>
+                <a:spcPts val="0"/>
+              </a:spcAft>
+              <a:buFont typeface="+mj-lt"/>
+              <a:buAutoNum type="arabicPeriod"/>
+              <a:tabLst>
+                <a:tab pos="457200" algn="l"/>
+              </a:tabLst>
+            </a:pPr>
+            <a:r>
+              <a:rPr lang="en-US" sz="1800" dirty="0" err="1">
+                <a:effectLst/>
+                <a:latin typeface="TimesNewRomanPSMT"/>
+                <a:ea typeface="Times New Roman" panose="02020603050405020304" pitchFamily="18" charset="0"/>
+                <a:cs typeface="TimesNewRomanPSMT"/>
+              </a:rPr>
+              <a:t>Penmetcha</a:t>
+            </a:r>
+            <a:r>
+              <a:rPr lang="en-US" sz="1800" dirty="0">
+                <a:effectLst/>
+                <a:latin typeface="TimesNewRomanPSMT"/>
+                <a:ea typeface="Times New Roman" panose="02020603050405020304" pitchFamily="18" charset="0"/>
+                <a:cs typeface="TimesNewRomanPSMT"/>
+              </a:rPr>
+              <a:t>, Manoj, </a:t>
+            </a:r>
+            <a:r>
+              <a:rPr lang="en-US" sz="1800" dirty="0" err="1">
+                <a:effectLst/>
+                <a:latin typeface="TimesNewRomanPSMT"/>
+                <a:ea typeface="Times New Roman" panose="02020603050405020304" pitchFamily="18" charset="0"/>
+                <a:cs typeface="TimesNewRomanPSMT"/>
+              </a:rPr>
+              <a:t>Shyam</a:t>
+            </a:r>
+            <a:r>
+              <a:rPr lang="en-US" sz="1800" dirty="0">
+                <a:effectLst/>
+                <a:latin typeface="TimesNewRomanPSMT"/>
+                <a:ea typeface="Times New Roman" panose="02020603050405020304" pitchFamily="18" charset="0"/>
+                <a:cs typeface="TimesNewRomanPSMT"/>
+              </a:rPr>
+              <a:t> Sundar Kannan, and Byung-Cheol Min. "Smart Cloud: Scalable Cloud Robotic Architecture for Web-powered Multi-Robot Applications." </a:t>
+            </a:r>
+            <a:r>
+              <a:rPr lang="en-US" sz="1800" dirty="0" err="1">
+                <a:effectLst/>
+                <a:latin typeface="TimesNewRomanPSMT"/>
+                <a:ea typeface="Times New Roman" panose="02020603050405020304" pitchFamily="18" charset="0"/>
+                <a:cs typeface="TimesNewRomanPSMT"/>
+              </a:rPr>
+              <a:t>arXiv</a:t>
+            </a:r>
+            <a:r>
+              <a:rPr lang="en-US" sz="1800" dirty="0">
+                <a:effectLst/>
+                <a:latin typeface="TimesNewRomanPSMT"/>
+                <a:ea typeface="Times New Roman" panose="02020603050405020304" pitchFamily="18" charset="0"/>
+                <a:cs typeface="TimesNewRomanPSMT"/>
+              </a:rPr>
+              <a:t> preprint arXiv:1912.02927 (2019). </a:t>
+            </a:r>
+            <a:endParaRPr lang="en-US" sz="1800" dirty="0">
+              <a:effectLst/>
+              <a:latin typeface="Times New Roman" panose="02020603050405020304" pitchFamily="18" charset="0"/>
+              <a:ea typeface="Times New Roman" panose="02020603050405020304" pitchFamily="18" charset="0"/>
+            </a:endParaRPr>
+          </a:p>
+          <a:p>
+            <a:pPr marL="342900" marR="0" lvl="0" indent="-342900" algn="just">
+              <a:spcBef>
+                <a:spcPts val="0"/>
+              </a:spcBef>
+              <a:spcAft>
+                <a:spcPts val="0"/>
+              </a:spcAft>
+              <a:buFont typeface="+mj-lt"/>
+              <a:buAutoNum type="arabicPeriod"/>
+              <a:tabLst>
+                <a:tab pos="457200" algn="l"/>
+              </a:tabLst>
+            </a:pPr>
+            <a:r>
+              <a:rPr lang="en-US" sz="1800" dirty="0">
+                <a:effectLst/>
+                <a:latin typeface="TimesNewRomanPSMT"/>
+                <a:ea typeface="Times New Roman" panose="02020603050405020304" pitchFamily="18" charset="0"/>
+                <a:cs typeface="TimesNewRomanPSMT"/>
+              </a:rPr>
+              <a:t> </a:t>
+            </a:r>
+            <a:r>
+              <a:rPr lang="en-US" sz="1800" dirty="0" err="1">
+                <a:effectLst/>
+                <a:latin typeface="TimesNewRomanPSMT"/>
+                <a:ea typeface="Times New Roman" panose="02020603050405020304" pitchFamily="18" charset="0"/>
+                <a:cs typeface="TimesNewRomanPSMT"/>
+              </a:rPr>
+              <a:t>Mohanarajah</a:t>
+            </a:r>
+            <a:r>
+              <a:rPr lang="en-US" sz="1800" dirty="0">
+                <a:effectLst/>
+                <a:latin typeface="TimesNewRomanPSMT"/>
+                <a:ea typeface="Times New Roman" panose="02020603050405020304" pitchFamily="18" charset="0"/>
+                <a:cs typeface="TimesNewRomanPSMT"/>
+              </a:rPr>
+              <a:t>, </a:t>
+            </a:r>
+            <a:r>
+              <a:rPr lang="en-US" sz="1800" dirty="0" err="1">
+                <a:effectLst/>
+                <a:latin typeface="TimesNewRomanPSMT"/>
+                <a:ea typeface="Times New Roman" panose="02020603050405020304" pitchFamily="18" charset="0"/>
+                <a:cs typeface="TimesNewRomanPSMT"/>
+              </a:rPr>
+              <a:t>Gajamohan</a:t>
+            </a:r>
+            <a:r>
+              <a:rPr lang="en-US" sz="1800" dirty="0">
+                <a:effectLst/>
+                <a:latin typeface="TimesNewRomanPSMT"/>
+                <a:ea typeface="Times New Roman" panose="02020603050405020304" pitchFamily="18" charset="0"/>
+                <a:cs typeface="TimesNewRomanPSMT"/>
+              </a:rPr>
+              <a:t>, Dominique </a:t>
+            </a:r>
+            <a:r>
+              <a:rPr lang="en-US" sz="1800" dirty="0" err="1">
+                <a:effectLst/>
+                <a:latin typeface="TimesNewRomanPSMT"/>
+                <a:ea typeface="Times New Roman" panose="02020603050405020304" pitchFamily="18" charset="0"/>
+                <a:cs typeface="TimesNewRomanPSMT"/>
+              </a:rPr>
+              <a:t>Hunziker</a:t>
+            </a:r>
+            <a:r>
+              <a:rPr lang="en-US" sz="1800" dirty="0">
+                <a:effectLst/>
+                <a:latin typeface="TimesNewRomanPSMT"/>
+                <a:ea typeface="Times New Roman" panose="02020603050405020304" pitchFamily="18" charset="0"/>
+                <a:cs typeface="TimesNewRomanPSMT"/>
+              </a:rPr>
+              <a:t>, </a:t>
+            </a:r>
+            <a:r>
+              <a:rPr lang="en-US" sz="1800" dirty="0" err="1">
+                <a:effectLst/>
+                <a:latin typeface="TimesNewRomanPSMT"/>
+                <a:ea typeface="Times New Roman" panose="02020603050405020304" pitchFamily="18" charset="0"/>
+                <a:cs typeface="TimesNewRomanPSMT"/>
+              </a:rPr>
+              <a:t>Raffaello</a:t>
+            </a:r>
+            <a:r>
+              <a:rPr lang="en-US" sz="1800" dirty="0">
+                <a:effectLst/>
+                <a:latin typeface="TimesNewRomanPSMT"/>
+                <a:ea typeface="Times New Roman" panose="02020603050405020304" pitchFamily="18" charset="0"/>
+                <a:cs typeface="TimesNewRomanPSMT"/>
+              </a:rPr>
+              <a:t> </a:t>
+            </a:r>
+            <a:r>
+              <a:rPr lang="en-US" sz="1800" dirty="0" err="1">
+                <a:effectLst/>
+                <a:latin typeface="TimesNewRomanPSMT"/>
+                <a:ea typeface="Times New Roman" panose="02020603050405020304" pitchFamily="18" charset="0"/>
+                <a:cs typeface="TimesNewRomanPSMT"/>
+              </a:rPr>
+              <a:t>D'Andrea</a:t>
+            </a:r>
+            <a:r>
+              <a:rPr lang="en-US" sz="1800" dirty="0">
+                <a:effectLst/>
+                <a:latin typeface="TimesNewRomanPSMT"/>
+                <a:ea typeface="Times New Roman" panose="02020603050405020304" pitchFamily="18" charset="0"/>
+                <a:cs typeface="TimesNewRomanPSMT"/>
+              </a:rPr>
+              <a:t>, and Markus Waibel. "</a:t>
+            </a:r>
+            <a:r>
+              <a:rPr lang="en-US" sz="1800" dirty="0" err="1">
+                <a:effectLst/>
+                <a:latin typeface="TimesNewRomanPSMT"/>
+                <a:ea typeface="Times New Roman" panose="02020603050405020304" pitchFamily="18" charset="0"/>
+                <a:cs typeface="TimesNewRomanPSMT"/>
+              </a:rPr>
+              <a:t>Rapyuta</a:t>
+            </a:r>
+            <a:r>
+              <a:rPr lang="en-US" sz="1800" dirty="0">
+                <a:effectLst/>
+                <a:latin typeface="TimesNewRomanPSMT"/>
+                <a:ea typeface="Times New Roman" panose="02020603050405020304" pitchFamily="18" charset="0"/>
+                <a:cs typeface="TimesNewRomanPSMT"/>
+              </a:rPr>
+              <a:t>: A cloud robotics platform." IEEE Transactions on Automation Science and Engineering 12, no. 2 (2014): 481-493.</a:t>
+            </a:r>
+            <a:endParaRPr lang="en-US" sz="1800" dirty="0">
+              <a:effectLst/>
+              <a:latin typeface="Times New Roman" panose="02020603050405020304" pitchFamily="18" charset="0"/>
+              <a:ea typeface="Times New Roman" panose="02020603050405020304" pitchFamily="18" charset="0"/>
+            </a:endParaRPr>
+          </a:p>
+          <a:p>
+            <a:pPr marL="342900" marR="0" lvl="0" indent="-342900" algn="just">
+              <a:spcBef>
+                <a:spcPts val="0"/>
+              </a:spcBef>
+              <a:spcAft>
+                <a:spcPts val="0"/>
+              </a:spcAft>
+              <a:buFont typeface="+mj-lt"/>
+              <a:buAutoNum type="arabicPeriod"/>
+              <a:tabLst>
+                <a:tab pos="457200" algn="l"/>
+              </a:tabLst>
+            </a:pPr>
+            <a:r>
+              <a:rPr lang="en-US" sz="1800" dirty="0" err="1">
+                <a:effectLst/>
+                <a:latin typeface="TimesNewRomanPSMT"/>
+                <a:ea typeface="Times New Roman" panose="02020603050405020304" pitchFamily="18" charset="0"/>
+                <a:cs typeface="TimesNewRomanPSMT"/>
+              </a:rPr>
+              <a:t>Koubaa</a:t>
+            </a:r>
+            <a:r>
+              <a:rPr lang="en-US" sz="1800" dirty="0">
+                <a:effectLst/>
+                <a:latin typeface="TimesNewRomanPSMT"/>
+                <a:ea typeface="Times New Roman" panose="02020603050405020304" pitchFamily="18" charset="0"/>
+                <a:cs typeface="TimesNewRomanPSMT"/>
+              </a:rPr>
+              <a:t>, Anis, </a:t>
+            </a:r>
+            <a:r>
+              <a:rPr lang="en-US" sz="1800" dirty="0" err="1">
+                <a:effectLst/>
+                <a:latin typeface="TimesNewRomanPSMT"/>
+                <a:ea typeface="Times New Roman" panose="02020603050405020304" pitchFamily="18" charset="0"/>
+                <a:cs typeface="TimesNewRomanPSMT"/>
+              </a:rPr>
+              <a:t>Maram</a:t>
+            </a:r>
+            <a:r>
+              <a:rPr lang="en-US" sz="1800" dirty="0">
+                <a:effectLst/>
+                <a:latin typeface="TimesNewRomanPSMT"/>
+                <a:ea typeface="Times New Roman" panose="02020603050405020304" pitchFamily="18" charset="0"/>
+                <a:cs typeface="TimesNewRomanPSMT"/>
+              </a:rPr>
+              <a:t> </a:t>
+            </a:r>
+            <a:r>
+              <a:rPr lang="en-US" sz="1800" dirty="0" err="1">
+                <a:effectLst/>
+                <a:latin typeface="TimesNewRomanPSMT"/>
+                <a:ea typeface="Times New Roman" panose="02020603050405020304" pitchFamily="18" charset="0"/>
+                <a:cs typeface="TimesNewRomanPSMT"/>
+              </a:rPr>
+              <a:t>Alajlan</a:t>
+            </a:r>
+            <a:r>
+              <a:rPr lang="en-US" sz="1800" dirty="0">
+                <a:effectLst/>
+                <a:latin typeface="TimesNewRomanPSMT"/>
+                <a:ea typeface="Times New Roman" panose="02020603050405020304" pitchFamily="18" charset="0"/>
+                <a:cs typeface="TimesNewRomanPSMT"/>
+              </a:rPr>
+              <a:t>, and Basit Qureshi. "</a:t>
+            </a:r>
+            <a:r>
+              <a:rPr lang="en-US" sz="1800" dirty="0" err="1">
+                <a:effectLst/>
+                <a:latin typeface="TimesNewRomanPSMT"/>
+                <a:ea typeface="Times New Roman" panose="02020603050405020304" pitchFamily="18" charset="0"/>
+                <a:cs typeface="TimesNewRomanPSMT"/>
+              </a:rPr>
+              <a:t>ROSLink</a:t>
+            </a:r>
+            <a:r>
+              <a:rPr lang="en-US" sz="1800" dirty="0">
+                <a:effectLst/>
+                <a:latin typeface="TimesNewRomanPSMT"/>
+                <a:ea typeface="Times New Roman" panose="02020603050405020304" pitchFamily="18" charset="0"/>
+                <a:cs typeface="TimesNewRomanPSMT"/>
+              </a:rPr>
+              <a:t>: bridging ROS with the internet-of-things for cloud robotics." Robot Operating System (ROS). Springer, Cham, 2017. 265-283.</a:t>
+            </a:r>
+            <a:endParaRPr lang="en-US" sz="1800" dirty="0">
+              <a:effectLst/>
+              <a:latin typeface="Times New Roman" panose="02020603050405020304" pitchFamily="18" charset="0"/>
+              <a:ea typeface="Times New Roman" panose="02020603050405020304" pitchFamily="18" charset="0"/>
+            </a:endParaRPr>
+          </a:p>
+          <a:p>
+            <a:pPr marL="342900" marR="0" lvl="0" indent="-342900" algn="just">
+              <a:spcBef>
+                <a:spcPts val="0"/>
+              </a:spcBef>
+              <a:spcAft>
+                <a:spcPts val="0"/>
+              </a:spcAft>
+              <a:buFont typeface="+mj-lt"/>
+              <a:buAutoNum type="arabicPeriod"/>
+              <a:tabLst>
+                <a:tab pos="457200" algn="l"/>
+              </a:tabLst>
+            </a:pPr>
+            <a:r>
+              <a:rPr lang="en-US" sz="1800" dirty="0" err="1">
+                <a:effectLst/>
+                <a:latin typeface="TimesNewRomanPSMT"/>
+                <a:ea typeface="Times New Roman" panose="02020603050405020304" pitchFamily="18" charset="0"/>
+                <a:cs typeface="TimesNewRomanPSMT"/>
+              </a:rPr>
+              <a:t>Houxiang</a:t>
+            </a:r>
+            <a:r>
+              <a:rPr lang="en-US" sz="1800" dirty="0">
+                <a:effectLst/>
+                <a:latin typeface="TimesNewRomanPSMT"/>
+                <a:ea typeface="Times New Roman" panose="02020603050405020304" pitchFamily="18" charset="0"/>
+                <a:cs typeface="TimesNewRomanPSMT"/>
+              </a:rPr>
+              <a:t> Zhang, Juan Gonzalez-Gomez, </a:t>
+            </a:r>
+            <a:r>
+              <a:rPr lang="en-US" sz="1800" dirty="0" err="1">
+                <a:effectLst/>
+                <a:latin typeface="TimesNewRomanPSMT"/>
+                <a:ea typeface="Times New Roman" panose="02020603050405020304" pitchFamily="18" charset="0"/>
+                <a:cs typeface="TimesNewRomanPSMT"/>
+              </a:rPr>
+              <a:t>Zhizhu</a:t>
+            </a:r>
+            <a:r>
+              <a:rPr lang="en-US" sz="1800" dirty="0">
+                <a:effectLst/>
+                <a:latin typeface="TimesNewRomanPSMT"/>
+                <a:ea typeface="Times New Roman" panose="02020603050405020304" pitchFamily="18" charset="0"/>
+                <a:cs typeface="TimesNewRomanPSMT"/>
+              </a:rPr>
+              <a:t> Me, Sheng Cheng and </a:t>
+            </a:r>
+            <a:r>
+              <a:rPr lang="en-US" sz="1800" dirty="0" err="1">
+                <a:effectLst/>
+                <a:latin typeface="TimesNewRomanPSMT"/>
+                <a:ea typeface="Times New Roman" panose="02020603050405020304" pitchFamily="18" charset="0"/>
+                <a:cs typeface="TimesNewRomanPSMT"/>
+              </a:rPr>
+              <a:t>Jianwei</a:t>
+            </a:r>
+            <a:r>
+              <a:rPr lang="en-US" sz="1800" dirty="0">
+                <a:effectLst/>
+                <a:latin typeface="TimesNewRomanPSMT"/>
+                <a:ea typeface="Times New Roman" panose="02020603050405020304" pitchFamily="18" charset="0"/>
+                <a:cs typeface="TimesNewRomanPSMT"/>
+              </a:rPr>
+              <a:t> Zhang, "Development of a low-cost flexible modular robot GZ-I," 2008 IEEE/ASME International Conference on Advanced Intelligent Mechatronics, 2008, pp. 223-228, </a:t>
+            </a:r>
+            <a:r>
+              <a:rPr lang="en-US" sz="1800" dirty="0" err="1">
+                <a:effectLst/>
+                <a:latin typeface="TimesNewRomanPSMT"/>
+                <a:ea typeface="Times New Roman" panose="02020603050405020304" pitchFamily="18" charset="0"/>
+                <a:cs typeface="TimesNewRomanPSMT"/>
+              </a:rPr>
+              <a:t>doi</a:t>
+            </a:r>
+            <a:r>
+              <a:rPr lang="en-US" sz="1800" dirty="0">
+                <a:effectLst/>
+                <a:latin typeface="TimesNewRomanPSMT"/>
+                <a:ea typeface="Times New Roman" panose="02020603050405020304" pitchFamily="18" charset="0"/>
+                <a:cs typeface="TimesNewRomanPSMT"/>
+              </a:rPr>
+              <a:t>: 10.1109/AIM.2008.4601663.</a:t>
+            </a:r>
+            <a:endParaRPr lang="en-US" sz="1800" dirty="0">
+              <a:effectLst/>
+              <a:latin typeface="Times New Roman" panose="02020603050405020304" pitchFamily="18" charset="0"/>
+              <a:ea typeface="Times New Roman" panose="02020603050405020304" pitchFamily="18" charset="0"/>
+            </a:endParaRPr>
+          </a:p>
+          <a:p>
+            <a:pPr marL="342900" marR="0" lvl="0" indent="-342900" algn="just">
+              <a:spcBef>
+                <a:spcPts val="0"/>
+              </a:spcBef>
+              <a:spcAft>
+                <a:spcPts val="0"/>
+              </a:spcAft>
+              <a:buFont typeface="+mj-lt"/>
+              <a:buAutoNum type="arabicPeriod"/>
+              <a:tabLst>
+                <a:tab pos="457200" algn="l"/>
+              </a:tabLst>
+            </a:pPr>
+            <a:r>
+              <a:rPr lang="en-US" sz="1800" dirty="0" err="1">
+                <a:effectLst/>
+                <a:latin typeface="TimesNewRomanPSMT"/>
+                <a:ea typeface="Times New Roman" panose="02020603050405020304" pitchFamily="18" charset="0"/>
+                <a:cs typeface="TimesNewRomanPSMT"/>
+              </a:rPr>
+              <a:t>Simoens</a:t>
+            </a:r>
+            <a:r>
+              <a:rPr lang="en-US" sz="1800" dirty="0">
+                <a:effectLst/>
+                <a:latin typeface="TimesNewRomanPSMT"/>
+                <a:ea typeface="Times New Roman" panose="02020603050405020304" pitchFamily="18" charset="0"/>
+                <a:cs typeface="TimesNewRomanPSMT"/>
+              </a:rPr>
+              <a:t>, Pieter, Mauro </a:t>
+            </a:r>
+            <a:r>
+              <a:rPr lang="en-US" sz="1800" dirty="0" err="1">
+                <a:effectLst/>
+                <a:latin typeface="TimesNewRomanPSMT"/>
+                <a:ea typeface="Times New Roman" panose="02020603050405020304" pitchFamily="18" charset="0"/>
+                <a:cs typeface="TimesNewRomanPSMT"/>
+              </a:rPr>
+              <a:t>Dragone</a:t>
+            </a:r>
+            <a:r>
+              <a:rPr lang="en-US" sz="1800" dirty="0">
+                <a:effectLst/>
+                <a:latin typeface="TimesNewRomanPSMT"/>
+                <a:ea typeface="Times New Roman" panose="02020603050405020304" pitchFamily="18" charset="0"/>
+                <a:cs typeface="TimesNewRomanPSMT"/>
+              </a:rPr>
+              <a:t>, and Alessandro </a:t>
+            </a:r>
+            <a:r>
+              <a:rPr lang="en-US" sz="1800" dirty="0" err="1">
+                <a:effectLst/>
+                <a:latin typeface="TimesNewRomanPSMT"/>
+                <a:ea typeface="Times New Roman" panose="02020603050405020304" pitchFamily="18" charset="0"/>
+                <a:cs typeface="TimesNewRomanPSMT"/>
+              </a:rPr>
+              <a:t>Saffiotti</a:t>
+            </a:r>
+            <a:r>
+              <a:rPr lang="en-US" sz="1800" dirty="0">
+                <a:effectLst/>
+                <a:latin typeface="TimesNewRomanPSMT"/>
+                <a:ea typeface="Times New Roman" panose="02020603050405020304" pitchFamily="18" charset="0"/>
+                <a:cs typeface="TimesNewRomanPSMT"/>
+              </a:rPr>
+              <a:t>. "The Internet of Robotic Things: A review of the concept, added value, and applications." International Journal of Advanced Robotic Systems 15, no. 1 (2018): 1729881418759424.</a:t>
+            </a:r>
+            <a:endParaRPr lang="en-US" sz="1800" dirty="0">
+              <a:effectLst/>
+              <a:latin typeface="Times New Roman" panose="02020603050405020304" pitchFamily="18" charset="0"/>
+              <a:ea typeface="Times New Roman" panose="02020603050405020304" pitchFamily="18" charset="0"/>
+            </a:endParaRPr>
+          </a:p>
+          <a:p>
+            <a:pPr marL="342900" marR="0" lvl="0" indent="-342900" algn="just">
+              <a:spcBef>
+                <a:spcPts val="0"/>
+              </a:spcBef>
+              <a:spcAft>
+                <a:spcPts val="0"/>
+              </a:spcAft>
+              <a:buFont typeface="+mj-lt"/>
+              <a:buAutoNum type="arabicPeriod"/>
+              <a:tabLst>
+                <a:tab pos="457200" algn="l"/>
+              </a:tabLst>
+            </a:pPr>
+            <a:r>
+              <a:rPr lang="en-US" sz="1800" dirty="0">
+                <a:effectLst/>
+                <a:latin typeface="TimesNewRomanPSMT"/>
+                <a:ea typeface="Times New Roman" panose="02020603050405020304" pitchFamily="18" charset="0"/>
+                <a:cs typeface="TimesNewRomanPSMT"/>
+              </a:rPr>
+              <a:t>Geyer, Charles J. "Practical Markov chain monte </a:t>
+            </a:r>
+            <a:r>
+              <a:rPr lang="en-US" sz="1800" dirty="0" err="1">
+                <a:effectLst/>
+                <a:latin typeface="TimesNewRomanPSMT"/>
+                <a:ea typeface="Times New Roman" panose="02020603050405020304" pitchFamily="18" charset="0"/>
+                <a:cs typeface="TimesNewRomanPSMT"/>
+              </a:rPr>
+              <a:t>carlo</a:t>
+            </a:r>
+            <a:r>
+              <a:rPr lang="en-US" sz="1800" dirty="0">
+                <a:effectLst/>
+                <a:latin typeface="TimesNewRomanPSMT"/>
+                <a:ea typeface="Times New Roman" panose="02020603050405020304" pitchFamily="18" charset="0"/>
+                <a:cs typeface="TimesNewRomanPSMT"/>
+              </a:rPr>
+              <a:t>." Statistical science (1992): 473-483.</a:t>
+            </a:r>
+            <a:endParaRPr lang="en-US" sz="1800" dirty="0">
+              <a:effectLst/>
+              <a:latin typeface="Times New Roman" panose="02020603050405020304" pitchFamily="18" charset="0"/>
+              <a:ea typeface="Times New Roman" panose="02020603050405020304" pitchFamily="18" charset="0"/>
+            </a:endParaRPr>
+          </a:p>
+          <a:p>
+            <a:pPr marL="342900" marR="0" lvl="0" indent="-342900" algn="just">
+              <a:spcBef>
+                <a:spcPts val="0"/>
+              </a:spcBef>
+              <a:spcAft>
+                <a:spcPts val="0"/>
+              </a:spcAft>
+              <a:buFont typeface="+mj-lt"/>
+              <a:buAutoNum type="arabicPeriod"/>
+              <a:tabLst>
+                <a:tab pos="457200" algn="l"/>
+              </a:tabLst>
+            </a:pPr>
+            <a:r>
+              <a:rPr lang="en-US" sz="1800" dirty="0" err="1">
+                <a:effectLst/>
+                <a:latin typeface="TimesNewRomanPSMT"/>
+                <a:ea typeface="Times New Roman" panose="02020603050405020304" pitchFamily="18" charset="0"/>
+                <a:cs typeface="TimesNewRomanPSMT"/>
+              </a:rPr>
+              <a:t>Zykov</a:t>
+            </a:r>
+            <a:r>
+              <a:rPr lang="en-US" sz="1800" dirty="0">
+                <a:effectLst/>
+                <a:latin typeface="TimesNewRomanPSMT"/>
+                <a:ea typeface="Times New Roman" panose="02020603050405020304" pitchFamily="18" charset="0"/>
+                <a:cs typeface="TimesNewRomanPSMT"/>
+              </a:rPr>
+              <a:t>, Victor, Andrew Chan, and Hod Lipson. "</a:t>
+            </a:r>
+            <a:r>
+              <a:rPr lang="en-US" sz="1800" dirty="0" err="1">
+                <a:effectLst/>
+                <a:latin typeface="TimesNewRomanPSMT"/>
+                <a:ea typeface="Times New Roman" panose="02020603050405020304" pitchFamily="18" charset="0"/>
+                <a:cs typeface="TimesNewRomanPSMT"/>
+              </a:rPr>
+              <a:t>Molecubes</a:t>
+            </a:r>
+            <a:r>
+              <a:rPr lang="en-US" sz="1800" dirty="0">
+                <a:effectLst/>
+                <a:latin typeface="TimesNewRomanPSMT"/>
+                <a:ea typeface="Times New Roman" panose="02020603050405020304" pitchFamily="18" charset="0"/>
+                <a:cs typeface="TimesNewRomanPSMT"/>
+              </a:rPr>
+              <a:t>: An open-source modular robotics kit." IROS-2007 Self-Reconfigurable Robotics Workshop. 2007.</a:t>
+            </a:r>
+            <a:endParaRPr lang="en-US" sz="1800" dirty="0">
+              <a:effectLst/>
+              <a:latin typeface="Times New Roman" panose="02020603050405020304" pitchFamily="18" charset="0"/>
+              <a:ea typeface="Times New Roman" panose="02020603050405020304" pitchFamily="18" charset="0"/>
+            </a:endParaRPr>
+          </a:p>
+          <a:p>
+            <a:pPr marL="342900" marR="0" lvl="0" indent="-342900" algn="just">
+              <a:spcBef>
+                <a:spcPts val="0"/>
+              </a:spcBef>
+              <a:spcAft>
+                <a:spcPts val="0"/>
+              </a:spcAft>
+              <a:buFont typeface="+mj-lt"/>
+              <a:buAutoNum type="arabicPeriod"/>
+              <a:tabLst>
+                <a:tab pos="457200" algn="l"/>
+              </a:tabLst>
+            </a:pPr>
+            <a:r>
+              <a:rPr lang="en-US" sz="1800" dirty="0">
+                <a:effectLst/>
+                <a:latin typeface="TimesNewRomanPSMT"/>
+                <a:ea typeface="Times New Roman" panose="02020603050405020304" pitchFamily="18" charset="0"/>
+                <a:cs typeface="TimesNewRomanPSMT"/>
+              </a:rPr>
+              <a:t>Yan, </a:t>
+            </a:r>
+            <a:r>
+              <a:rPr lang="en-US" sz="1800" dirty="0" err="1">
+                <a:effectLst/>
+                <a:latin typeface="TimesNewRomanPSMT"/>
+                <a:ea typeface="Times New Roman" panose="02020603050405020304" pitchFamily="18" charset="0"/>
+                <a:cs typeface="TimesNewRomanPSMT"/>
+              </a:rPr>
+              <a:t>Zhi</a:t>
+            </a:r>
+            <a:r>
+              <a:rPr lang="en-US" sz="1800" dirty="0">
+                <a:effectLst/>
+                <a:latin typeface="TimesNewRomanPSMT"/>
+                <a:ea typeface="Times New Roman" panose="02020603050405020304" pitchFamily="18" charset="0"/>
+                <a:cs typeface="TimesNewRomanPSMT"/>
+              </a:rPr>
+              <a:t>, Nicolas </a:t>
+            </a:r>
+            <a:r>
+              <a:rPr lang="en-US" sz="1800" dirty="0" err="1">
+                <a:effectLst/>
+                <a:latin typeface="TimesNewRomanPSMT"/>
+                <a:ea typeface="Times New Roman" panose="02020603050405020304" pitchFamily="18" charset="0"/>
+                <a:cs typeface="TimesNewRomanPSMT"/>
+              </a:rPr>
+              <a:t>Jouandeau</a:t>
+            </a:r>
+            <a:r>
+              <a:rPr lang="en-US" sz="1800" dirty="0">
+                <a:effectLst/>
+                <a:latin typeface="TimesNewRomanPSMT"/>
+                <a:ea typeface="Times New Roman" panose="02020603050405020304" pitchFamily="18" charset="0"/>
+                <a:cs typeface="TimesNewRomanPSMT"/>
+              </a:rPr>
+              <a:t>, and Arab Ali </a:t>
+            </a:r>
+            <a:r>
+              <a:rPr lang="en-US" sz="1800" dirty="0" err="1">
+                <a:effectLst/>
+                <a:latin typeface="TimesNewRomanPSMT"/>
+                <a:ea typeface="Times New Roman" panose="02020603050405020304" pitchFamily="18" charset="0"/>
+                <a:cs typeface="TimesNewRomanPSMT"/>
+              </a:rPr>
+              <a:t>Cherif</a:t>
+            </a:r>
+            <a:r>
+              <a:rPr lang="en-US" sz="1800" dirty="0">
+                <a:effectLst/>
+                <a:latin typeface="TimesNewRomanPSMT"/>
+                <a:ea typeface="Times New Roman" panose="02020603050405020304" pitchFamily="18" charset="0"/>
+                <a:cs typeface="TimesNewRomanPSMT"/>
+              </a:rPr>
+              <a:t>. "A survey and analysis of multi-robot coordination." International Journal of Advanced Robotic Systems 10.12 (2013): 399.</a:t>
+            </a:r>
+            <a:endParaRPr lang="en-US" sz="1800" dirty="0">
+              <a:effectLst/>
+              <a:latin typeface="Times New Roman" panose="02020603050405020304" pitchFamily="18" charset="0"/>
+              <a:ea typeface="Times New Roman" panose="02020603050405020304" pitchFamily="18" charset="0"/>
+            </a:endParaRPr>
+          </a:p>
+          <a:p>
+            <a:pPr marL="342900" marR="0" lvl="0" indent="-342900" algn="just">
+              <a:spcBef>
+                <a:spcPts val="0"/>
+              </a:spcBef>
+              <a:spcAft>
+                <a:spcPts val="0"/>
+              </a:spcAft>
+              <a:buFont typeface="+mj-lt"/>
+              <a:buAutoNum type="arabicPeriod"/>
+              <a:tabLst>
+                <a:tab pos="457200" algn="l"/>
+              </a:tabLst>
+            </a:pPr>
+            <a:r>
+              <a:rPr lang="en-US" sz="1800" dirty="0">
+                <a:effectLst/>
+                <a:latin typeface="TimesNewRomanPSMT"/>
+                <a:ea typeface="Times New Roman" panose="02020603050405020304" pitchFamily="18" charset="0"/>
+                <a:cs typeface="TimesNewRomanPSMT"/>
+              </a:rPr>
+              <a:t>Parker, Lynne E. "Distributed Intelligence: Overview of the Field and its Application in Multi-Robot Systems." AAAI fall symposium: regarding the intelligence in distributed intelligent systems. 2007.</a:t>
+            </a:r>
+            <a:endParaRPr lang="en-US" sz="1800" dirty="0">
+              <a:effectLst/>
+              <a:latin typeface="Times New Roman" panose="02020603050405020304" pitchFamily="18" charset="0"/>
+              <a:ea typeface="Times New Roman" panose="02020603050405020304" pitchFamily="18" charset="0"/>
+            </a:endParaRPr>
+          </a:p>
+          <a:p>
+            <a:pPr marL="457200" indent="-457200">
+              <a:buFont typeface="Arial" panose="020B0604020202020204" pitchFamily="34" charset="0"/>
+              <a:buChar char="•"/>
+            </a:pPr>
+            <a:endParaRPr lang="en-US" dirty="0"/>
+          </a:p>
+        </p:txBody>
+      </p:sp>
+    </p:spTree>
+    <p:extLst>
+      <p:ext uri="{BB962C8B-B14F-4D97-AF65-F5344CB8AC3E}">
+        <p14:creationId xmlns:p14="http://schemas.microsoft.com/office/powerpoint/2010/main" val="1280355849"/>
+      </p:ext>
+    </p:extLst>
+  </p:cSld>
+  <p:clrMapOvr>
+    <a:masterClrMapping/>
+  </p:clrMapOvr>
+</p:sld>
+</file>
+
+<file path=ppt/slides/slide12.xml><?xml version="1.0" encoding="utf-8"?>
+<p:sld xmlns:a="http://schemas.openxmlformats.org/drawingml/2006/main" xmlns:r="http://schemas.openxmlformats.org/officeDocument/2006/relationships" xmlns:p="http://schemas.openxmlformats.org/presentationml/2006/main">
+  <p:cSld>
+    <p:spTree>
+      <p:nvGrpSpPr>
+        <p:cNvPr id="1" name=""/>
+        <p:cNvGrpSpPr/>
+        <p:nvPr/>
+      </p:nvGrpSpPr>
+      <p:grpSpPr>
+        <a:xfrm>
+          <a:off x="0" y="0"/>
+          <a:ext cx="0" cy="0"/>
+          <a:chOff x="0" y="0"/>
+          <a:chExt cx="0" cy="0"/>
+        </a:xfrm>
+      </p:grpSpPr>
+      <p:sp>
+        <p:nvSpPr>
+          <p:cNvPr id="2" name="Title 1"/>
+          <p:cNvSpPr>
+            <a:spLocks noGrp="1"/>
+          </p:cNvSpPr>
+          <p:nvPr>
             <p:ph type="ctrTitle"/>
           </p:nvPr>
         </p:nvSpPr>
@@ -8774,7 +10457,7 @@
         <p:spPr/>
         <p:txBody>
           <a:bodyPr anchor="ctr">
-            <a:normAutofit/>
+            <a:normAutofit fontScale="92500" lnSpcReduction="20000"/>
           </a:bodyPr>
           <a:lstStyle/>
           <a:p>
@@ -8818,7 +10501,7 @@
                 <a:effectLst/>
                 <a:latin typeface="Lato" panose="020F0502020204030203" pitchFamily="34" charset="0"/>
               </a:rPr>
-              <a:t>Establishing proper coordination among different individual robots will enable more applications but it still needs a lot of refinement.</a:t>
+              <a:t>Existing Modular Robotic Systems (MRS) consist of robots that are identical in shape, size, power requirements, and computational resources. Establishing proper coordination among different individual robots will enable more applications but it still needs a lot of refinement.</a:t>
             </a:r>
           </a:p>
           <a:p>
@@ -8840,7 +10523,7 @@
                 <a:effectLst/>
                 <a:latin typeface="Lato" panose="020F0502020204030203" pitchFamily="34" charset="0"/>
               </a:rPr>
-              <a:t>The emergence of Cloud robotics provides an efficient alternative for offloading the physical computations from the robot to a cloud computing infrastructure. </a:t>
+              <a:t>We can further modify the MRS to make it more modular, giving each of the robots further capabilities in terms of computational performance, energy requirements, and mobility within a smart manufacturing or industrial environment.</a:t>
             </a:r>
           </a:p>
           <a:p>
@@ -8862,6 +10545,28 @@
                 <a:effectLst/>
                 <a:latin typeface="Lato" panose="020F0502020204030203" pitchFamily="34" charset="0"/>
               </a:rPr>
+              <a:t>The emergence of Cloud robotics provides an efficient alternative for offloading the physical computations from the robot to a cloud computing infrastructure. </a:t>
+            </a:r>
+          </a:p>
+          <a:p>
+            <a:pPr marL="342900" indent="-342900" algn="just" rtl="0" fontAlgn="base">
+              <a:spcBef>
+                <a:spcPts val="0"/>
+              </a:spcBef>
+              <a:spcAft>
+                <a:spcPts val="1200"/>
+              </a:spcAft>
+              <a:buFont typeface="Arial" panose="020B0604020202020204" pitchFamily="34" charset="0"/>
+              <a:buChar char="•"/>
+            </a:pPr>
+            <a:r>
+              <a:rPr lang="en-US" sz="2000" b="0" i="0" u="none" strike="noStrike" dirty="0">
+                <a:solidFill>
+                  <a:srgbClr val="595959"/>
+                </a:solidFill>
+                <a:effectLst/>
+                <a:latin typeface="Lato" panose="020F0502020204030203" pitchFamily="34" charset="0"/>
+              </a:rPr>
               <a:t>In this work, we propose a new modular robotic architecture called </a:t>
             </a:r>
             <a:r>
@@ -8882,7 +10587,29 @@
                 <a:effectLst/>
                 <a:latin typeface="Lato" panose="020F0502020204030203" pitchFamily="34" charset="0"/>
               </a:rPr>
-              <a:t> where various modular robotic clusters work together by sharing information via a Cloud Server. </a:t>
+              <a:t> where various modular robotic clusters work together by sharing information via a Cloud Server. Our proposed architecture will have a universal communication connector that will allow various modules to connect. The central cloud server can be used for shared autonomy among the modular multi-robot units by sharing resources and sensor information.</a:t>
+            </a:r>
+          </a:p>
+          <a:p>
+            <a:pPr marL="342900" indent="-342900" algn="just" rtl="0" fontAlgn="base">
+              <a:spcBef>
+                <a:spcPts val="0"/>
+              </a:spcBef>
+              <a:spcAft>
+                <a:spcPts val="1200"/>
+              </a:spcAft>
+              <a:buFont typeface="Arial" panose="020B0604020202020204" pitchFamily="34" charset="0"/>
+              <a:buChar char="•"/>
+            </a:pPr>
+            <a:r>
+              <a:rPr lang="en-US" sz="2000" b="0" i="0" u="none" strike="noStrike" dirty="0">
+                <a:solidFill>
+                  <a:srgbClr val="595959"/>
+                </a:solidFill>
+                <a:effectLst/>
+                <a:latin typeface="Lato" panose="020F0502020204030203" pitchFamily="34" charset="0"/>
+              </a:rPr>
+              <a:t>This research is mainly targeted towards development of warehouse robotics.</a:t>
             </a:r>
           </a:p>
         </p:txBody>
@@ -9156,12 +10883,14 @@
         </p:nvSpPr>
         <p:spPr/>
         <p:txBody>
-          <a:bodyPr/>
+          <a:bodyPr>
+            <a:normAutofit/>
+          </a:bodyPr>
           <a:lstStyle/>
           <a:p>
             <a:r>
-              <a:rPr lang="en-US" dirty="0"/>
-              <a:t>The current challenges</a:t>
+              <a:rPr lang="en-US" sz="2800" dirty="0"/>
+              <a:t>The current challenges and pathways for research</a:t>
             </a:r>
           </a:p>
         </p:txBody>
@@ -9245,17 +10974,21 @@
                 </a:solidFill>
                 <a:latin typeface="Lato" panose="020F0502020204030203" pitchFamily="34" charset="0"/>
               </a:rPr>
-              <a:t>"distributed intelligent systems may require more communication to coordinate all the entities in the system  as they must </a:t>
-            </a:r>
-            <a:r>
-              <a:rPr lang="en-US" sz="1800" dirty="0" err="1">
-                <a:solidFill>
-                  <a:srgbClr val="595959"/>
-                </a:solidFill>
-                <a:latin typeface="Lato" panose="020F0502020204030203" pitchFamily="34" charset="0"/>
-              </a:rPr>
-              <a:t>actwithout</a:t>
-            </a:r>
+              <a:t>"distributed intelligent systems may require more communication to coordinate all the entities in the system  as they must act without complete knowledge of the other entities” intents. Finally, systems of multiple entities will typically experience increased uncertainty about the state of the system as a whole.“</a:t>
+            </a:r>
+          </a:p>
+          <a:p>
+            <a:pPr marL="285750" indent="-285750" algn="just" fontAlgn="base">
+              <a:spcBef>
+                <a:spcPts val="0"/>
+              </a:spcBef>
+              <a:spcAft>
+                <a:spcPts val="1200"/>
+              </a:spcAft>
+              <a:buFont typeface="Arial" panose="020B0604020202020204" pitchFamily="34" charset="0"/>
+              <a:buChar char="•"/>
+              <a:defRPr/>
+            </a:pPr>
             <a:r>
               <a:rPr lang="en-US" sz="1800" dirty="0">
                 <a:solidFill>
@@ -9263,7 +10996,51 @@
                 </a:solidFill>
                 <a:latin typeface="Lato" panose="020F0502020204030203" pitchFamily="34" charset="0"/>
               </a:rPr>
-              <a:t> complete knowledge of the other entities’ intents. Finally, systems of multiple entities will typically experience increased uncertainty about the state of the system as a whole."</a:t>
+              <a:t>All this research so far has been solely based on a platform having some dependencies on language.</a:t>
+            </a:r>
+          </a:p>
+          <a:p>
+            <a:pPr marL="285750" indent="-285750" algn="just" fontAlgn="base">
+              <a:spcBef>
+                <a:spcPts val="0"/>
+              </a:spcBef>
+              <a:spcAft>
+                <a:spcPts val="1200"/>
+              </a:spcAft>
+              <a:buFont typeface="Arial" panose="020B0604020202020204" pitchFamily="34" charset="0"/>
+              <a:buChar char="•"/>
+              <a:defRPr/>
+            </a:pPr>
+            <a:r>
+              <a:rPr lang="en-US" sz="1800" dirty="0">
+                <a:solidFill>
+                  <a:srgbClr val="595959"/>
+                </a:solidFill>
+                <a:latin typeface="Lato" panose="020F0502020204030203" pitchFamily="34" charset="0"/>
+              </a:rPr>
+              <a:t>Our work expands on the current state of the art by developing a platform-independent system.</a:t>
+            </a:r>
+          </a:p>
+          <a:p>
+            <a:pPr marL="285750" indent="-285750" algn="just" fontAlgn="base">
+              <a:spcBef>
+                <a:spcPts val="0"/>
+              </a:spcBef>
+              <a:spcAft>
+                <a:spcPts val="1200"/>
+              </a:spcAft>
+              <a:buFont typeface="Arial" panose="020B0604020202020204" pitchFamily="34" charset="0"/>
+              <a:buChar char="•"/>
+              <a:defRPr/>
+            </a:pPr>
+            <a:r>
+              <a:rPr lang="en-US" sz="1800" dirty="0">
+                <a:solidFill>
+                  <a:srgbClr val="595959"/>
+                </a:solidFill>
+                <a:latin typeface="Lato" panose="020F0502020204030203" pitchFamily="34" charset="0"/>
+              </a:rPr>
+              <a:t>We will use a ROS master as a cloud server to deploy code in any language and communicate with any robot connected to the server network.</a:t>
             </a:r>
           </a:p>
         </p:txBody>
@@ -9315,1101 +11092,48 @@
           <a:p>
             <a:r>
               <a:rPr lang="en-US" dirty="0"/>
-              <a:t>The proposed architecture</a:t>
+              <a:t>Project Plan</a:t>
             </a:r>
           </a:p>
         </p:txBody>
       </p:sp>
-      <p:sp>
-        <p:nvSpPr>
-          <p:cNvPr id="3" name="Content Placeholder 2"/>
-          <p:cNvSpPr>
-            <a:spLocks noGrp="1"/>
-          </p:cNvSpPr>
-          <p:nvPr>
-            <p:ph idx="1"/>
-          </p:nvPr>
-        </p:nvSpPr>
-        <p:spPr/>
-        <p:txBody>
-          <a:bodyPr anchor="ctr">
-            <a:normAutofit/>
-          </a:bodyPr>
-          <a:lstStyle/>
-          <a:p>
-            <a:pPr marL="457200" indent="-457200">
-              <a:buFont typeface="Arial" panose="020B0604020202020204" pitchFamily="34" charset="0"/>
-              <a:buChar char="•"/>
-            </a:pPr>
-            <a:endParaRPr lang="en-US" dirty="0"/>
-          </a:p>
-        </p:txBody>
-      </p:sp>
-      <p:grpSp>
-        <p:nvGrpSpPr>
-          <p:cNvPr id="4" name="Group 3">
+      <p:graphicFrame>
+        <p:nvGraphicFramePr>
+          <p:cNvPr id="4" name="Content Placeholder 3">
             <a:extLst>
               <a:ext uri="{FF2B5EF4-FFF2-40B4-BE49-F238E27FC236}">
-                <a16:creationId xmlns:a16="http://schemas.microsoft.com/office/drawing/2014/main" id="{35DA267C-94F0-4624-B6AA-33ED619B8502}"/>
+                <a16:creationId xmlns:a16="http://schemas.microsoft.com/office/drawing/2014/main" id="{23B86CEA-4BA9-47D6-BF12-E2723F7B0039}"/>
               </a:ext>
             </a:extLst>
           </p:cNvPr>
-          <p:cNvGrpSpPr/>
-          <p:nvPr/>
-        </p:nvGrpSpPr>
-        <p:grpSpPr>
-          <a:xfrm>
-            <a:off x="1140737" y="923584"/>
-            <a:ext cx="9519353" cy="5549644"/>
-            <a:chOff x="191996" y="-421417"/>
-            <a:chExt cx="11808008" cy="7079798"/>
-          </a:xfrm>
-        </p:grpSpPr>
-        <p:pic>
-          <p:nvPicPr>
-            <p:cNvPr id="5" name="Picture 4" descr="xerx.es">
-              <a:extLst>
-                <a:ext uri="{FF2B5EF4-FFF2-40B4-BE49-F238E27FC236}">
-                  <a16:creationId xmlns:a16="http://schemas.microsoft.com/office/drawing/2014/main" id="{1B75635C-7539-4B12-A55C-FB7DBFF40485}"/>
-                </a:ext>
-              </a:extLst>
-            </p:cNvPr>
-            <p:cNvPicPr>
-              <a:picLocks noChangeAspect="1" noChangeArrowheads="1"/>
-            </p:cNvPicPr>
-            <p:nvPr/>
-          </p:nvPicPr>
-          <p:blipFill>
-            <a:blip r:embed="rId3">
-              <a:extLst>
-                <a:ext uri="{28A0092B-C50C-407E-A947-70E740481C1C}">
-                  <a14:useLocalDpi xmlns:a14="http://schemas.microsoft.com/office/drawing/2010/main" val="0"/>
-                </a:ext>
-              </a:extLst>
-            </a:blip>
-            <a:srcRect/>
-            <a:stretch>
-              <a:fillRect/>
-            </a:stretch>
-          </p:blipFill>
-          <p:spPr bwMode="auto">
-            <a:xfrm>
-              <a:off x="9075945" y="2352893"/>
-              <a:ext cx="2411830" cy="1808873"/>
-            </a:xfrm>
-            <a:prstGeom prst="rect">
-              <a:avLst/>
-            </a:prstGeom>
-            <a:noFill/>
-            <a:extLst>
-              <a:ext uri="{909E8E84-426E-40DD-AFC4-6F175D3DCCD1}">
-                <a14:hiddenFill xmlns:a14="http://schemas.microsoft.com/office/drawing/2010/main">
-                  <a:solidFill>
-                    <a:srgbClr val="FFFFFF"/>
-                  </a:solidFill>
-                </a14:hiddenFill>
-              </a:ext>
-            </a:extLst>
-          </p:spPr>
-        </p:pic>
-        <p:pic>
-          <p:nvPicPr>
-            <p:cNvPr id="6" name="Picture 2" descr="Amazon Kiva Warehouse Robot PNG Images &amp;amp; PSDs for Download | PixelSquid -  S11317661F">
-              <a:extLst>
-                <a:ext uri="{FF2B5EF4-FFF2-40B4-BE49-F238E27FC236}">
-                  <a16:creationId xmlns:a16="http://schemas.microsoft.com/office/drawing/2014/main" id="{E8F272A3-0526-4AA7-ADC9-E76237567BF1}"/>
-                </a:ext>
-              </a:extLst>
-            </p:cNvPr>
-            <p:cNvPicPr>
-              <a:picLocks noChangeAspect="1" noChangeArrowheads="1"/>
-            </p:cNvPicPr>
-            <p:nvPr/>
-          </p:nvPicPr>
-          <p:blipFill>
-            <a:blip r:embed="rId4">
-              <a:extLst>
-                <a:ext uri="{28A0092B-C50C-407E-A947-70E740481C1C}">
-                  <a14:useLocalDpi xmlns:a14="http://schemas.microsoft.com/office/drawing/2010/main" val="0"/>
-                </a:ext>
-              </a:extLst>
-            </a:blip>
-            <a:srcRect/>
-            <a:stretch>
-              <a:fillRect/>
-            </a:stretch>
-          </p:blipFill>
-          <p:spPr bwMode="auto">
-            <a:xfrm>
-              <a:off x="840083" y="2322164"/>
-              <a:ext cx="2120112" cy="2120112"/>
-            </a:xfrm>
-            <a:prstGeom prst="rect">
-              <a:avLst/>
-            </a:prstGeom>
-            <a:noFill/>
-            <a:extLst>
-              <a:ext uri="{909E8E84-426E-40DD-AFC4-6F175D3DCCD1}">
-                <a14:hiddenFill xmlns:a14="http://schemas.microsoft.com/office/drawing/2010/main">
-                  <a:solidFill>
-                    <a:srgbClr val="FFFFFF"/>
-                  </a:solidFill>
-                </a14:hiddenFill>
-              </a:ext>
-            </a:extLst>
-          </p:spPr>
-        </p:pic>
-        <p:grpSp>
-          <p:nvGrpSpPr>
-            <p:cNvPr id="7" name="Group 6">
-              <a:extLst>
-                <a:ext uri="{FF2B5EF4-FFF2-40B4-BE49-F238E27FC236}">
-                  <a16:creationId xmlns:a16="http://schemas.microsoft.com/office/drawing/2014/main" id="{4309263B-ED95-49C5-AA5D-8B464829F07F}"/>
-                </a:ext>
-              </a:extLst>
-            </p:cNvPr>
-            <p:cNvGrpSpPr/>
-            <p:nvPr/>
-          </p:nvGrpSpPr>
-          <p:grpSpPr>
-            <a:xfrm>
-              <a:off x="3868996" y="-421417"/>
-              <a:ext cx="3639428" cy="3387062"/>
-              <a:chOff x="3507992" y="1033938"/>
-              <a:chExt cx="4572009" cy="4572009"/>
-            </a:xfrm>
-          </p:grpSpPr>
-          <p:pic>
-            <p:nvPicPr>
-              <p:cNvPr id="25" name="Picture 24">
-                <a:extLst>
-                  <a:ext uri="{FF2B5EF4-FFF2-40B4-BE49-F238E27FC236}">
-                    <a16:creationId xmlns:a16="http://schemas.microsoft.com/office/drawing/2014/main" id="{355FE907-74EF-4BFA-BED9-7658FBA4D459}"/>
-                  </a:ext>
-                </a:extLst>
-              </p:cNvPr>
-              <p:cNvPicPr>
-                <a:picLocks noChangeAspect="1"/>
-              </p:cNvPicPr>
-              <p:nvPr/>
-            </p:nvPicPr>
-            <p:blipFill>
-              <a:blip r:embed="rId5">
-                <a:extLst>
-                  <a:ext uri="{28A0092B-C50C-407E-A947-70E740481C1C}">
-                    <a14:useLocalDpi xmlns:a14="http://schemas.microsoft.com/office/drawing/2010/main" val="0"/>
-                  </a:ext>
-                </a:extLst>
-              </a:blip>
-              <a:stretch>
-                <a:fillRect/>
-              </a:stretch>
-            </p:blipFill>
-            <p:spPr>
-              <a:xfrm>
-                <a:off x="3507992" y="1033938"/>
-                <a:ext cx="4572009" cy="4572009"/>
-              </a:xfrm>
-              <a:prstGeom prst="rect">
-                <a:avLst/>
-              </a:prstGeom>
-            </p:spPr>
-          </p:pic>
-          <p:pic>
-            <p:nvPicPr>
-              <p:cNvPr id="26" name="Picture 25">
-                <a:extLst>
-                  <a:ext uri="{FF2B5EF4-FFF2-40B4-BE49-F238E27FC236}">
-                    <a16:creationId xmlns:a16="http://schemas.microsoft.com/office/drawing/2014/main" id="{C9EABE6C-F515-4313-8A9C-27BF3E229C09}"/>
-                  </a:ext>
-                </a:extLst>
-              </p:cNvPr>
-              <p:cNvPicPr>
-                <a:picLocks noChangeAspect="1"/>
-              </p:cNvPicPr>
-              <p:nvPr/>
-            </p:nvPicPr>
-            <p:blipFill>
-              <a:blip r:embed="rId6">
-                <a:extLst>
-                  <a:ext uri="{28A0092B-C50C-407E-A947-70E740481C1C}">
-                    <a14:useLocalDpi xmlns:a14="http://schemas.microsoft.com/office/drawing/2010/main" val="0"/>
-                  </a:ext>
-                </a:extLst>
-              </a:blip>
-              <a:stretch>
-                <a:fillRect/>
-              </a:stretch>
-            </p:blipFill>
-            <p:spPr>
-              <a:xfrm>
-                <a:off x="4868830" y="2852257"/>
-                <a:ext cx="2009673" cy="1469384"/>
-              </a:xfrm>
-              <a:prstGeom prst="rect">
-                <a:avLst/>
-              </a:prstGeom>
-            </p:spPr>
-          </p:pic>
-        </p:grpSp>
-        <p:pic>
-          <p:nvPicPr>
-            <p:cNvPr id="8" name="Picture 7">
-              <a:extLst>
-                <a:ext uri="{FF2B5EF4-FFF2-40B4-BE49-F238E27FC236}">
-                  <a16:creationId xmlns:a16="http://schemas.microsoft.com/office/drawing/2014/main" id="{ABB08883-6D7D-4285-880D-2AF2B8ABE8BA}"/>
-                </a:ext>
-              </a:extLst>
-            </p:cNvPr>
-            <p:cNvPicPr>
-              <a:picLocks noChangeAspect="1"/>
-            </p:cNvPicPr>
-            <p:nvPr/>
-          </p:nvPicPr>
-          <p:blipFill>
-            <a:blip r:embed="rId7">
-              <a:extLst>
-                <a:ext uri="{28A0092B-C50C-407E-A947-70E740481C1C}">
-                  <a14:useLocalDpi xmlns:a14="http://schemas.microsoft.com/office/drawing/2010/main" val="0"/>
-                </a:ext>
-                <a:ext uri="{837473B0-CC2E-450A-ABE3-18F120FF3D39}">
-                  <a1611:picAttrSrcUrl xmlns:a1611="http://schemas.microsoft.com/office/drawing/2016/11/main" r:id="rId8"/>
-                </a:ext>
-              </a:extLst>
-            </a:blip>
-            <a:stretch>
-              <a:fillRect/>
-            </a:stretch>
-          </p:blipFill>
-          <p:spPr>
-            <a:xfrm>
-              <a:off x="8690141" y="4215582"/>
-              <a:ext cx="3237150" cy="1466834"/>
-            </a:xfrm>
-            <a:prstGeom prst="rect">
-              <a:avLst/>
-            </a:prstGeom>
-          </p:spPr>
-        </p:pic>
-        <p:sp>
-          <p:nvSpPr>
-            <p:cNvPr id="9" name="Rectangle: Rounded Corners 8">
-              <a:extLst>
-                <a:ext uri="{FF2B5EF4-FFF2-40B4-BE49-F238E27FC236}">
-                  <a16:creationId xmlns:a16="http://schemas.microsoft.com/office/drawing/2014/main" id="{B3044576-C9D2-4264-9166-F1C34A8AFFE0}"/>
-                </a:ext>
-              </a:extLst>
-            </p:cNvPr>
-            <p:cNvSpPr/>
-            <p:nvPr/>
-          </p:nvSpPr>
-          <p:spPr>
-            <a:xfrm>
-              <a:off x="8610852" y="3982164"/>
-              <a:ext cx="3389152" cy="1862356"/>
-            </a:xfrm>
-            <a:prstGeom prst="roundRect">
-              <a:avLst/>
-            </a:prstGeom>
-            <a:noFill/>
-            <a:ln w="76200">
-              <a:solidFill>
-                <a:srgbClr val="0070C0"/>
-              </a:solidFill>
-            </a:ln>
-          </p:spPr>
-          <p:style>
-            <a:lnRef idx="2">
-              <a:schemeClr val="accent1">
-                <a:shade val="50000"/>
-              </a:schemeClr>
-            </a:lnRef>
-            <a:fillRef idx="1">
-              <a:schemeClr val="accent1"/>
-            </a:fillRef>
-            <a:effectRef idx="0">
-              <a:schemeClr val="accent1"/>
-            </a:effectRef>
-            <a:fontRef idx="minor">
-              <a:schemeClr val="lt1"/>
-            </a:fontRef>
-          </p:style>
-          <p:txBody>
-            <a:bodyPr rtlCol="0" anchor="ctr"/>
-            <a:lstStyle/>
-            <a:p>
-              <a:pPr algn="ctr"/>
-              <a:endParaRPr lang="en-IN"/>
-            </a:p>
-          </p:txBody>
-        </p:sp>
-        <p:sp>
-          <p:nvSpPr>
-            <p:cNvPr id="10" name="Rectangle: Rounded Corners 9">
-              <a:extLst>
-                <a:ext uri="{FF2B5EF4-FFF2-40B4-BE49-F238E27FC236}">
-                  <a16:creationId xmlns:a16="http://schemas.microsoft.com/office/drawing/2014/main" id="{81E661C2-DEBD-4DF9-B03C-0625C71A3644}"/>
-                </a:ext>
-              </a:extLst>
-            </p:cNvPr>
-            <p:cNvSpPr/>
-            <p:nvPr/>
-          </p:nvSpPr>
-          <p:spPr>
-            <a:xfrm>
-              <a:off x="191996" y="4155454"/>
-              <a:ext cx="3389152" cy="1862356"/>
-            </a:xfrm>
-            <a:prstGeom prst="roundRect">
-              <a:avLst/>
-            </a:prstGeom>
-            <a:noFill/>
-            <a:ln w="76200">
-              <a:solidFill>
-                <a:srgbClr val="0070C0"/>
-              </a:solidFill>
-            </a:ln>
-          </p:spPr>
-          <p:style>
-            <a:lnRef idx="2">
-              <a:schemeClr val="accent1">
-                <a:shade val="50000"/>
-              </a:schemeClr>
-            </a:lnRef>
-            <a:fillRef idx="1">
-              <a:schemeClr val="accent1"/>
-            </a:fillRef>
-            <a:effectRef idx="0">
-              <a:schemeClr val="accent1"/>
-            </a:effectRef>
-            <a:fontRef idx="minor">
-              <a:schemeClr val="lt1"/>
-            </a:fontRef>
-          </p:style>
-          <p:txBody>
-            <a:bodyPr rtlCol="0" anchor="ctr"/>
-            <a:lstStyle/>
-            <a:p>
-              <a:pPr algn="ctr"/>
-              <a:endParaRPr lang="en-IN"/>
-            </a:p>
-          </p:txBody>
-        </p:sp>
-        <p:pic>
-          <p:nvPicPr>
-            <p:cNvPr id="11" name="Picture 10">
-              <a:extLst>
-                <a:ext uri="{FF2B5EF4-FFF2-40B4-BE49-F238E27FC236}">
-                  <a16:creationId xmlns:a16="http://schemas.microsoft.com/office/drawing/2014/main" id="{9B960113-9742-4C83-8441-CE20B57BAD84}"/>
-                </a:ext>
-              </a:extLst>
-            </p:cNvPr>
-            <p:cNvPicPr>
-              <a:picLocks noChangeAspect="1"/>
-            </p:cNvPicPr>
-            <p:nvPr/>
-          </p:nvPicPr>
-          <p:blipFill>
-            <a:blip r:embed="rId9">
-              <a:extLst>
-                <a:ext uri="{28A0092B-C50C-407E-A947-70E740481C1C}">
-                  <a14:useLocalDpi xmlns:a14="http://schemas.microsoft.com/office/drawing/2010/main" val="0"/>
-                </a:ext>
-                <a:ext uri="{837473B0-CC2E-450A-ABE3-18F120FF3D39}">
-                  <a1611:picAttrSrcUrl xmlns:a1611="http://schemas.microsoft.com/office/drawing/2016/11/main" r:id="rId10"/>
-                </a:ext>
-              </a:extLst>
-            </a:blip>
-            <a:stretch>
-              <a:fillRect/>
-            </a:stretch>
-          </p:blipFill>
-          <p:spPr>
-            <a:xfrm>
-              <a:off x="2662353" y="4880447"/>
-              <a:ext cx="595647" cy="547885"/>
-            </a:xfrm>
-            <a:prstGeom prst="rect">
-              <a:avLst/>
-            </a:prstGeom>
-          </p:spPr>
-        </p:pic>
-        <p:pic>
-          <p:nvPicPr>
-            <p:cNvPr id="12" name="Picture 11">
-              <a:extLst>
-                <a:ext uri="{FF2B5EF4-FFF2-40B4-BE49-F238E27FC236}">
-                  <a16:creationId xmlns:a16="http://schemas.microsoft.com/office/drawing/2014/main" id="{DBFDDB6C-EE9A-4CAE-A714-53B00BE86728}"/>
-                </a:ext>
-              </a:extLst>
-            </p:cNvPr>
-            <p:cNvPicPr>
-              <a:picLocks noChangeAspect="1"/>
-            </p:cNvPicPr>
-            <p:nvPr/>
-          </p:nvPicPr>
-          <p:blipFill>
-            <a:blip r:embed="rId11">
-              <a:extLst>
-                <a:ext uri="{28A0092B-C50C-407E-A947-70E740481C1C}">
-                  <a14:useLocalDpi xmlns:a14="http://schemas.microsoft.com/office/drawing/2010/main" val="0"/>
-                </a:ext>
-                <a:ext uri="{837473B0-CC2E-450A-ABE3-18F120FF3D39}">
-                  <a1611:picAttrSrcUrl xmlns:a1611="http://schemas.microsoft.com/office/drawing/2016/11/main" r:id="rId12"/>
-                </a:ext>
-              </a:extLst>
-            </a:blip>
-            <a:stretch>
-              <a:fillRect/>
-            </a:stretch>
-          </p:blipFill>
-          <p:spPr>
-            <a:xfrm>
-              <a:off x="419898" y="4285457"/>
-              <a:ext cx="2136465" cy="1602349"/>
-            </a:xfrm>
-            <a:prstGeom prst="rect">
-              <a:avLst/>
-            </a:prstGeom>
-          </p:spPr>
-        </p:pic>
-        <p:sp>
-          <p:nvSpPr>
-            <p:cNvPr id="13" name="Rectangle: Rounded Corners 12">
-              <a:extLst>
-                <a:ext uri="{FF2B5EF4-FFF2-40B4-BE49-F238E27FC236}">
-                  <a16:creationId xmlns:a16="http://schemas.microsoft.com/office/drawing/2014/main" id="{01C91133-383E-4FE4-BC6F-51C28850FE20}"/>
-                </a:ext>
-              </a:extLst>
-            </p:cNvPr>
-            <p:cNvSpPr/>
-            <p:nvPr/>
-          </p:nvSpPr>
-          <p:spPr>
-            <a:xfrm>
-              <a:off x="4183942" y="2352891"/>
-              <a:ext cx="3053593" cy="612753"/>
-            </a:xfrm>
-            <a:prstGeom prst="roundRect">
-              <a:avLst/>
-            </a:prstGeom>
-            <a:noFill/>
-          </p:spPr>
-          <p:style>
-            <a:lnRef idx="2">
-              <a:schemeClr val="accent1">
-                <a:shade val="50000"/>
-              </a:schemeClr>
-            </a:lnRef>
-            <a:fillRef idx="1">
-              <a:schemeClr val="accent1"/>
-            </a:fillRef>
-            <a:effectRef idx="0">
-              <a:schemeClr val="accent1"/>
-            </a:effectRef>
-            <a:fontRef idx="minor">
-              <a:schemeClr val="lt1"/>
-            </a:fontRef>
-          </p:style>
-          <p:txBody>
-            <a:bodyPr rtlCol="0" anchor="ctr"/>
-            <a:lstStyle/>
-            <a:p>
-              <a:pPr algn="ctr"/>
-              <a:r>
-                <a:rPr lang="en-IN" dirty="0">
-                  <a:ln w="0"/>
-                  <a:solidFill>
-                    <a:schemeClr val="tx1"/>
-                  </a:solidFill>
-                  <a:effectLst>
-                    <a:outerShdw blurRad="38100" dist="19050" dir="2700000" algn="tl" rotWithShape="0">
-                      <a:schemeClr val="dk1">
-                        <a:alpha val="40000"/>
-                      </a:schemeClr>
-                    </a:outerShdw>
-                  </a:effectLst>
-                </a:rPr>
-                <a:t>AWS Cloud Server running the ROS master</a:t>
-              </a:r>
-              <a:endParaRPr lang="en-IN" dirty="0"/>
-            </a:p>
-          </p:txBody>
-        </p:sp>
-        <p:sp>
-          <p:nvSpPr>
-            <p:cNvPr id="14" name="Rectangle: Rounded Corners 13">
-              <a:extLst>
-                <a:ext uri="{FF2B5EF4-FFF2-40B4-BE49-F238E27FC236}">
-                  <a16:creationId xmlns:a16="http://schemas.microsoft.com/office/drawing/2014/main" id="{F0388999-897B-42D8-9E31-32A1D53F9A67}"/>
-                </a:ext>
-              </a:extLst>
-            </p:cNvPr>
-            <p:cNvSpPr/>
-            <p:nvPr/>
-          </p:nvSpPr>
-          <p:spPr>
-            <a:xfrm>
-              <a:off x="221548" y="1974929"/>
-              <a:ext cx="3053593" cy="864998"/>
-            </a:xfrm>
-            <a:prstGeom prst="roundRect">
-              <a:avLst/>
-            </a:prstGeom>
-            <a:noFill/>
-          </p:spPr>
-          <p:style>
-            <a:lnRef idx="2">
-              <a:schemeClr val="accent1">
-                <a:shade val="50000"/>
-              </a:schemeClr>
-            </a:lnRef>
-            <a:fillRef idx="1">
-              <a:schemeClr val="accent1"/>
-            </a:fillRef>
-            <a:effectRef idx="0">
-              <a:schemeClr val="accent1"/>
-            </a:effectRef>
-            <a:fontRef idx="minor">
-              <a:schemeClr val="lt1"/>
-            </a:fontRef>
-          </p:style>
-          <p:txBody>
-            <a:bodyPr rtlCol="0" anchor="ctr"/>
-            <a:lstStyle/>
-            <a:p>
-              <a:pPr algn="ctr"/>
-              <a:r>
-                <a:rPr lang="en-IN" dirty="0">
-                  <a:ln w="0"/>
-                  <a:solidFill>
-                    <a:schemeClr val="tx1"/>
-                  </a:solidFill>
-                  <a:effectLst>
-                    <a:outerShdw blurRad="38100" dist="19050" dir="2700000" algn="tl" rotWithShape="0">
-                      <a:schemeClr val="dk1">
-                        <a:alpha val="40000"/>
-                      </a:schemeClr>
-                    </a:outerShdw>
-                  </a:effectLst>
-                </a:rPr>
-                <a:t>Cluster Node 1: Running Client ROS</a:t>
-              </a:r>
-              <a:endParaRPr lang="en-IN" dirty="0"/>
-            </a:p>
-          </p:txBody>
-        </p:sp>
-        <p:sp>
-          <p:nvSpPr>
-            <p:cNvPr id="15" name="Rectangle: Rounded Corners 14">
-              <a:extLst>
-                <a:ext uri="{FF2B5EF4-FFF2-40B4-BE49-F238E27FC236}">
-                  <a16:creationId xmlns:a16="http://schemas.microsoft.com/office/drawing/2014/main" id="{39711F97-916B-4EB1-A0F9-DB48CEF41ECF}"/>
-                </a:ext>
-              </a:extLst>
-            </p:cNvPr>
-            <p:cNvSpPr/>
-            <p:nvPr/>
-          </p:nvSpPr>
-          <p:spPr>
-            <a:xfrm>
-              <a:off x="8717268" y="1946439"/>
-              <a:ext cx="3053593" cy="658497"/>
-            </a:xfrm>
-            <a:prstGeom prst="roundRect">
-              <a:avLst/>
-            </a:prstGeom>
-            <a:noFill/>
-          </p:spPr>
-          <p:style>
-            <a:lnRef idx="2">
-              <a:schemeClr val="accent1">
-                <a:shade val="50000"/>
-              </a:schemeClr>
-            </a:lnRef>
-            <a:fillRef idx="1">
-              <a:schemeClr val="accent1"/>
-            </a:fillRef>
-            <a:effectRef idx="0">
-              <a:schemeClr val="accent1"/>
-            </a:effectRef>
-            <a:fontRef idx="minor">
-              <a:schemeClr val="lt1"/>
-            </a:fontRef>
-          </p:style>
-          <p:txBody>
-            <a:bodyPr rtlCol="0" anchor="ctr"/>
-            <a:lstStyle/>
-            <a:p>
-              <a:pPr algn="ctr"/>
-              <a:r>
-                <a:rPr lang="en-IN" dirty="0">
-                  <a:ln w="0"/>
-                  <a:solidFill>
-                    <a:schemeClr val="tx1"/>
-                  </a:solidFill>
-                  <a:effectLst>
-                    <a:outerShdw blurRad="38100" dist="19050" dir="2700000" algn="tl" rotWithShape="0">
-                      <a:schemeClr val="dk1">
-                        <a:alpha val="40000"/>
-                      </a:schemeClr>
-                    </a:outerShdw>
-                  </a:effectLst>
-                </a:rPr>
-                <a:t>Cluster Node 3: Running client ROS</a:t>
-              </a:r>
-              <a:endParaRPr lang="en-IN" dirty="0"/>
-            </a:p>
-          </p:txBody>
-        </p:sp>
-        <p:sp>
-          <p:nvSpPr>
-            <p:cNvPr id="16" name="Arrow: Bent 15">
-              <a:extLst>
-                <a:ext uri="{FF2B5EF4-FFF2-40B4-BE49-F238E27FC236}">
-                  <a16:creationId xmlns:a16="http://schemas.microsoft.com/office/drawing/2014/main" id="{772E653F-4C4D-4104-81B2-97FF15CE5AE2}"/>
-                </a:ext>
-              </a:extLst>
-            </p:cNvPr>
-            <p:cNvSpPr/>
-            <p:nvPr/>
-          </p:nvSpPr>
-          <p:spPr>
-            <a:xfrm rot="5400000">
-              <a:off x="8312422" y="-269518"/>
-              <a:ext cx="1420176" cy="2776460"/>
-            </a:xfrm>
-            <a:prstGeom prst="bentArrow">
-              <a:avLst>
-                <a:gd name="adj1" fmla="val 15994"/>
-                <a:gd name="adj2" fmla="val 18041"/>
-                <a:gd name="adj3" fmla="val 25000"/>
-                <a:gd name="adj4" fmla="val 43750"/>
-              </a:avLst>
-            </a:prstGeom>
-            <a:noFill/>
-            <a:ln w="76200"/>
-          </p:spPr>
-          <p:style>
-            <a:lnRef idx="2">
-              <a:schemeClr val="accent1">
-                <a:shade val="50000"/>
-              </a:schemeClr>
-            </a:lnRef>
-            <a:fillRef idx="1">
-              <a:schemeClr val="accent1"/>
-            </a:fillRef>
-            <a:effectRef idx="0">
-              <a:schemeClr val="accent1"/>
-            </a:effectRef>
-            <a:fontRef idx="minor">
-              <a:schemeClr val="lt1"/>
-            </a:fontRef>
-          </p:style>
-          <p:txBody>
-            <a:bodyPr rtlCol="0" anchor="ctr"/>
-            <a:lstStyle/>
-            <a:p>
-              <a:pPr algn="ctr"/>
-              <a:endParaRPr lang="en-IN">
-                <a:solidFill>
-                  <a:schemeClr val="tx1"/>
-                </a:solidFill>
-              </a:endParaRPr>
-            </a:p>
-          </p:txBody>
-        </p:sp>
-        <p:sp>
-          <p:nvSpPr>
-            <p:cNvPr id="17" name="Arrow: Bent 16">
-              <a:extLst>
-                <a:ext uri="{FF2B5EF4-FFF2-40B4-BE49-F238E27FC236}">
-                  <a16:creationId xmlns:a16="http://schemas.microsoft.com/office/drawing/2014/main" id="{E5BB5217-1DA9-404B-AA54-DE0629D53A46}"/>
-                </a:ext>
-              </a:extLst>
-            </p:cNvPr>
-            <p:cNvSpPr/>
-            <p:nvPr/>
-          </p:nvSpPr>
-          <p:spPr>
-            <a:xfrm rot="5400000" flipV="1">
-              <a:off x="1912406" y="-118180"/>
-              <a:ext cx="1390454" cy="2503506"/>
-            </a:xfrm>
-            <a:prstGeom prst="bentArrow">
-              <a:avLst>
-                <a:gd name="adj1" fmla="val 15994"/>
-                <a:gd name="adj2" fmla="val 18041"/>
-                <a:gd name="adj3" fmla="val 25000"/>
-                <a:gd name="adj4" fmla="val 43750"/>
-              </a:avLst>
-            </a:prstGeom>
-            <a:noFill/>
-            <a:ln w="76200"/>
-          </p:spPr>
-          <p:style>
-            <a:lnRef idx="2">
-              <a:schemeClr val="accent1">
-                <a:shade val="50000"/>
-              </a:schemeClr>
-            </a:lnRef>
-            <a:fillRef idx="1">
-              <a:schemeClr val="accent1"/>
-            </a:fillRef>
-            <a:effectRef idx="0">
-              <a:schemeClr val="accent1"/>
-            </a:effectRef>
-            <a:fontRef idx="minor">
-              <a:schemeClr val="lt1"/>
-            </a:fontRef>
-          </p:style>
-          <p:txBody>
-            <a:bodyPr rtlCol="0" anchor="ctr"/>
-            <a:lstStyle/>
-            <a:p>
-              <a:pPr algn="ctr"/>
-              <a:endParaRPr lang="en-IN">
-                <a:solidFill>
-                  <a:schemeClr val="tx1"/>
-                </a:solidFill>
-              </a:endParaRPr>
-            </a:p>
-          </p:txBody>
-        </p:sp>
-        <p:pic>
-          <p:nvPicPr>
-            <p:cNvPr id="18" name="Picture 12" descr="Delivery Drone Transparent Background | PNG Play">
-              <a:extLst>
-                <a:ext uri="{FF2B5EF4-FFF2-40B4-BE49-F238E27FC236}">
-                  <a16:creationId xmlns:a16="http://schemas.microsoft.com/office/drawing/2014/main" id="{49A0A8F6-C845-4ADD-9E9A-90390351DE23}"/>
-                </a:ext>
-              </a:extLst>
-            </p:cNvPr>
-            <p:cNvPicPr>
-              <a:picLocks noChangeAspect="1" noChangeArrowheads="1"/>
-            </p:cNvPicPr>
-            <p:nvPr/>
-          </p:nvPicPr>
-          <p:blipFill>
-            <a:blip r:embed="rId13">
-              <a:extLst>
-                <a:ext uri="{28A0092B-C50C-407E-A947-70E740481C1C}">
-                  <a14:useLocalDpi xmlns:a14="http://schemas.microsoft.com/office/drawing/2010/main" val="0"/>
-                </a:ext>
-              </a:extLst>
-            </a:blip>
-            <a:srcRect/>
-            <a:stretch>
-              <a:fillRect/>
-            </a:stretch>
-          </p:blipFill>
-          <p:spPr bwMode="auto">
-            <a:xfrm>
-              <a:off x="4734867" y="5117231"/>
-              <a:ext cx="2034521" cy="1541150"/>
-            </a:xfrm>
-            <a:prstGeom prst="rect">
-              <a:avLst/>
-            </a:prstGeom>
-            <a:noFill/>
-            <a:extLst>
-              <a:ext uri="{909E8E84-426E-40DD-AFC4-6F175D3DCCD1}">
-                <a14:hiddenFill xmlns:a14="http://schemas.microsoft.com/office/drawing/2010/main">
-                  <a:solidFill>
-                    <a:srgbClr val="FFFFFF"/>
-                  </a:solidFill>
-                </a14:hiddenFill>
-              </a:ext>
-            </a:extLst>
-          </p:spPr>
-        </p:pic>
-        <p:sp>
-          <p:nvSpPr>
-            <p:cNvPr id="19" name="Arrow: Down 18">
-              <a:extLst>
-                <a:ext uri="{FF2B5EF4-FFF2-40B4-BE49-F238E27FC236}">
-                  <a16:creationId xmlns:a16="http://schemas.microsoft.com/office/drawing/2014/main" id="{C2126A16-FFD1-462B-93DC-9ABDE993C75E}"/>
-                </a:ext>
-              </a:extLst>
-            </p:cNvPr>
-            <p:cNvSpPr/>
-            <p:nvPr/>
-          </p:nvSpPr>
-          <p:spPr>
-            <a:xfrm>
-              <a:off x="5534626" y="3049162"/>
-              <a:ext cx="435006" cy="1166420"/>
-            </a:xfrm>
-            <a:prstGeom prst="downArrow">
-              <a:avLst>
-                <a:gd name="adj1" fmla="val 50000"/>
-                <a:gd name="adj2" fmla="val 70408"/>
-              </a:avLst>
-            </a:prstGeom>
-            <a:noFill/>
-            <a:ln w="76200">
-              <a:solidFill>
-                <a:schemeClr val="accent1">
-                  <a:lumMod val="75000"/>
-                </a:schemeClr>
-              </a:solidFill>
-            </a:ln>
-          </p:spPr>
-          <p:style>
-            <a:lnRef idx="2">
-              <a:schemeClr val="accent1">
-                <a:shade val="50000"/>
-              </a:schemeClr>
-            </a:lnRef>
-            <a:fillRef idx="1">
-              <a:schemeClr val="accent1"/>
-            </a:fillRef>
-            <a:effectRef idx="0">
-              <a:schemeClr val="accent1"/>
-            </a:effectRef>
-            <a:fontRef idx="minor">
-              <a:schemeClr val="lt1"/>
-            </a:fontRef>
-          </p:style>
-          <p:txBody>
-            <a:bodyPr rtlCol="0" anchor="ctr"/>
-            <a:lstStyle/>
-            <a:p>
-              <a:pPr algn="ctr"/>
-              <a:endParaRPr lang="en-US"/>
-            </a:p>
-          </p:txBody>
-        </p:sp>
-        <p:sp>
-          <p:nvSpPr>
-            <p:cNvPr id="20" name="Rectangle: Rounded Corners 19">
-              <a:extLst>
-                <a:ext uri="{FF2B5EF4-FFF2-40B4-BE49-F238E27FC236}">
-                  <a16:creationId xmlns:a16="http://schemas.microsoft.com/office/drawing/2014/main" id="{CAF7E99D-C995-4EE6-9D81-CC92B8FA4862}"/>
-                </a:ext>
-              </a:extLst>
-            </p:cNvPr>
-            <p:cNvSpPr/>
-            <p:nvPr/>
-          </p:nvSpPr>
-          <p:spPr>
-            <a:xfrm>
-              <a:off x="4225332" y="4388984"/>
-              <a:ext cx="3053593" cy="728247"/>
-            </a:xfrm>
-            <a:prstGeom prst="roundRect">
-              <a:avLst/>
-            </a:prstGeom>
-            <a:noFill/>
-          </p:spPr>
-          <p:style>
-            <a:lnRef idx="2">
-              <a:schemeClr val="accent1">
-                <a:shade val="50000"/>
-              </a:schemeClr>
-            </a:lnRef>
-            <a:fillRef idx="1">
-              <a:schemeClr val="accent1"/>
-            </a:fillRef>
-            <a:effectRef idx="0">
-              <a:schemeClr val="accent1"/>
-            </a:effectRef>
-            <a:fontRef idx="minor">
-              <a:schemeClr val="lt1"/>
-            </a:fontRef>
-          </p:style>
-          <p:txBody>
-            <a:bodyPr rtlCol="0" anchor="ctr"/>
-            <a:lstStyle/>
-            <a:p>
-              <a:pPr algn="ctr"/>
-              <a:r>
-                <a:rPr lang="en-IN" dirty="0">
-                  <a:ln w="0"/>
-                  <a:solidFill>
-                    <a:schemeClr val="tx1"/>
-                  </a:solidFill>
-                  <a:effectLst>
-                    <a:outerShdw blurRad="38100" dist="19050" dir="2700000" algn="tl" rotWithShape="0">
-                      <a:schemeClr val="dk1">
-                        <a:alpha val="40000"/>
-                      </a:schemeClr>
-                    </a:outerShdw>
-                  </a:effectLst>
-                </a:rPr>
-                <a:t>Cluster Node 2: Running client ROS</a:t>
-              </a:r>
-              <a:endParaRPr lang="en-IN" dirty="0"/>
-            </a:p>
-          </p:txBody>
-        </p:sp>
-        <p:cxnSp>
-          <p:nvCxnSpPr>
-            <p:cNvPr id="21" name="Connector: Elbow 20">
-              <a:extLst>
-                <a:ext uri="{FF2B5EF4-FFF2-40B4-BE49-F238E27FC236}">
-                  <a16:creationId xmlns:a16="http://schemas.microsoft.com/office/drawing/2014/main" id="{1DE181FF-B346-4ACF-868D-CE1103D5328A}"/>
-                </a:ext>
-              </a:extLst>
-            </p:cNvPr>
-            <p:cNvCxnSpPr>
-              <a:stCxn id="6" idx="3"/>
-            </p:cNvCxnSpPr>
-            <p:nvPr/>
-          </p:nvCxnSpPr>
-          <p:spPr>
-            <a:xfrm>
-              <a:off x="2960195" y="3382220"/>
-              <a:ext cx="314946" cy="599944"/>
-            </a:xfrm>
-            <a:prstGeom prst="bentConnector2">
-              <a:avLst/>
-            </a:prstGeom>
-            <a:ln>
-              <a:tailEnd type="triangle"/>
-            </a:ln>
-          </p:spPr>
-          <p:style>
-            <a:lnRef idx="1">
-              <a:schemeClr val="accent1"/>
-            </a:lnRef>
-            <a:fillRef idx="0">
-              <a:schemeClr val="accent1"/>
-            </a:fillRef>
-            <a:effectRef idx="0">
-              <a:schemeClr val="accent1"/>
-            </a:effectRef>
-            <a:fontRef idx="minor">
-              <a:schemeClr val="tx1"/>
-            </a:fontRef>
-          </p:style>
-        </p:cxnSp>
-        <p:cxnSp>
-          <p:nvCxnSpPr>
-            <p:cNvPr id="22" name="Connector: Elbow 21">
-              <a:extLst>
-                <a:ext uri="{FF2B5EF4-FFF2-40B4-BE49-F238E27FC236}">
-                  <a16:creationId xmlns:a16="http://schemas.microsoft.com/office/drawing/2014/main" id="{9607F047-9BE7-44DE-A115-245A3ABD8619}"/>
-                </a:ext>
-              </a:extLst>
-            </p:cNvPr>
-            <p:cNvCxnSpPr/>
-            <p:nvPr/>
-          </p:nvCxnSpPr>
-          <p:spPr>
-            <a:xfrm>
-              <a:off x="11036971" y="3129028"/>
-              <a:ext cx="314946" cy="599944"/>
-            </a:xfrm>
-            <a:prstGeom prst="bentConnector2">
-              <a:avLst/>
-            </a:prstGeom>
-            <a:ln>
-              <a:tailEnd type="triangle"/>
-            </a:ln>
-          </p:spPr>
-          <p:style>
-            <a:lnRef idx="1">
-              <a:schemeClr val="accent1"/>
-            </a:lnRef>
-            <a:fillRef idx="0">
-              <a:schemeClr val="accent1"/>
-            </a:fillRef>
-            <a:effectRef idx="0">
-              <a:schemeClr val="accent1"/>
-            </a:effectRef>
-            <a:fontRef idx="minor">
-              <a:schemeClr val="tx1"/>
-            </a:fontRef>
-          </p:style>
-        </p:cxnSp>
-        <p:cxnSp>
-          <p:nvCxnSpPr>
-            <p:cNvPr id="23" name="Connector: Elbow 22">
-              <a:extLst>
-                <a:ext uri="{FF2B5EF4-FFF2-40B4-BE49-F238E27FC236}">
-                  <a16:creationId xmlns:a16="http://schemas.microsoft.com/office/drawing/2014/main" id="{8973D0B0-8362-429F-B561-3217FBC245B0}"/>
-                </a:ext>
-              </a:extLst>
-            </p:cNvPr>
-            <p:cNvCxnSpPr>
-              <a:stCxn id="6" idx="1"/>
-            </p:cNvCxnSpPr>
-            <p:nvPr/>
-          </p:nvCxnSpPr>
-          <p:spPr>
-            <a:xfrm rot="10800000" flipV="1">
-              <a:off x="488273" y="3382220"/>
-              <a:ext cx="351811" cy="599944"/>
-            </a:xfrm>
-            <a:prstGeom prst="bentConnector2">
-              <a:avLst/>
-            </a:prstGeom>
-            <a:ln>
-              <a:tailEnd type="triangle"/>
-            </a:ln>
-          </p:spPr>
-          <p:style>
-            <a:lnRef idx="1">
-              <a:schemeClr val="accent1"/>
-            </a:lnRef>
-            <a:fillRef idx="0">
-              <a:schemeClr val="accent1"/>
-            </a:fillRef>
-            <a:effectRef idx="0">
-              <a:schemeClr val="accent1"/>
-            </a:effectRef>
-            <a:fontRef idx="minor">
-              <a:schemeClr val="tx1"/>
-            </a:fontRef>
-          </p:style>
-        </p:cxnSp>
-        <p:cxnSp>
-          <p:nvCxnSpPr>
-            <p:cNvPr id="24" name="Connector: Elbow 23">
-              <a:extLst>
-                <a:ext uri="{FF2B5EF4-FFF2-40B4-BE49-F238E27FC236}">
-                  <a16:creationId xmlns:a16="http://schemas.microsoft.com/office/drawing/2014/main" id="{B8512364-057A-4EDE-AA70-8B47FBBD72E8}"/>
-                </a:ext>
-              </a:extLst>
-            </p:cNvPr>
-            <p:cNvCxnSpPr/>
-            <p:nvPr/>
-          </p:nvCxnSpPr>
-          <p:spPr>
-            <a:xfrm rot="10800000" flipV="1">
-              <a:off x="9214985" y="3198957"/>
-              <a:ext cx="351811" cy="599944"/>
-            </a:xfrm>
-            <a:prstGeom prst="bentConnector2">
-              <a:avLst/>
-            </a:prstGeom>
-            <a:ln>
-              <a:tailEnd type="triangle"/>
-            </a:ln>
-          </p:spPr>
-          <p:style>
-            <a:lnRef idx="1">
-              <a:schemeClr val="accent1"/>
-            </a:lnRef>
-            <a:fillRef idx="0">
-              <a:schemeClr val="accent1"/>
-            </a:fillRef>
-            <a:effectRef idx="0">
-              <a:schemeClr val="accent1"/>
-            </a:effectRef>
-            <a:fontRef idx="minor">
-              <a:schemeClr val="tx1"/>
-            </a:fontRef>
-          </p:style>
-        </p:cxnSp>
-      </p:grpSp>
+          <p:cNvGraphicFramePr>
+            <a:graphicFrameLocks noGrp="1"/>
+          </p:cNvGraphicFramePr>
+          <p:nvPr>
+            <p:ph idx="1"/>
+            <p:extLst>
+              <p:ext uri="{D42A27DB-BD31-4B8C-83A1-F6EECF244321}">
+                <p14:modId xmlns:p14="http://schemas.microsoft.com/office/powerpoint/2010/main" val="275097425"/>
+              </p:ext>
+            </p:extLst>
+          </p:nvPr>
+        </p:nvGraphicFramePr>
+        <p:xfrm>
+          <a:off x="1662260" y="1554965"/>
+          <a:ext cx="8867480" cy="3337547"/>
+        </p:xfrm>
+        <a:graphic>
+          <a:graphicData uri="http://schemas.openxmlformats.org/drawingml/2006/diagram">
+            <dgm:relIds xmlns:dgm="http://schemas.openxmlformats.org/drawingml/2006/diagram" xmlns:r="http://schemas.openxmlformats.org/officeDocument/2006/relationships" r:dm="rId3" r:lo="rId4" r:qs="rId5" r:cs="rId6"/>
+          </a:graphicData>
+        </a:graphic>
+      </p:graphicFrame>
       <p:sp>
         <p:nvSpPr>
-          <p:cNvPr id="27" name="TextBox 26">
+          <p:cNvPr id="3" name="TextBox 2">
             <a:extLst>
               <a:ext uri="{FF2B5EF4-FFF2-40B4-BE49-F238E27FC236}">
-                <a16:creationId xmlns:a16="http://schemas.microsoft.com/office/drawing/2014/main" id="{6E5A492B-2964-4788-A5E3-ECE2539D85FA}"/>
+                <a16:creationId xmlns:a16="http://schemas.microsoft.com/office/drawing/2014/main" id="{07B9592A-C491-4AEE-A0DF-741D4D9F7655}"/>
               </a:ext>
             </a:extLst>
           </p:cNvPr>
@@ -10418,8 +11142,8 @@
         </p:nvSpPr>
         <p:spPr>
           <a:xfrm>
-            <a:off x="9378861" y="1319753"/>
-            <a:ext cx="2311694" cy="923330"/>
+            <a:off x="433633" y="5165889"/>
+            <a:ext cx="11359299" cy="1508105"/>
           </a:xfrm>
           <a:prstGeom prst="rect">
             <a:avLst/>
@@ -10432,53 +11156,56 @@
           </a:bodyPr>
           <a:lstStyle/>
           <a:p>
-            <a:r>
-              <a:rPr lang="en-US" dirty="0"/>
-              <a:t>Communication via ROS Topics and sockets</a:t>
-            </a:r>
-          </a:p>
-        </p:txBody>
-      </p:sp>
-      <p:sp>
-        <p:nvSpPr>
-          <p:cNvPr id="28" name="TextBox 27">
-            <a:extLst>
-              <a:ext uri="{FF2B5EF4-FFF2-40B4-BE49-F238E27FC236}">
-                <a16:creationId xmlns:a16="http://schemas.microsoft.com/office/drawing/2014/main" id="{95A2F0AC-AF97-40E3-9584-CAE91A4CDB60}"/>
-              </a:ext>
-            </a:extLst>
-          </p:cNvPr>
-          <p:cNvSpPr txBox="1"/>
-          <p:nvPr/>
-        </p:nvSpPr>
-        <p:spPr>
-          <a:xfrm>
-            <a:off x="-195973" y="1377516"/>
-            <a:ext cx="2311694" cy="923330"/>
-          </a:xfrm>
-          <a:prstGeom prst="rect">
-            <a:avLst/>
-          </a:prstGeom>
-          <a:noFill/>
-        </p:spPr>
-        <p:txBody>
-          <a:bodyPr wrap="square" rtlCol="0">
-            <a:spAutoFit/>
-          </a:bodyPr>
-          <a:lstStyle/>
-          <a:p>
-            <a:pPr algn="r"/>
-            <a:r>
-              <a:rPr lang="en-US" dirty="0"/>
-              <a:t>Communication via ROS Topics and sockets</a:t>
-            </a:r>
+            <a:pPr marL="285750" indent="-285750">
+              <a:spcAft>
+                <a:spcPts val="1200"/>
+              </a:spcAft>
+              <a:buFont typeface="Arial" panose="020B0604020202020204" pitchFamily="34" charset="0"/>
+              <a:buChar char="•"/>
+            </a:pPr>
+            <a:r>
+              <a:rPr lang="en-US" dirty="0">
+                <a:solidFill>
+                  <a:srgbClr val="595959"/>
+                </a:solidFill>
+                <a:latin typeface="Lato" panose="020F0502020204030203" pitchFamily="34" charset="0"/>
+                <a:cs typeface="Arial" charset="0"/>
+              </a:rPr>
+              <a:t>Due to the limited time of the class, the Initial Framework is done along with developing a universal communication protocol across various other modules.</a:t>
+            </a:r>
+          </a:p>
+          <a:p>
+            <a:pPr marL="285750" indent="-285750">
+              <a:spcAft>
+                <a:spcPts val="1200"/>
+              </a:spcAft>
+              <a:buFont typeface="Arial" panose="020B0604020202020204" pitchFamily="34" charset="0"/>
+              <a:buChar char="•"/>
+            </a:pPr>
+            <a:r>
+              <a:rPr lang="en-US" dirty="0">
+                <a:solidFill>
+                  <a:srgbClr val="595959"/>
+                </a:solidFill>
+                <a:latin typeface="Lato" panose="020F0502020204030203" pitchFamily="34" charset="0"/>
+                <a:cs typeface="Arial" charset="0"/>
+              </a:rPr>
+              <a:t>Work for Online and offline data storage handling is still under progress.</a:t>
+            </a:r>
+          </a:p>
+          <a:p>
+            <a:pPr marL="285750" indent="-285750">
+              <a:buFont typeface="Arial" panose="020B0604020202020204" pitchFamily="34" charset="0"/>
+              <a:buChar char="•"/>
+            </a:pPr>
+            <a:endParaRPr lang="en-US" dirty="0"/>
           </a:p>
         </p:txBody>
       </p:sp>
     </p:spTree>
     <p:extLst>
       <p:ext uri="{BB962C8B-B14F-4D97-AF65-F5344CB8AC3E}">
-        <p14:creationId xmlns:p14="http://schemas.microsoft.com/office/powerpoint/2010/main" val="3128946308"/>
+        <p14:creationId xmlns:p14="http://schemas.microsoft.com/office/powerpoint/2010/main" val="1362314598"/>
       </p:ext>
     </p:extLst>
   </p:cSld>
@@ -10522,46 +11249,1191 @@
           <a:p>
             <a:r>
               <a:rPr lang="en-US" dirty="0"/>
-              <a:t>Project Plan</a:t>
+              <a:t>The proposed architecture</a:t>
             </a:r>
           </a:p>
         </p:txBody>
       </p:sp>
-      <p:graphicFrame>
-        <p:nvGraphicFramePr>
-          <p:cNvPr id="4" name="Content Placeholder 3">
+      <p:sp>
+        <p:nvSpPr>
+          <p:cNvPr id="3" name="Content Placeholder 2"/>
+          <p:cNvSpPr>
+            <a:spLocks noGrp="1"/>
+          </p:cNvSpPr>
+          <p:nvPr>
+            <p:ph idx="1"/>
+          </p:nvPr>
+        </p:nvSpPr>
+        <p:spPr/>
+        <p:txBody>
+          <a:bodyPr anchor="ctr">
+            <a:normAutofit/>
+          </a:bodyPr>
+          <a:lstStyle/>
+          <a:p>
+            <a:pPr marL="457200" indent="-457200">
+              <a:buFont typeface="Arial" panose="020B0604020202020204" pitchFamily="34" charset="0"/>
+              <a:buChar char="•"/>
+            </a:pPr>
+            <a:endParaRPr lang="en-US" dirty="0"/>
+          </a:p>
+        </p:txBody>
+      </p:sp>
+      <p:grpSp>
+        <p:nvGrpSpPr>
+          <p:cNvPr id="29" name="Group 28">
             <a:extLst>
               <a:ext uri="{FF2B5EF4-FFF2-40B4-BE49-F238E27FC236}">
-                <a16:creationId xmlns:a16="http://schemas.microsoft.com/office/drawing/2014/main" id="{23B86CEA-4BA9-47D6-BF12-E2723F7B0039}"/>
+                <a16:creationId xmlns:a16="http://schemas.microsoft.com/office/drawing/2014/main" id="{9ECC3C3C-290A-4D0E-AB21-34D4E0B499F4}"/>
               </a:ext>
             </a:extLst>
           </p:cNvPr>
-          <p:cNvGraphicFramePr>
-            <a:graphicFrameLocks noGrp="1"/>
-          </p:cNvGraphicFramePr>
-          <p:nvPr>
-            <p:ph idx="1"/>
-            <p:extLst>
-              <p:ext uri="{D42A27DB-BD31-4B8C-83A1-F6EECF244321}">
-                <p14:modId xmlns:p14="http://schemas.microsoft.com/office/powerpoint/2010/main" val="4268203263"/>
-              </p:ext>
-            </p:extLst>
-          </p:nvPr>
-        </p:nvGraphicFramePr>
-        <p:xfrm>
-          <a:off x="609600" y="1479550"/>
-          <a:ext cx="10972800" cy="4646613"/>
-        </p:xfrm>
-        <a:graphic>
-          <a:graphicData uri="http://schemas.openxmlformats.org/drawingml/2006/diagram">
-            <dgm:relIds xmlns:dgm="http://schemas.openxmlformats.org/drawingml/2006/diagram" xmlns:r="http://schemas.openxmlformats.org/officeDocument/2006/relationships" r:dm="rId3" r:lo="rId4" r:qs="rId5" r:cs="rId6"/>
-          </a:graphicData>
-        </a:graphic>
-      </p:graphicFrame>
+          <p:cNvGrpSpPr/>
+          <p:nvPr/>
+        </p:nvGrpSpPr>
+        <p:grpSpPr>
+          <a:xfrm>
+            <a:off x="-195973" y="923584"/>
+            <a:ext cx="11886528" cy="5549644"/>
+            <a:chOff x="-195973" y="923584"/>
+            <a:chExt cx="11886528" cy="5549644"/>
+          </a:xfrm>
+        </p:grpSpPr>
+        <p:grpSp>
+          <p:nvGrpSpPr>
+            <p:cNvPr id="4" name="Group 3">
+              <a:extLst>
+                <a:ext uri="{FF2B5EF4-FFF2-40B4-BE49-F238E27FC236}">
+                  <a16:creationId xmlns:a16="http://schemas.microsoft.com/office/drawing/2014/main" id="{35DA267C-94F0-4624-B6AA-33ED619B8502}"/>
+                </a:ext>
+              </a:extLst>
+            </p:cNvPr>
+            <p:cNvGrpSpPr/>
+            <p:nvPr/>
+          </p:nvGrpSpPr>
+          <p:grpSpPr>
+            <a:xfrm>
+              <a:off x="1140737" y="923584"/>
+              <a:ext cx="9519353" cy="5549644"/>
+              <a:chOff x="191996" y="-421417"/>
+              <a:chExt cx="11808008" cy="7079798"/>
+            </a:xfrm>
+          </p:grpSpPr>
+          <p:pic>
+            <p:nvPicPr>
+              <p:cNvPr id="5" name="Picture 4" descr="xerx.es">
+                <a:extLst>
+                  <a:ext uri="{FF2B5EF4-FFF2-40B4-BE49-F238E27FC236}">
+                    <a16:creationId xmlns:a16="http://schemas.microsoft.com/office/drawing/2014/main" id="{1B75635C-7539-4B12-A55C-FB7DBFF40485}"/>
+                  </a:ext>
+                </a:extLst>
+              </p:cNvPr>
+              <p:cNvPicPr>
+                <a:picLocks noChangeAspect="1" noChangeArrowheads="1"/>
+              </p:cNvPicPr>
+              <p:nvPr/>
+            </p:nvPicPr>
+            <p:blipFill>
+              <a:blip r:embed="rId3">
+                <a:extLst>
+                  <a:ext uri="{28A0092B-C50C-407E-A947-70E740481C1C}">
+                    <a14:useLocalDpi xmlns:a14="http://schemas.microsoft.com/office/drawing/2010/main" val="0"/>
+                  </a:ext>
+                </a:extLst>
+              </a:blip>
+              <a:srcRect/>
+              <a:stretch>
+                <a:fillRect/>
+              </a:stretch>
+            </p:blipFill>
+            <p:spPr bwMode="auto">
+              <a:xfrm>
+                <a:off x="9075945" y="2352893"/>
+                <a:ext cx="2411830" cy="1808873"/>
+              </a:xfrm>
+              <a:prstGeom prst="rect">
+                <a:avLst/>
+              </a:prstGeom>
+              <a:noFill/>
+              <a:extLst>
+                <a:ext uri="{909E8E84-426E-40DD-AFC4-6F175D3DCCD1}">
+                  <a14:hiddenFill xmlns:a14="http://schemas.microsoft.com/office/drawing/2010/main">
+                    <a:solidFill>
+                      <a:srgbClr val="FFFFFF"/>
+                    </a:solidFill>
+                  </a14:hiddenFill>
+                </a:ext>
+              </a:extLst>
+            </p:spPr>
+          </p:pic>
+          <p:pic>
+            <p:nvPicPr>
+              <p:cNvPr id="6" name="Picture 2" descr="Amazon Kiva Warehouse Robot PNG Images &amp;amp; PSDs for Download | PixelSquid -  S11317661F">
+                <a:extLst>
+                  <a:ext uri="{FF2B5EF4-FFF2-40B4-BE49-F238E27FC236}">
+                    <a16:creationId xmlns:a16="http://schemas.microsoft.com/office/drawing/2014/main" id="{E8F272A3-0526-4AA7-ADC9-E76237567BF1}"/>
+                  </a:ext>
+                </a:extLst>
+              </p:cNvPr>
+              <p:cNvPicPr>
+                <a:picLocks noChangeAspect="1" noChangeArrowheads="1"/>
+              </p:cNvPicPr>
+              <p:nvPr/>
+            </p:nvPicPr>
+            <p:blipFill>
+              <a:blip r:embed="rId4">
+                <a:extLst>
+                  <a:ext uri="{28A0092B-C50C-407E-A947-70E740481C1C}">
+                    <a14:useLocalDpi xmlns:a14="http://schemas.microsoft.com/office/drawing/2010/main" val="0"/>
+                  </a:ext>
+                </a:extLst>
+              </a:blip>
+              <a:srcRect/>
+              <a:stretch>
+                <a:fillRect/>
+              </a:stretch>
+            </p:blipFill>
+            <p:spPr bwMode="auto">
+              <a:xfrm>
+                <a:off x="840083" y="2322164"/>
+                <a:ext cx="2120112" cy="2120112"/>
+              </a:xfrm>
+              <a:prstGeom prst="rect">
+                <a:avLst/>
+              </a:prstGeom>
+              <a:noFill/>
+              <a:extLst>
+                <a:ext uri="{909E8E84-426E-40DD-AFC4-6F175D3DCCD1}">
+                  <a14:hiddenFill xmlns:a14="http://schemas.microsoft.com/office/drawing/2010/main">
+                    <a:solidFill>
+                      <a:srgbClr val="FFFFFF"/>
+                    </a:solidFill>
+                  </a14:hiddenFill>
+                </a:ext>
+              </a:extLst>
+            </p:spPr>
+          </p:pic>
+          <p:grpSp>
+            <p:nvGrpSpPr>
+              <p:cNvPr id="7" name="Group 6">
+                <a:extLst>
+                  <a:ext uri="{FF2B5EF4-FFF2-40B4-BE49-F238E27FC236}">
+                    <a16:creationId xmlns:a16="http://schemas.microsoft.com/office/drawing/2014/main" id="{4309263B-ED95-49C5-AA5D-8B464829F07F}"/>
+                  </a:ext>
+                </a:extLst>
+              </p:cNvPr>
+              <p:cNvGrpSpPr/>
+              <p:nvPr/>
+            </p:nvGrpSpPr>
+            <p:grpSpPr>
+              <a:xfrm>
+                <a:off x="3868996" y="-421417"/>
+                <a:ext cx="3639428" cy="3387062"/>
+                <a:chOff x="3507992" y="1033938"/>
+                <a:chExt cx="4572009" cy="4572009"/>
+              </a:xfrm>
+            </p:grpSpPr>
+            <p:pic>
+              <p:nvPicPr>
+                <p:cNvPr id="25" name="Picture 24">
+                  <a:extLst>
+                    <a:ext uri="{FF2B5EF4-FFF2-40B4-BE49-F238E27FC236}">
+                      <a16:creationId xmlns:a16="http://schemas.microsoft.com/office/drawing/2014/main" id="{355FE907-74EF-4BFA-BED9-7658FBA4D459}"/>
+                    </a:ext>
+                  </a:extLst>
+                </p:cNvPr>
+                <p:cNvPicPr>
+                  <a:picLocks noChangeAspect="1"/>
+                </p:cNvPicPr>
+                <p:nvPr/>
+              </p:nvPicPr>
+              <p:blipFill>
+                <a:blip r:embed="rId5">
+                  <a:extLst>
+                    <a:ext uri="{28A0092B-C50C-407E-A947-70E740481C1C}">
+                      <a14:useLocalDpi xmlns:a14="http://schemas.microsoft.com/office/drawing/2010/main" val="0"/>
+                    </a:ext>
+                  </a:extLst>
+                </a:blip>
+                <a:stretch>
+                  <a:fillRect/>
+                </a:stretch>
+              </p:blipFill>
+              <p:spPr>
+                <a:xfrm>
+                  <a:off x="3507992" y="1033938"/>
+                  <a:ext cx="4572009" cy="4572009"/>
+                </a:xfrm>
+                <a:prstGeom prst="rect">
+                  <a:avLst/>
+                </a:prstGeom>
+              </p:spPr>
+            </p:pic>
+            <p:pic>
+              <p:nvPicPr>
+                <p:cNvPr id="26" name="Picture 25">
+                  <a:extLst>
+                    <a:ext uri="{FF2B5EF4-FFF2-40B4-BE49-F238E27FC236}">
+                      <a16:creationId xmlns:a16="http://schemas.microsoft.com/office/drawing/2014/main" id="{C9EABE6C-F515-4313-8A9C-27BF3E229C09}"/>
+                    </a:ext>
+                  </a:extLst>
+                </p:cNvPr>
+                <p:cNvPicPr>
+                  <a:picLocks noChangeAspect="1"/>
+                </p:cNvPicPr>
+                <p:nvPr/>
+              </p:nvPicPr>
+              <p:blipFill>
+                <a:blip r:embed="rId6">
+                  <a:extLst>
+                    <a:ext uri="{28A0092B-C50C-407E-A947-70E740481C1C}">
+                      <a14:useLocalDpi xmlns:a14="http://schemas.microsoft.com/office/drawing/2010/main" val="0"/>
+                    </a:ext>
+                  </a:extLst>
+                </a:blip>
+                <a:stretch>
+                  <a:fillRect/>
+                </a:stretch>
+              </p:blipFill>
+              <p:spPr>
+                <a:xfrm>
+                  <a:off x="4868830" y="2852257"/>
+                  <a:ext cx="2009673" cy="1469384"/>
+                </a:xfrm>
+                <a:prstGeom prst="rect">
+                  <a:avLst/>
+                </a:prstGeom>
+              </p:spPr>
+            </p:pic>
+          </p:grpSp>
+          <p:pic>
+            <p:nvPicPr>
+              <p:cNvPr id="8" name="Picture 7">
+                <a:extLst>
+                  <a:ext uri="{FF2B5EF4-FFF2-40B4-BE49-F238E27FC236}">
+                    <a16:creationId xmlns:a16="http://schemas.microsoft.com/office/drawing/2014/main" id="{ABB08883-6D7D-4285-880D-2AF2B8ABE8BA}"/>
+                  </a:ext>
+                </a:extLst>
+              </p:cNvPr>
+              <p:cNvPicPr>
+                <a:picLocks noChangeAspect="1"/>
+              </p:cNvPicPr>
+              <p:nvPr/>
+            </p:nvPicPr>
+            <p:blipFill>
+              <a:blip r:embed="rId7">
+                <a:extLst>
+                  <a:ext uri="{28A0092B-C50C-407E-A947-70E740481C1C}">
+                    <a14:useLocalDpi xmlns:a14="http://schemas.microsoft.com/office/drawing/2010/main" val="0"/>
+                  </a:ext>
+                  <a:ext uri="{837473B0-CC2E-450A-ABE3-18F120FF3D39}">
+                    <a1611:picAttrSrcUrl xmlns:a1611="http://schemas.microsoft.com/office/drawing/2016/11/main" r:id="rId8"/>
+                  </a:ext>
+                </a:extLst>
+              </a:blip>
+              <a:stretch>
+                <a:fillRect/>
+              </a:stretch>
+            </p:blipFill>
+            <p:spPr>
+              <a:xfrm>
+                <a:off x="8690141" y="4215582"/>
+                <a:ext cx="3237150" cy="1466834"/>
+              </a:xfrm>
+              <a:prstGeom prst="rect">
+                <a:avLst/>
+              </a:prstGeom>
+            </p:spPr>
+          </p:pic>
+          <p:sp>
+            <p:nvSpPr>
+              <p:cNvPr id="9" name="Rectangle: Rounded Corners 8">
+                <a:extLst>
+                  <a:ext uri="{FF2B5EF4-FFF2-40B4-BE49-F238E27FC236}">
+                    <a16:creationId xmlns:a16="http://schemas.microsoft.com/office/drawing/2014/main" id="{B3044576-C9D2-4264-9166-F1C34A8AFFE0}"/>
+                  </a:ext>
+                </a:extLst>
+              </p:cNvPr>
+              <p:cNvSpPr/>
+              <p:nvPr/>
+            </p:nvSpPr>
+            <p:spPr>
+              <a:xfrm>
+                <a:off x="8610852" y="3982164"/>
+                <a:ext cx="3389152" cy="1862356"/>
+              </a:xfrm>
+              <a:prstGeom prst="roundRect">
+                <a:avLst/>
+              </a:prstGeom>
+              <a:noFill/>
+              <a:ln w="76200">
+                <a:solidFill>
+                  <a:srgbClr val="0070C0"/>
+                </a:solidFill>
+              </a:ln>
+            </p:spPr>
+            <p:style>
+              <a:lnRef idx="2">
+                <a:schemeClr val="accent1">
+                  <a:shade val="50000"/>
+                </a:schemeClr>
+              </a:lnRef>
+              <a:fillRef idx="1">
+                <a:schemeClr val="accent1"/>
+              </a:fillRef>
+              <a:effectRef idx="0">
+                <a:schemeClr val="accent1"/>
+              </a:effectRef>
+              <a:fontRef idx="minor">
+                <a:schemeClr val="lt1"/>
+              </a:fontRef>
+            </p:style>
+            <p:txBody>
+              <a:bodyPr rtlCol="0" anchor="ctr"/>
+              <a:lstStyle/>
+              <a:p>
+                <a:pPr algn="ctr"/>
+                <a:endParaRPr lang="en-IN"/>
+              </a:p>
+            </p:txBody>
+          </p:sp>
+          <p:sp>
+            <p:nvSpPr>
+              <p:cNvPr id="10" name="Rectangle: Rounded Corners 9">
+                <a:extLst>
+                  <a:ext uri="{FF2B5EF4-FFF2-40B4-BE49-F238E27FC236}">
+                    <a16:creationId xmlns:a16="http://schemas.microsoft.com/office/drawing/2014/main" id="{81E661C2-DEBD-4DF9-B03C-0625C71A3644}"/>
+                  </a:ext>
+                </a:extLst>
+              </p:cNvPr>
+              <p:cNvSpPr/>
+              <p:nvPr/>
+            </p:nvSpPr>
+            <p:spPr>
+              <a:xfrm>
+                <a:off x="191996" y="4155454"/>
+                <a:ext cx="3389152" cy="1862356"/>
+              </a:xfrm>
+              <a:prstGeom prst="roundRect">
+                <a:avLst/>
+              </a:prstGeom>
+              <a:noFill/>
+              <a:ln w="76200">
+                <a:solidFill>
+                  <a:srgbClr val="0070C0"/>
+                </a:solidFill>
+              </a:ln>
+            </p:spPr>
+            <p:style>
+              <a:lnRef idx="2">
+                <a:schemeClr val="accent1">
+                  <a:shade val="50000"/>
+                </a:schemeClr>
+              </a:lnRef>
+              <a:fillRef idx="1">
+                <a:schemeClr val="accent1"/>
+              </a:fillRef>
+              <a:effectRef idx="0">
+                <a:schemeClr val="accent1"/>
+              </a:effectRef>
+              <a:fontRef idx="minor">
+                <a:schemeClr val="lt1"/>
+              </a:fontRef>
+            </p:style>
+            <p:txBody>
+              <a:bodyPr rtlCol="0" anchor="ctr"/>
+              <a:lstStyle/>
+              <a:p>
+                <a:pPr algn="ctr"/>
+                <a:endParaRPr lang="en-IN"/>
+              </a:p>
+            </p:txBody>
+          </p:sp>
+          <p:pic>
+            <p:nvPicPr>
+              <p:cNvPr id="11" name="Picture 10">
+                <a:extLst>
+                  <a:ext uri="{FF2B5EF4-FFF2-40B4-BE49-F238E27FC236}">
+                    <a16:creationId xmlns:a16="http://schemas.microsoft.com/office/drawing/2014/main" id="{9B960113-9742-4C83-8441-CE20B57BAD84}"/>
+                  </a:ext>
+                </a:extLst>
+              </p:cNvPr>
+              <p:cNvPicPr>
+                <a:picLocks noChangeAspect="1"/>
+              </p:cNvPicPr>
+              <p:nvPr/>
+            </p:nvPicPr>
+            <p:blipFill>
+              <a:blip r:embed="rId9">
+                <a:extLst>
+                  <a:ext uri="{28A0092B-C50C-407E-A947-70E740481C1C}">
+                    <a14:useLocalDpi xmlns:a14="http://schemas.microsoft.com/office/drawing/2010/main" val="0"/>
+                  </a:ext>
+                  <a:ext uri="{837473B0-CC2E-450A-ABE3-18F120FF3D39}">
+                    <a1611:picAttrSrcUrl xmlns:a1611="http://schemas.microsoft.com/office/drawing/2016/11/main" r:id="rId10"/>
+                  </a:ext>
+                </a:extLst>
+              </a:blip>
+              <a:stretch>
+                <a:fillRect/>
+              </a:stretch>
+            </p:blipFill>
+            <p:spPr>
+              <a:xfrm>
+                <a:off x="2662353" y="4880447"/>
+                <a:ext cx="595647" cy="547885"/>
+              </a:xfrm>
+              <a:prstGeom prst="rect">
+                <a:avLst/>
+              </a:prstGeom>
+            </p:spPr>
+          </p:pic>
+          <p:pic>
+            <p:nvPicPr>
+              <p:cNvPr id="12" name="Picture 11">
+                <a:extLst>
+                  <a:ext uri="{FF2B5EF4-FFF2-40B4-BE49-F238E27FC236}">
+                    <a16:creationId xmlns:a16="http://schemas.microsoft.com/office/drawing/2014/main" id="{DBFDDB6C-EE9A-4CAE-A714-53B00BE86728}"/>
+                  </a:ext>
+                </a:extLst>
+              </p:cNvPr>
+              <p:cNvPicPr>
+                <a:picLocks noChangeAspect="1"/>
+              </p:cNvPicPr>
+              <p:nvPr/>
+            </p:nvPicPr>
+            <p:blipFill>
+              <a:blip r:embed="rId11">
+                <a:extLst>
+                  <a:ext uri="{28A0092B-C50C-407E-A947-70E740481C1C}">
+                    <a14:useLocalDpi xmlns:a14="http://schemas.microsoft.com/office/drawing/2010/main" val="0"/>
+                  </a:ext>
+                  <a:ext uri="{837473B0-CC2E-450A-ABE3-18F120FF3D39}">
+                    <a1611:picAttrSrcUrl xmlns:a1611="http://schemas.microsoft.com/office/drawing/2016/11/main" r:id="rId12"/>
+                  </a:ext>
+                </a:extLst>
+              </a:blip>
+              <a:stretch>
+                <a:fillRect/>
+              </a:stretch>
+            </p:blipFill>
+            <p:spPr>
+              <a:xfrm>
+                <a:off x="419898" y="4285457"/>
+                <a:ext cx="2136465" cy="1602349"/>
+              </a:xfrm>
+              <a:prstGeom prst="rect">
+                <a:avLst/>
+              </a:prstGeom>
+            </p:spPr>
+          </p:pic>
+          <p:sp>
+            <p:nvSpPr>
+              <p:cNvPr id="13" name="Rectangle: Rounded Corners 12">
+                <a:extLst>
+                  <a:ext uri="{FF2B5EF4-FFF2-40B4-BE49-F238E27FC236}">
+                    <a16:creationId xmlns:a16="http://schemas.microsoft.com/office/drawing/2014/main" id="{01C91133-383E-4FE4-BC6F-51C28850FE20}"/>
+                  </a:ext>
+                </a:extLst>
+              </p:cNvPr>
+              <p:cNvSpPr/>
+              <p:nvPr/>
+            </p:nvSpPr>
+            <p:spPr>
+              <a:xfrm>
+                <a:off x="4183942" y="2352891"/>
+                <a:ext cx="3053593" cy="612753"/>
+              </a:xfrm>
+              <a:prstGeom prst="roundRect">
+                <a:avLst/>
+              </a:prstGeom>
+              <a:noFill/>
+            </p:spPr>
+            <p:style>
+              <a:lnRef idx="2">
+                <a:schemeClr val="accent1">
+                  <a:shade val="50000"/>
+                </a:schemeClr>
+              </a:lnRef>
+              <a:fillRef idx="1">
+                <a:schemeClr val="accent1"/>
+              </a:fillRef>
+              <a:effectRef idx="0">
+                <a:schemeClr val="accent1"/>
+              </a:effectRef>
+              <a:fontRef idx="minor">
+                <a:schemeClr val="lt1"/>
+              </a:fontRef>
+            </p:style>
+            <p:txBody>
+              <a:bodyPr rtlCol="0" anchor="ctr"/>
+              <a:lstStyle/>
+              <a:p>
+                <a:pPr algn="ctr"/>
+                <a:r>
+                  <a:rPr lang="en-IN" dirty="0">
+                    <a:ln w="0"/>
+                    <a:solidFill>
+                      <a:schemeClr val="tx1"/>
+                    </a:solidFill>
+                    <a:effectLst>
+                      <a:outerShdw blurRad="38100" dist="19050" dir="2700000" algn="tl" rotWithShape="0">
+                        <a:schemeClr val="dk1">
+                          <a:alpha val="40000"/>
+                        </a:schemeClr>
+                      </a:outerShdw>
+                    </a:effectLst>
+                  </a:rPr>
+                  <a:t>AWS Cloud Server running the ROS master</a:t>
+                </a:r>
+                <a:endParaRPr lang="en-IN" dirty="0"/>
+              </a:p>
+            </p:txBody>
+          </p:sp>
+          <p:sp>
+            <p:nvSpPr>
+              <p:cNvPr id="14" name="Rectangle: Rounded Corners 13">
+                <a:extLst>
+                  <a:ext uri="{FF2B5EF4-FFF2-40B4-BE49-F238E27FC236}">
+                    <a16:creationId xmlns:a16="http://schemas.microsoft.com/office/drawing/2014/main" id="{F0388999-897B-42D8-9E31-32A1D53F9A67}"/>
+                  </a:ext>
+                </a:extLst>
+              </p:cNvPr>
+              <p:cNvSpPr/>
+              <p:nvPr/>
+            </p:nvSpPr>
+            <p:spPr>
+              <a:xfrm>
+                <a:off x="221548" y="1974929"/>
+                <a:ext cx="3053593" cy="864998"/>
+              </a:xfrm>
+              <a:prstGeom prst="roundRect">
+                <a:avLst/>
+              </a:prstGeom>
+              <a:noFill/>
+            </p:spPr>
+            <p:style>
+              <a:lnRef idx="2">
+                <a:schemeClr val="accent1">
+                  <a:shade val="50000"/>
+                </a:schemeClr>
+              </a:lnRef>
+              <a:fillRef idx="1">
+                <a:schemeClr val="accent1"/>
+              </a:fillRef>
+              <a:effectRef idx="0">
+                <a:schemeClr val="accent1"/>
+              </a:effectRef>
+              <a:fontRef idx="minor">
+                <a:schemeClr val="lt1"/>
+              </a:fontRef>
+            </p:style>
+            <p:txBody>
+              <a:bodyPr rtlCol="0" anchor="ctr"/>
+              <a:lstStyle/>
+              <a:p>
+                <a:pPr algn="ctr"/>
+                <a:r>
+                  <a:rPr lang="en-IN" dirty="0">
+                    <a:ln w="0"/>
+                    <a:solidFill>
+                      <a:schemeClr val="tx1"/>
+                    </a:solidFill>
+                    <a:effectLst>
+                      <a:outerShdw blurRad="38100" dist="19050" dir="2700000" algn="tl" rotWithShape="0">
+                        <a:schemeClr val="dk1">
+                          <a:alpha val="40000"/>
+                        </a:schemeClr>
+                      </a:outerShdw>
+                    </a:effectLst>
+                  </a:rPr>
+                  <a:t>Cluster Node 1: Running Client ROS</a:t>
+                </a:r>
+                <a:endParaRPr lang="en-IN" dirty="0"/>
+              </a:p>
+            </p:txBody>
+          </p:sp>
+          <p:sp>
+            <p:nvSpPr>
+              <p:cNvPr id="15" name="Rectangle: Rounded Corners 14">
+                <a:extLst>
+                  <a:ext uri="{FF2B5EF4-FFF2-40B4-BE49-F238E27FC236}">
+                    <a16:creationId xmlns:a16="http://schemas.microsoft.com/office/drawing/2014/main" id="{39711F97-916B-4EB1-A0F9-DB48CEF41ECF}"/>
+                  </a:ext>
+                </a:extLst>
+              </p:cNvPr>
+              <p:cNvSpPr/>
+              <p:nvPr/>
+            </p:nvSpPr>
+            <p:spPr>
+              <a:xfrm>
+                <a:off x="8717268" y="1946439"/>
+                <a:ext cx="3053593" cy="658497"/>
+              </a:xfrm>
+              <a:prstGeom prst="roundRect">
+                <a:avLst/>
+              </a:prstGeom>
+              <a:noFill/>
+            </p:spPr>
+            <p:style>
+              <a:lnRef idx="2">
+                <a:schemeClr val="accent1">
+                  <a:shade val="50000"/>
+                </a:schemeClr>
+              </a:lnRef>
+              <a:fillRef idx="1">
+                <a:schemeClr val="accent1"/>
+              </a:fillRef>
+              <a:effectRef idx="0">
+                <a:schemeClr val="accent1"/>
+              </a:effectRef>
+              <a:fontRef idx="minor">
+                <a:schemeClr val="lt1"/>
+              </a:fontRef>
+            </p:style>
+            <p:txBody>
+              <a:bodyPr rtlCol="0" anchor="ctr"/>
+              <a:lstStyle/>
+              <a:p>
+                <a:pPr algn="ctr"/>
+                <a:r>
+                  <a:rPr lang="en-IN" dirty="0">
+                    <a:ln w="0"/>
+                    <a:solidFill>
+                      <a:schemeClr val="tx1"/>
+                    </a:solidFill>
+                    <a:effectLst>
+                      <a:outerShdw blurRad="38100" dist="19050" dir="2700000" algn="tl" rotWithShape="0">
+                        <a:schemeClr val="dk1">
+                          <a:alpha val="40000"/>
+                        </a:schemeClr>
+                      </a:outerShdw>
+                    </a:effectLst>
+                  </a:rPr>
+                  <a:t>Cluster Node 3: Running client ROS</a:t>
+                </a:r>
+                <a:endParaRPr lang="en-IN" dirty="0"/>
+              </a:p>
+            </p:txBody>
+          </p:sp>
+          <p:sp>
+            <p:nvSpPr>
+              <p:cNvPr id="16" name="Arrow: Bent 15">
+                <a:extLst>
+                  <a:ext uri="{FF2B5EF4-FFF2-40B4-BE49-F238E27FC236}">
+                    <a16:creationId xmlns:a16="http://schemas.microsoft.com/office/drawing/2014/main" id="{772E653F-4C4D-4104-81B2-97FF15CE5AE2}"/>
+                  </a:ext>
+                </a:extLst>
+              </p:cNvPr>
+              <p:cNvSpPr/>
+              <p:nvPr/>
+            </p:nvSpPr>
+            <p:spPr>
+              <a:xfrm rot="5400000">
+                <a:off x="8312422" y="-269518"/>
+                <a:ext cx="1420176" cy="2776460"/>
+              </a:xfrm>
+              <a:prstGeom prst="bentArrow">
+                <a:avLst>
+                  <a:gd name="adj1" fmla="val 15994"/>
+                  <a:gd name="adj2" fmla="val 18041"/>
+                  <a:gd name="adj3" fmla="val 25000"/>
+                  <a:gd name="adj4" fmla="val 43750"/>
+                </a:avLst>
+              </a:prstGeom>
+              <a:noFill/>
+              <a:ln w="76200"/>
+            </p:spPr>
+            <p:style>
+              <a:lnRef idx="2">
+                <a:schemeClr val="accent1">
+                  <a:shade val="50000"/>
+                </a:schemeClr>
+              </a:lnRef>
+              <a:fillRef idx="1">
+                <a:schemeClr val="accent1"/>
+              </a:fillRef>
+              <a:effectRef idx="0">
+                <a:schemeClr val="accent1"/>
+              </a:effectRef>
+              <a:fontRef idx="minor">
+                <a:schemeClr val="lt1"/>
+              </a:fontRef>
+            </p:style>
+            <p:txBody>
+              <a:bodyPr rtlCol="0" anchor="ctr"/>
+              <a:lstStyle/>
+              <a:p>
+                <a:pPr algn="ctr"/>
+                <a:endParaRPr lang="en-IN">
+                  <a:solidFill>
+                    <a:schemeClr val="tx1"/>
+                  </a:solidFill>
+                </a:endParaRPr>
+              </a:p>
+            </p:txBody>
+          </p:sp>
+          <p:sp>
+            <p:nvSpPr>
+              <p:cNvPr id="17" name="Arrow: Bent 16">
+                <a:extLst>
+                  <a:ext uri="{FF2B5EF4-FFF2-40B4-BE49-F238E27FC236}">
+                    <a16:creationId xmlns:a16="http://schemas.microsoft.com/office/drawing/2014/main" id="{E5BB5217-1DA9-404B-AA54-DE0629D53A46}"/>
+                  </a:ext>
+                </a:extLst>
+              </p:cNvPr>
+              <p:cNvSpPr/>
+              <p:nvPr/>
+            </p:nvSpPr>
+            <p:spPr>
+              <a:xfrm rot="5400000" flipV="1">
+                <a:off x="1912406" y="-118180"/>
+                <a:ext cx="1390454" cy="2503506"/>
+              </a:xfrm>
+              <a:prstGeom prst="bentArrow">
+                <a:avLst>
+                  <a:gd name="adj1" fmla="val 15994"/>
+                  <a:gd name="adj2" fmla="val 18041"/>
+                  <a:gd name="adj3" fmla="val 25000"/>
+                  <a:gd name="adj4" fmla="val 43750"/>
+                </a:avLst>
+              </a:prstGeom>
+              <a:noFill/>
+              <a:ln w="76200"/>
+            </p:spPr>
+            <p:style>
+              <a:lnRef idx="2">
+                <a:schemeClr val="accent1">
+                  <a:shade val="50000"/>
+                </a:schemeClr>
+              </a:lnRef>
+              <a:fillRef idx="1">
+                <a:schemeClr val="accent1"/>
+              </a:fillRef>
+              <a:effectRef idx="0">
+                <a:schemeClr val="accent1"/>
+              </a:effectRef>
+              <a:fontRef idx="minor">
+                <a:schemeClr val="lt1"/>
+              </a:fontRef>
+            </p:style>
+            <p:txBody>
+              <a:bodyPr rtlCol="0" anchor="ctr"/>
+              <a:lstStyle/>
+              <a:p>
+                <a:pPr algn="ctr"/>
+                <a:endParaRPr lang="en-IN">
+                  <a:solidFill>
+                    <a:schemeClr val="tx1"/>
+                  </a:solidFill>
+                </a:endParaRPr>
+              </a:p>
+            </p:txBody>
+          </p:sp>
+          <p:pic>
+            <p:nvPicPr>
+              <p:cNvPr id="18" name="Picture 12" descr="Delivery Drone Transparent Background | PNG Play">
+                <a:extLst>
+                  <a:ext uri="{FF2B5EF4-FFF2-40B4-BE49-F238E27FC236}">
+                    <a16:creationId xmlns:a16="http://schemas.microsoft.com/office/drawing/2014/main" id="{49A0A8F6-C845-4ADD-9E9A-90390351DE23}"/>
+                  </a:ext>
+                </a:extLst>
+              </p:cNvPr>
+              <p:cNvPicPr>
+                <a:picLocks noChangeAspect="1" noChangeArrowheads="1"/>
+              </p:cNvPicPr>
+              <p:nvPr/>
+            </p:nvPicPr>
+            <p:blipFill>
+              <a:blip r:embed="rId13">
+                <a:extLst>
+                  <a:ext uri="{28A0092B-C50C-407E-A947-70E740481C1C}">
+                    <a14:useLocalDpi xmlns:a14="http://schemas.microsoft.com/office/drawing/2010/main" val="0"/>
+                  </a:ext>
+                </a:extLst>
+              </a:blip>
+              <a:srcRect/>
+              <a:stretch>
+                <a:fillRect/>
+              </a:stretch>
+            </p:blipFill>
+            <p:spPr bwMode="auto">
+              <a:xfrm>
+                <a:off x="4734867" y="5117231"/>
+                <a:ext cx="2034521" cy="1541150"/>
+              </a:xfrm>
+              <a:prstGeom prst="rect">
+                <a:avLst/>
+              </a:prstGeom>
+              <a:noFill/>
+              <a:extLst>
+                <a:ext uri="{909E8E84-426E-40DD-AFC4-6F175D3DCCD1}">
+                  <a14:hiddenFill xmlns:a14="http://schemas.microsoft.com/office/drawing/2010/main">
+                    <a:solidFill>
+                      <a:srgbClr val="FFFFFF"/>
+                    </a:solidFill>
+                  </a14:hiddenFill>
+                </a:ext>
+              </a:extLst>
+            </p:spPr>
+          </p:pic>
+          <p:sp>
+            <p:nvSpPr>
+              <p:cNvPr id="19" name="Arrow: Down 18">
+                <a:extLst>
+                  <a:ext uri="{FF2B5EF4-FFF2-40B4-BE49-F238E27FC236}">
+                    <a16:creationId xmlns:a16="http://schemas.microsoft.com/office/drawing/2014/main" id="{C2126A16-FFD1-462B-93DC-9ABDE993C75E}"/>
+                  </a:ext>
+                </a:extLst>
+              </p:cNvPr>
+              <p:cNvSpPr/>
+              <p:nvPr/>
+            </p:nvSpPr>
+            <p:spPr>
+              <a:xfrm>
+                <a:off x="5534626" y="3049162"/>
+                <a:ext cx="435006" cy="1166420"/>
+              </a:xfrm>
+              <a:prstGeom prst="downArrow">
+                <a:avLst>
+                  <a:gd name="adj1" fmla="val 50000"/>
+                  <a:gd name="adj2" fmla="val 70408"/>
+                </a:avLst>
+              </a:prstGeom>
+              <a:noFill/>
+              <a:ln w="76200">
+                <a:solidFill>
+                  <a:schemeClr val="accent1">
+                    <a:lumMod val="75000"/>
+                  </a:schemeClr>
+                </a:solidFill>
+              </a:ln>
+            </p:spPr>
+            <p:style>
+              <a:lnRef idx="2">
+                <a:schemeClr val="accent1">
+                  <a:shade val="50000"/>
+                </a:schemeClr>
+              </a:lnRef>
+              <a:fillRef idx="1">
+                <a:schemeClr val="accent1"/>
+              </a:fillRef>
+              <a:effectRef idx="0">
+                <a:schemeClr val="accent1"/>
+              </a:effectRef>
+              <a:fontRef idx="minor">
+                <a:schemeClr val="lt1"/>
+              </a:fontRef>
+            </p:style>
+            <p:txBody>
+              <a:bodyPr rtlCol="0" anchor="ctr"/>
+              <a:lstStyle/>
+              <a:p>
+                <a:pPr algn="ctr"/>
+                <a:endParaRPr lang="en-US"/>
+              </a:p>
+            </p:txBody>
+          </p:sp>
+          <p:sp>
+            <p:nvSpPr>
+              <p:cNvPr id="20" name="Rectangle: Rounded Corners 19">
+                <a:extLst>
+                  <a:ext uri="{FF2B5EF4-FFF2-40B4-BE49-F238E27FC236}">
+                    <a16:creationId xmlns:a16="http://schemas.microsoft.com/office/drawing/2014/main" id="{CAF7E99D-C995-4EE6-9D81-CC92B8FA4862}"/>
+                  </a:ext>
+                </a:extLst>
+              </p:cNvPr>
+              <p:cNvSpPr/>
+              <p:nvPr/>
+            </p:nvSpPr>
+            <p:spPr>
+              <a:xfrm>
+                <a:off x="4225332" y="4388984"/>
+                <a:ext cx="3053593" cy="728247"/>
+              </a:xfrm>
+              <a:prstGeom prst="roundRect">
+                <a:avLst/>
+              </a:prstGeom>
+              <a:noFill/>
+            </p:spPr>
+            <p:style>
+              <a:lnRef idx="2">
+                <a:schemeClr val="accent1">
+                  <a:shade val="50000"/>
+                </a:schemeClr>
+              </a:lnRef>
+              <a:fillRef idx="1">
+                <a:schemeClr val="accent1"/>
+              </a:fillRef>
+              <a:effectRef idx="0">
+                <a:schemeClr val="accent1"/>
+              </a:effectRef>
+              <a:fontRef idx="minor">
+                <a:schemeClr val="lt1"/>
+              </a:fontRef>
+            </p:style>
+            <p:txBody>
+              <a:bodyPr rtlCol="0" anchor="ctr"/>
+              <a:lstStyle/>
+              <a:p>
+                <a:pPr algn="ctr"/>
+                <a:r>
+                  <a:rPr lang="en-IN" dirty="0">
+                    <a:ln w="0"/>
+                    <a:solidFill>
+                      <a:schemeClr val="tx1"/>
+                    </a:solidFill>
+                    <a:effectLst>
+                      <a:outerShdw blurRad="38100" dist="19050" dir="2700000" algn="tl" rotWithShape="0">
+                        <a:schemeClr val="dk1">
+                          <a:alpha val="40000"/>
+                        </a:schemeClr>
+                      </a:outerShdw>
+                    </a:effectLst>
+                  </a:rPr>
+                  <a:t>Cluster Node 2: Running client ROS</a:t>
+                </a:r>
+                <a:endParaRPr lang="en-IN" dirty="0"/>
+              </a:p>
+            </p:txBody>
+          </p:sp>
+          <p:cxnSp>
+            <p:nvCxnSpPr>
+              <p:cNvPr id="21" name="Connector: Elbow 20">
+                <a:extLst>
+                  <a:ext uri="{FF2B5EF4-FFF2-40B4-BE49-F238E27FC236}">
+                    <a16:creationId xmlns:a16="http://schemas.microsoft.com/office/drawing/2014/main" id="{1DE181FF-B346-4ACF-868D-CE1103D5328A}"/>
+                  </a:ext>
+                </a:extLst>
+              </p:cNvPr>
+              <p:cNvCxnSpPr>
+                <a:stCxn id="6" idx="3"/>
+              </p:cNvCxnSpPr>
+              <p:nvPr/>
+            </p:nvCxnSpPr>
+            <p:spPr>
+              <a:xfrm>
+                <a:off x="2960195" y="3382220"/>
+                <a:ext cx="314946" cy="599944"/>
+              </a:xfrm>
+              <a:prstGeom prst="bentConnector2">
+                <a:avLst/>
+              </a:prstGeom>
+              <a:ln>
+                <a:tailEnd type="triangle"/>
+              </a:ln>
+            </p:spPr>
+            <p:style>
+              <a:lnRef idx="1">
+                <a:schemeClr val="accent1"/>
+              </a:lnRef>
+              <a:fillRef idx="0">
+                <a:schemeClr val="accent1"/>
+              </a:fillRef>
+              <a:effectRef idx="0">
+                <a:schemeClr val="accent1"/>
+              </a:effectRef>
+              <a:fontRef idx="minor">
+                <a:schemeClr val="tx1"/>
+              </a:fontRef>
+            </p:style>
+          </p:cxnSp>
+          <p:cxnSp>
+            <p:nvCxnSpPr>
+              <p:cNvPr id="22" name="Connector: Elbow 21">
+                <a:extLst>
+                  <a:ext uri="{FF2B5EF4-FFF2-40B4-BE49-F238E27FC236}">
+                    <a16:creationId xmlns:a16="http://schemas.microsoft.com/office/drawing/2014/main" id="{9607F047-9BE7-44DE-A115-245A3ABD8619}"/>
+                  </a:ext>
+                </a:extLst>
+              </p:cNvPr>
+              <p:cNvCxnSpPr/>
+              <p:nvPr/>
+            </p:nvCxnSpPr>
+            <p:spPr>
+              <a:xfrm>
+                <a:off x="11036971" y="3129028"/>
+                <a:ext cx="314946" cy="599944"/>
+              </a:xfrm>
+              <a:prstGeom prst="bentConnector2">
+                <a:avLst/>
+              </a:prstGeom>
+              <a:ln>
+                <a:tailEnd type="triangle"/>
+              </a:ln>
+            </p:spPr>
+            <p:style>
+              <a:lnRef idx="1">
+                <a:schemeClr val="accent1"/>
+              </a:lnRef>
+              <a:fillRef idx="0">
+                <a:schemeClr val="accent1"/>
+              </a:fillRef>
+              <a:effectRef idx="0">
+                <a:schemeClr val="accent1"/>
+              </a:effectRef>
+              <a:fontRef idx="minor">
+                <a:schemeClr val="tx1"/>
+              </a:fontRef>
+            </p:style>
+          </p:cxnSp>
+          <p:cxnSp>
+            <p:nvCxnSpPr>
+              <p:cNvPr id="23" name="Connector: Elbow 22">
+                <a:extLst>
+                  <a:ext uri="{FF2B5EF4-FFF2-40B4-BE49-F238E27FC236}">
+                    <a16:creationId xmlns:a16="http://schemas.microsoft.com/office/drawing/2014/main" id="{8973D0B0-8362-429F-B561-3217FBC245B0}"/>
+                  </a:ext>
+                </a:extLst>
+              </p:cNvPr>
+              <p:cNvCxnSpPr>
+                <a:stCxn id="6" idx="1"/>
+              </p:cNvCxnSpPr>
+              <p:nvPr/>
+            </p:nvCxnSpPr>
+            <p:spPr>
+              <a:xfrm rot="10800000" flipV="1">
+                <a:off x="488273" y="3382220"/>
+                <a:ext cx="351811" cy="599944"/>
+              </a:xfrm>
+              <a:prstGeom prst="bentConnector2">
+                <a:avLst/>
+              </a:prstGeom>
+              <a:ln>
+                <a:tailEnd type="triangle"/>
+              </a:ln>
+            </p:spPr>
+            <p:style>
+              <a:lnRef idx="1">
+                <a:schemeClr val="accent1"/>
+              </a:lnRef>
+              <a:fillRef idx="0">
+                <a:schemeClr val="accent1"/>
+              </a:fillRef>
+              <a:effectRef idx="0">
+                <a:schemeClr val="accent1"/>
+              </a:effectRef>
+              <a:fontRef idx="minor">
+                <a:schemeClr val="tx1"/>
+              </a:fontRef>
+            </p:style>
+          </p:cxnSp>
+          <p:cxnSp>
+            <p:nvCxnSpPr>
+              <p:cNvPr id="24" name="Connector: Elbow 23">
+                <a:extLst>
+                  <a:ext uri="{FF2B5EF4-FFF2-40B4-BE49-F238E27FC236}">
+                    <a16:creationId xmlns:a16="http://schemas.microsoft.com/office/drawing/2014/main" id="{B8512364-057A-4EDE-AA70-8B47FBBD72E8}"/>
+                  </a:ext>
+                </a:extLst>
+              </p:cNvPr>
+              <p:cNvCxnSpPr/>
+              <p:nvPr/>
+            </p:nvCxnSpPr>
+            <p:spPr>
+              <a:xfrm rot="10800000" flipV="1">
+                <a:off x="9214985" y="3198957"/>
+                <a:ext cx="351811" cy="599944"/>
+              </a:xfrm>
+              <a:prstGeom prst="bentConnector2">
+                <a:avLst/>
+              </a:prstGeom>
+              <a:ln>
+                <a:tailEnd type="triangle"/>
+              </a:ln>
+            </p:spPr>
+            <p:style>
+              <a:lnRef idx="1">
+                <a:schemeClr val="accent1"/>
+              </a:lnRef>
+              <a:fillRef idx="0">
+                <a:schemeClr val="accent1"/>
+              </a:fillRef>
+              <a:effectRef idx="0">
+                <a:schemeClr val="accent1"/>
+              </a:effectRef>
+              <a:fontRef idx="minor">
+                <a:schemeClr val="tx1"/>
+              </a:fontRef>
+            </p:style>
+          </p:cxnSp>
+        </p:grpSp>
+        <p:sp>
+          <p:nvSpPr>
+            <p:cNvPr id="27" name="TextBox 26">
+              <a:extLst>
+                <a:ext uri="{FF2B5EF4-FFF2-40B4-BE49-F238E27FC236}">
+                  <a16:creationId xmlns:a16="http://schemas.microsoft.com/office/drawing/2014/main" id="{6E5A492B-2964-4788-A5E3-ECE2539D85FA}"/>
+                </a:ext>
+              </a:extLst>
+            </p:cNvPr>
+            <p:cNvSpPr txBox="1"/>
+            <p:nvPr/>
+          </p:nvSpPr>
+          <p:spPr>
+            <a:xfrm>
+              <a:off x="9378861" y="1319753"/>
+              <a:ext cx="2311694" cy="923330"/>
+            </a:xfrm>
+            <a:prstGeom prst="rect">
+              <a:avLst/>
+            </a:prstGeom>
+            <a:noFill/>
+          </p:spPr>
+          <p:txBody>
+            <a:bodyPr wrap="square" rtlCol="0">
+              <a:spAutoFit/>
+            </a:bodyPr>
+            <a:lstStyle/>
+            <a:p>
+              <a:r>
+                <a:rPr lang="en-US" dirty="0"/>
+                <a:t>Communication via ROS Topics and sockets</a:t>
+              </a:r>
+            </a:p>
+          </p:txBody>
+        </p:sp>
+        <p:sp>
+          <p:nvSpPr>
+            <p:cNvPr id="28" name="TextBox 27">
+              <a:extLst>
+                <a:ext uri="{FF2B5EF4-FFF2-40B4-BE49-F238E27FC236}">
+                  <a16:creationId xmlns:a16="http://schemas.microsoft.com/office/drawing/2014/main" id="{95A2F0AC-AF97-40E3-9584-CAE91A4CDB60}"/>
+                </a:ext>
+              </a:extLst>
+            </p:cNvPr>
+            <p:cNvSpPr txBox="1"/>
+            <p:nvPr/>
+          </p:nvSpPr>
+          <p:spPr>
+            <a:xfrm>
+              <a:off x="-195973" y="1377516"/>
+              <a:ext cx="2311694" cy="923330"/>
+            </a:xfrm>
+            <a:prstGeom prst="rect">
+              <a:avLst/>
+            </a:prstGeom>
+            <a:noFill/>
+          </p:spPr>
+          <p:txBody>
+            <a:bodyPr wrap="square" rtlCol="0">
+              <a:spAutoFit/>
+            </a:bodyPr>
+            <a:lstStyle/>
+            <a:p>
+              <a:pPr algn="r"/>
+              <a:r>
+                <a:rPr lang="en-US" dirty="0"/>
+                <a:t>Communication via ROS Topics and sockets</a:t>
+              </a:r>
+            </a:p>
+          </p:txBody>
+        </p:sp>
+      </p:grpSp>
     </p:spTree>
     <p:extLst>
       <p:ext uri="{BB962C8B-B14F-4D97-AF65-F5344CB8AC3E}">
-        <p14:creationId xmlns:p14="http://schemas.microsoft.com/office/powerpoint/2010/main" val="1362314598"/>
+        <p14:creationId xmlns:p14="http://schemas.microsoft.com/office/powerpoint/2010/main" val="3128946308"/>
       </p:ext>
     </p:extLst>
   </p:cSld>
@@ -10600,98 +12472,133 @@
         </p:nvSpPr>
         <p:spPr/>
         <p:txBody>
-          <a:bodyPr/>
+          <a:bodyPr>
+            <a:normAutofit/>
+          </a:bodyPr>
           <a:lstStyle/>
           <a:p>
             <a:r>
-              <a:rPr lang="en-US" dirty="0"/>
-              <a:t>Our approach</a:t>
+              <a:rPr lang="en-US" sz="2800" dirty="0"/>
+              <a:t>Approach taken and architecture so far</a:t>
+            </a:r>
+          </a:p>
+        </p:txBody>
+      </p:sp>
+      <p:sp>
+        <p:nvSpPr>
+          <p:cNvPr id="3" name="Content Placeholder 2"/>
+          <p:cNvSpPr>
+            <a:spLocks noGrp="1"/>
+          </p:cNvSpPr>
+          <p:nvPr>
+            <p:ph idx="1"/>
+          </p:nvPr>
+        </p:nvSpPr>
+        <p:spPr>
+          <a:xfrm>
+            <a:off x="609600" y="1478844"/>
+            <a:ext cx="10972799" cy="4808834"/>
+          </a:xfrm>
+        </p:spPr>
+        <p:txBody>
+          <a:bodyPr numCol="2" anchor="ctr">
+            <a:normAutofit/>
+          </a:bodyPr>
+          <a:lstStyle/>
+          <a:p>
+            <a:pPr marL="342900" indent="-342900" algn="just" rtl="0" fontAlgn="base">
+              <a:spcBef>
+                <a:spcPts val="0"/>
+              </a:spcBef>
+              <a:spcAft>
+                <a:spcPts val="1200"/>
+              </a:spcAft>
+              <a:buFont typeface="Arial" panose="020B0604020202020204" pitchFamily="34" charset="0"/>
+              <a:buChar char="•"/>
+            </a:pPr>
+            <a:r>
+              <a:rPr lang="en-US" sz="2000" b="0" i="0" u="none" strike="noStrike" dirty="0">
+                <a:solidFill>
+                  <a:srgbClr val="595959"/>
+                </a:solidFill>
+                <a:effectLst/>
+                <a:latin typeface="Lato" panose="020F0502020204030203" pitchFamily="34" charset="0"/>
+              </a:rPr>
+              <a:t>We have chosen an Amazon EC2 instance as the cloud server. The Cloud server is running on Ubuntu 16 build with ROS Melodic.</a:t>
+            </a:r>
+          </a:p>
+          <a:p>
+            <a:pPr marL="342900" indent="-342900" algn="just" rtl="0" fontAlgn="base">
+              <a:spcBef>
+                <a:spcPts val="0"/>
+              </a:spcBef>
+              <a:spcAft>
+                <a:spcPts val="1200"/>
+              </a:spcAft>
+              <a:buFont typeface="Arial" panose="020B0604020202020204" pitchFamily="34" charset="0"/>
+              <a:buChar char="•"/>
+            </a:pPr>
+            <a:r>
+              <a:rPr lang="en-US" sz="2000" b="0" i="0" u="none" strike="noStrike" dirty="0">
+                <a:solidFill>
+                  <a:srgbClr val="595959"/>
+                </a:solidFill>
+                <a:effectLst/>
+                <a:latin typeface="Lato" panose="020F0502020204030203" pitchFamily="34" charset="0"/>
+              </a:rPr>
+              <a:t>For the purpose of this class, we have chosen to show a three-way communication, transferring messages between two different ROS machines/clusters on two completely different networks. </a:t>
+            </a:r>
+          </a:p>
+          <a:p>
+            <a:pPr marL="342900" indent="-342900" algn="just" rtl="0" fontAlgn="base">
+              <a:spcBef>
+                <a:spcPts val="0"/>
+              </a:spcBef>
+              <a:spcAft>
+                <a:spcPts val="1200"/>
+              </a:spcAft>
+              <a:buFont typeface="Arial" panose="020B0604020202020204" pitchFamily="34" charset="0"/>
+              <a:buChar char="•"/>
+            </a:pPr>
+            <a:r>
+              <a:rPr lang="en-US" sz="2000" b="0" i="0" u="none" strike="noStrike" dirty="0">
+                <a:solidFill>
+                  <a:srgbClr val="595959"/>
+                </a:solidFill>
+                <a:effectLst/>
+                <a:latin typeface="Lato" panose="020F0502020204030203" pitchFamily="34" charset="0"/>
+              </a:rPr>
+              <a:t>One of the machine is our lab computer which is running on Ubuntu 18.04 with ROS Melodic and the other is a </a:t>
+            </a:r>
+            <a:r>
+              <a:rPr lang="en-US" sz="2000" b="0" i="0" u="none" strike="noStrike" dirty="0" err="1">
+                <a:solidFill>
+                  <a:srgbClr val="595959"/>
+                </a:solidFill>
+                <a:effectLst/>
+                <a:latin typeface="Lato" panose="020F0502020204030203" pitchFamily="34" charset="0"/>
+              </a:rPr>
+              <a:t>ROSBot</a:t>
+            </a:r>
+            <a:r>
+              <a:rPr lang="en-US" sz="2000" b="0" i="0" u="none" strike="noStrike" dirty="0">
+                <a:solidFill>
+                  <a:srgbClr val="595959"/>
+                </a:solidFill>
+                <a:effectLst/>
+                <a:latin typeface="Lato" panose="020F0502020204030203" pitchFamily="34" charset="0"/>
+              </a:rPr>
+              <a:t> 2.0 Pro running on ROS Melodic. </a:t>
             </a:r>
           </a:p>
         </p:txBody>
       </p:sp>
       <p:pic>
         <p:nvPicPr>
-          <p:cNvPr id="5" name="Content Placeholder 4">
+          <p:cNvPr id="4" name="Picture 3">
             <a:extLst>
               <a:ext uri="{FF2B5EF4-FFF2-40B4-BE49-F238E27FC236}">
-                <a16:creationId xmlns:a16="http://schemas.microsoft.com/office/drawing/2014/main" id="{AD19EB02-EFB9-42F2-BEB5-4D2BE1FC9AEE}"/>
-              </a:ext>
-            </a:extLst>
-          </p:cNvPr>
-          <p:cNvPicPr>
-            <a:picLocks noGrp="1" noChangeAspect="1"/>
-          </p:cNvPicPr>
-          <p:nvPr>
-            <p:ph idx="1"/>
-          </p:nvPr>
-        </p:nvPicPr>
-        <p:blipFill>
-          <a:blip r:embed="rId2"/>
-          <a:stretch>
-            <a:fillRect/>
-          </a:stretch>
-        </p:blipFill>
-        <p:spPr>
-          <a:xfrm>
-            <a:off x="1148952" y="2059925"/>
-            <a:ext cx="2780915" cy="738680"/>
-          </a:xfrm>
-        </p:spPr>
-      </p:pic>
-      <p:pic>
-        <p:nvPicPr>
-          <p:cNvPr id="1026" name="Picture 2" descr="Socket Programming in Python: Client, Server, and Peer | PubNub">
-            <a:extLst>
-              <a:ext uri="{FF2B5EF4-FFF2-40B4-BE49-F238E27FC236}">
-                <a16:creationId xmlns:a16="http://schemas.microsoft.com/office/drawing/2014/main" id="{9CFB4645-5C5F-4240-B7CA-28C37F7C6ABB}"/>
-              </a:ext>
-            </a:extLst>
-          </p:cNvPr>
-          <p:cNvPicPr>
-            <a:picLocks noChangeAspect="1" noChangeArrowheads="1"/>
-          </p:cNvPicPr>
-          <p:nvPr/>
-        </p:nvPicPr>
-        <p:blipFill>
-          <a:blip r:embed="rId3">
-            <a:extLst>
-              <a:ext uri="{28A0092B-C50C-407E-A947-70E740481C1C}">
-                <a14:useLocalDpi xmlns:a14="http://schemas.microsoft.com/office/drawing/2010/main" val="0"/>
-              </a:ext>
-            </a:extLst>
-          </a:blip>
-          <a:srcRect/>
-          <a:stretch>
-            <a:fillRect/>
-          </a:stretch>
-        </p:blipFill>
-        <p:spPr bwMode="auto">
-          <a:xfrm>
-            <a:off x="487880" y="2837082"/>
-            <a:ext cx="4627328" cy="2185328"/>
-          </a:xfrm>
-          <a:prstGeom prst="rect">
-            <a:avLst/>
-          </a:prstGeom>
-          <a:noFill/>
-          <a:extLst>
-            <a:ext uri="{909E8E84-426E-40DD-AFC4-6F175D3DCCD1}">
-              <a14:hiddenFill xmlns:a14="http://schemas.microsoft.com/office/drawing/2010/main">
-                <a:solidFill>
-                  <a:srgbClr val="FFFFFF"/>
-                </a:solidFill>
-              </a14:hiddenFill>
-            </a:ext>
-          </a:extLst>
-        </p:spPr>
-      </p:pic>
-      <p:pic>
-        <p:nvPicPr>
-          <p:cNvPr id="11" name="Picture 10">
-            <a:extLst>
-              <a:ext uri="{FF2B5EF4-FFF2-40B4-BE49-F238E27FC236}">
-                <a16:creationId xmlns:a16="http://schemas.microsoft.com/office/drawing/2014/main" id="{22F58B82-14A7-41E3-AE6C-0A59603BC280}"/>
+                <a16:creationId xmlns:a16="http://schemas.microsoft.com/office/drawing/2014/main" id="{D5018C2A-8710-4560-9D76-25135FB5062F}"/>
               </a:ext>
             </a:extLst>
           </p:cNvPr>
@@ -10701,14 +12608,14 @@
           <p:nvPr/>
         </p:nvPicPr>
         <p:blipFill>
-          <a:blip r:embed="rId4"/>
+          <a:blip r:embed="rId3"/>
           <a:stretch>
             <a:fillRect/>
           </a:stretch>
         </p:blipFill>
         <p:spPr>
           <a:xfrm>
-            <a:off x="6315027" y="1893958"/>
+            <a:off x="6484710" y="1820680"/>
             <a:ext cx="4867275" cy="2838450"/>
           </a:xfrm>
           <a:prstGeom prst="rect">
@@ -10718,10 +12625,10 @@
       </p:pic>
       <p:sp>
         <p:nvSpPr>
-          <p:cNvPr id="12" name="TextBox 11">
+          <p:cNvPr id="5" name="TextBox 4">
             <a:extLst>
               <a:ext uri="{FF2B5EF4-FFF2-40B4-BE49-F238E27FC236}">
-                <a16:creationId xmlns:a16="http://schemas.microsoft.com/office/drawing/2014/main" id="{EA81C0DE-3FA1-476A-AC71-6CEF7BD2CD55}"/>
+                <a16:creationId xmlns:a16="http://schemas.microsoft.com/office/drawing/2014/main" id="{C535AEEF-E9DF-4667-B1BC-B6953A2563B3}"/>
               </a:ext>
             </a:extLst>
           </p:cNvPr>
@@ -10730,7 +12637,7 @@
         </p:nvSpPr>
         <p:spPr>
           <a:xfrm>
-            <a:off x="1506899" y="5060887"/>
+            <a:off x="7925358" y="5288738"/>
             <a:ext cx="2589291" cy="369332"/>
           </a:xfrm>
           <a:prstGeom prst="rect">
@@ -10739,43 +12646,7 @@
           <a:noFill/>
         </p:spPr>
         <p:txBody>
-          <a:bodyPr wrap="square" rtlCol="0">
-            <a:spAutoFit/>
-          </a:bodyPr>
-          <a:lstStyle/>
-          <a:p>
-            <a:pPr algn="ctr"/>
-            <a:r>
-              <a:rPr lang="en-US" dirty="0"/>
-              <a:t>Services used</a:t>
-            </a:r>
-          </a:p>
-        </p:txBody>
-      </p:sp>
-      <p:sp>
-        <p:nvSpPr>
-          <p:cNvPr id="15" name="TextBox 14">
-            <a:extLst>
-              <a:ext uri="{FF2B5EF4-FFF2-40B4-BE49-F238E27FC236}">
-                <a16:creationId xmlns:a16="http://schemas.microsoft.com/office/drawing/2014/main" id="{8939AB23-3B5C-453C-AD7C-492D68517926}"/>
-              </a:ext>
-            </a:extLst>
-          </p:cNvPr>
-          <p:cNvSpPr txBox="1"/>
-          <p:nvPr/>
-        </p:nvSpPr>
-        <p:spPr>
-          <a:xfrm>
-            <a:off x="7454018" y="5010573"/>
-            <a:ext cx="2589291" cy="369332"/>
-          </a:xfrm>
-          <a:prstGeom prst="rect">
-            <a:avLst/>
-          </a:prstGeom>
-          <a:noFill/>
-        </p:spPr>
-        <p:txBody>
-          <a:bodyPr wrap="square" rtlCol="0">
+          <a:bodyPr wrap="square" numCol="1" rtlCol="0">
             <a:spAutoFit/>
           </a:bodyPr>
           <a:lstStyle/>
@@ -10791,7 +12662,7 @@
     </p:spTree>
     <p:extLst>
       <p:ext uri="{BB962C8B-B14F-4D97-AF65-F5344CB8AC3E}">
-        <p14:creationId xmlns:p14="http://schemas.microsoft.com/office/powerpoint/2010/main" val="3702881940"/>
+        <p14:creationId xmlns:p14="http://schemas.microsoft.com/office/powerpoint/2010/main" val="2646975877"/>
       </p:ext>
     </p:extLst>
   </p:cSld>
@@ -10825,17 +12696,306 @@
             <a:spLocks noGrp="1"/>
           </p:cNvSpPr>
           <p:nvPr>
-            <p:ph type="ctrTitle"/>
+            <p:ph type="title"/>
           </p:nvPr>
         </p:nvSpPr>
         <p:spPr/>
         <p:txBody>
-          <a:bodyPr/>
+          <a:bodyPr>
+            <a:normAutofit/>
+          </a:bodyPr>
           <a:lstStyle/>
           <a:p>
             <a:r>
+              <a:rPr lang="en-US" sz="2800" dirty="0"/>
+              <a:t>Approach taken and architecture so far</a:t>
+            </a:r>
+          </a:p>
+        </p:txBody>
+      </p:sp>
+      <p:sp>
+        <p:nvSpPr>
+          <p:cNvPr id="3" name="Content Placeholder 2"/>
+          <p:cNvSpPr>
+            <a:spLocks noGrp="1"/>
+          </p:cNvSpPr>
+          <p:nvPr>
+            <p:ph idx="1"/>
+          </p:nvPr>
+        </p:nvSpPr>
+        <p:spPr>
+          <a:xfrm>
+            <a:off x="609600" y="1178351"/>
+            <a:ext cx="10972799" cy="5578048"/>
+          </a:xfrm>
+        </p:spPr>
+        <p:txBody>
+          <a:bodyPr numCol="2" anchor="ctr">
+            <a:normAutofit/>
+          </a:bodyPr>
+          <a:lstStyle/>
+          <a:p>
+            <a:pPr marL="342900" indent="-342900" algn="just" rtl="0" fontAlgn="base">
+              <a:spcBef>
+                <a:spcPts val="0"/>
+              </a:spcBef>
+              <a:spcAft>
+                <a:spcPts val="1200"/>
+              </a:spcAft>
+              <a:buFont typeface="Arial" panose="020B0604020202020204" pitchFamily="34" charset="0"/>
+              <a:buChar char="•"/>
+            </a:pPr>
+            <a:r>
+              <a:rPr lang="en-US" sz="1800" b="0" i="0" u="none" strike="noStrike" dirty="0">
+                <a:solidFill>
+                  <a:srgbClr val="595959"/>
+                </a:solidFill>
+                <a:effectLst/>
+                <a:latin typeface="Lato" panose="020F0502020204030203" pitchFamily="34" charset="0"/>
+              </a:rPr>
+              <a:t>ROS has a built in feature that allows us to define a single MASTER in a network and all the devices can communicate with the ROS MASTER via </a:t>
+            </a:r>
+            <a:r>
+              <a:rPr lang="en-US" sz="1800" b="0" i="0" u="none" strike="noStrike" dirty="0" err="1">
+                <a:solidFill>
+                  <a:srgbClr val="595959"/>
+                </a:solidFill>
+                <a:effectLst/>
+                <a:latin typeface="Lato" panose="020F0502020204030203" pitchFamily="34" charset="0"/>
+              </a:rPr>
+              <a:t>rostopics</a:t>
+            </a:r>
+            <a:r>
+              <a:rPr lang="en-US" sz="1800" b="0" i="0" u="none" strike="noStrike" dirty="0">
+                <a:solidFill>
+                  <a:srgbClr val="595959"/>
+                </a:solidFill>
+                <a:effectLst/>
+                <a:latin typeface="Lato" panose="020F0502020204030203" pitchFamily="34" charset="0"/>
+              </a:rPr>
+              <a:t>.</a:t>
+            </a:r>
+          </a:p>
+          <a:p>
+            <a:pPr marL="342900" indent="-342900" algn="just" rtl="0" fontAlgn="base">
+              <a:spcBef>
+                <a:spcPts val="0"/>
+              </a:spcBef>
+              <a:spcAft>
+                <a:spcPts val="1200"/>
+              </a:spcAft>
+              <a:buFont typeface="Arial" panose="020B0604020202020204" pitchFamily="34" charset="0"/>
+              <a:buChar char="•"/>
+            </a:pPr>
+            <a:r>
+              <a:rPr lang="en-US" sz="1800" dirty="0">
+                <a:solidFill>
+                  <a:srgbClr val="595959"/>
+                </a:solidFill>
+                <a:latin typeface="Lato" panose="020F0502020204030203" pitchFamily="34" charset="0"/>
+              </a:rPr>
+              <a:t>But here, all the devices and clusters need to be in the same network. Besides the library is very finicky and unreliable due to information loses.</a:t>
+            </a:r>
+          </a:p>
+          <a:p>
+            <a:pPr marL="342900" indent="-342900" algn="just" rtl="0" fontAlgn="base">
+              <a:spcBef>
+                <a:spcPts val="0"/>
+              </a:spcBef>
+              <a:spcAft>
+                <a:spcPts val="1200"/>
+              </a:spcAft>
+              <a:buFont typeface="Arial" panose="020B0604020202020204" pitchFamily="34" charset="0"/>
+              <a:buChar char="•"/>
+            </a:pPr>
+            <a:r>
+              <a:rPr lang="en-US" sz="1800" b="0" i="0" u="none" strike="noStrike" dirty="0">
+                <a:solidFill>
+                  <a:srgbClr val="595959"/>
+                </a:solidFill>
+                <a:effectLst/>
+                <a:latin typeface="Lato" panose="020F0502020204030203" pitchFamily="34" charset="0"/>
+              </a:rPr>
+              <a:t>We developed our own library on Python &gt;=3.5 that uses ROS and TCP/IP socket protocols and data communication pipelines for </a:t>
+            </a:r>
+            <a:r>
+              <a:rPr lang="en-US" sz="1800" b="0" i="0" u="none" strike="noStrike" dirty="0" err="1">
+                <a:solidFill>
+                  <a:srgbClr val="595959"/>
+                </a:solidFill>
+                <a:effectLst/>
+                <a:latin typeface="Lato" panose="020F0502020204030203" pitchFamily="34" charset="0"/>
+              </a:rPr>
+              <a:t>rostopics</a:t>
+            </a:r>
+            <a:r>
+              <a:rPr lang="en-US" sz="1800" b="0" i="0" u="none" strike="noStrike" dirty="0">
+                <a:solidFill>
+                  <a:srgbClr val="595959"/>
+                </a:solidFill>
+                <a:effectLst/>
+                <a:latin typeface="Lato" panose="020F0502020204030203" pitchFamily="34" charset="0"/>
+              </a:rPr>
+              <a:t>.</a:t>
+            </a:r>
+          </a:p>
+          <a:p>
+            <a:pPr marL="342900" indent="-342900" algn="just" rtl="0" fontAlgn="base">
+              <a:spcBef>
+                <a:spcPts val="0"/>
+              </a:spcBef>
+              <a:spcAft>
+                <a:spcPts val="1200"/>
+              </a:spcAft>
+              <a:buFont typeface="Arial" panose="020B0604020202020204" pitchFamily="34" charset="0"/>
+              <a:buChar char="•"/>
+            </a:pPr>
+            <a:r>
+              <a:rPr lang="en-US" sz="1800" dirty="0">
+                <a:solidFill>
+                  <a:srgbClr val="595959"/>
+                </a:solidFill>
+                <a:latin typeface="Lato" panose="020F0502020204030203" pitchFamily="34" charset="0"/>
+              </a:rPr>
+              <a:t>All the clusters have their own </a:t>
+            </a:r>
+            <a:r>
+              <a:rPr lang="en-US" sz="1800" dirty="0" err="1">
+                <a:solidFill>
+                  <a:srgbClr val="595959"/>
+                </a:solidFill>
+                <a:latin typeface="Lato" panose="020F0502020204030203" pitchFamily="34" charset="0"/>
+              </a:rPr>
+              <a:t>roscore</a:t>
+            </a:r>
+            <a:r>
+              <a:rPr lang="en-US" sz="1800" dirty="0">
+                <a:solidFill>
+                  <a:srgbClr val="595959"/>
+                </a:solidFill>
+                <a:latin typeface="Lato" panose="020F0502020204030203" pitchFamily="34" charset="0"/>
+              </a:rPr>
+              <a:t> running and they can connect to the central server i.e. the AWS Cloud server using socket PORTS.</a:t>
+            </a:r>
+            <a:endParaRPr lang="en-US" sz="1800" b="0" i="0" u="none" strike="noStrike" dirty="0">
+              <a:solidFill>
+                <a:srgbClr val="595959"/>
+              </a:solidFill>
+              <a:effectLst/>
+              <a:latin typeface="Lato" panose="020F0502020204030203" pitchFamily="34" charset="0"/>
+            </a:endParaRPr>
+          </a:p>
+        </p:txBody>
+      </p:sp>
+      <p:pic>
+        <p:nvPicPr>
+          <p:cNvPr id="6" name="Content Placeholder 4">
+            <a:extLst>
+              <a:ext uri="{FF2B5EF4-FFF2-40B4-BE49-F238E27FC236}">
+                <a16:creationId xmlns:a16="http://schemas.microsoft.com/office/drawing/2014/main" id="{92E4A051-1AA1-482E-85E3-1D0ADC7DC6EB}"/>
+              </a:ext>
+            </a:extLst>
+          </p:cNvPr>
+          <p:cNvPicPr>
+            <a:picLocks noChangeAspect="1"/>
+          </p:cNvPicPr>
+          <p:nvPr/>
+        </p:nvPicPr>
+        <p:blipFill>
+          <a:blip r:embed="rId3"/>
+          <a:stretch>
+            <a:fillRect/>
+          </a:stretch>
+        </p:blipFill>
+        <p:spPr>
+          <a:xfrm>
+            <a:off x="7427203" y="2201327"/>
+            <a:ext cx="2780915" cy="738680"/>
+          </a:xfrm>
+          <a:prstGeom prst="rect">
+            <a:avLst/>
+          </a:prstGeom>
+        </p:spPr>
+      </p:pic>
+      <p:pic>
+        <p:nvPicPr>
+          <p:cNvPr id="7" name="Picture 2" descr="Socket Programming in Python: Client, Server, and Peer | PubNub">
+            <a:extLst>
+              <a:ext uri="{FF2B5EF4-FFF2-40B4-BE49-F238E27FC236}">
+                <a16:creationId xmlns:a16="http://schemas.microsoft.com/office/drawing/2014/main" id="{C8798BF6-D14B-45CF-BED2-76ED8D81322D}"/>
+              </a:ext>
+            </a:extLst>
+          </p:cNvPr>
+          <p:cNvPicPr>
+            <a:picLocks noChangeAspect="1" noChangeArrowheads="1"/>
+          </p:cNvPicPr>
+          <p:nvPr/>
+        </p:nvPicPr>
+        <p:blipFill>
+          <a:blip r:embed="rId4">
+            <a:extLst>
+              <a:ext uri="{28A0092B-C50C-407E-A947-70E740481C1C}">
+                <a14:useLocalDpi xmlns:a14="http://schemas.microsoft.com/office/drawing/2010/main" val="0"/>
+              </a:ext>
+            </a:extLst>
+          </a:blip>
+          <a:srcRect/>
+          <a:stretch>
+            <a:fillRect/>
+          </a:stretch>
+        </p:blipFill>
+        <p:spPr bwMode="auto">
+          <a:xfrm>
+            <a:off x="6766131" y="2978484"/>
+            <a:ext cx="4627328" cy="2185328"/>
+          </a:xfrm>
+          <a:prstGeom prst="rect">
+            <a:avLst/>
+          </a:prstGeom>
+          <a:noFill/>
+          <a:extLst>
+            <a:ext uri="{909E8E84-426E-40DD-AFC4-6F175D3DCCD1}">
+              <a14:hiddenFill xmlns:a14="http://schemas.microsoft.com/office/drawing/2010/main">
+                <a:solidFill>
+                  <a:srgbClr val="FFFFFF"/>
+                </a:solidFill>
+              </a14:hiddenFill>
+            </a:ext>
+          </a:extLst>
+        </p:spPr>
+      </p:pic>
+      <p:sp>
+        <p:nvSpPr>
+          <p:cNvPr id="8" name="TextBox 7">
+            <a:extLst>
+              <a:ext uri="{FF2B5EF4-FFF2-40B4-BE49-F238E27FC236}">
+                <a16:creationId xmlns:a16="http://schemas.microsoft.com/office/drawing/2014/main" id="{679F2619-0F41-4EF9-8BB6-AE1B2B9430AB}"/>
+              </a:ext>
+            </a:extLst>
+          </p:cNvPr>
+          <p:cNvSpPr txBox="1"/>
+          <p:nvPr/>
+        </p:nvSpPr>
+        <p:spPr>
+          <a:xfrm>
+            <a:off x="7785150" y="5202289"/>
+            <a:ext cx="2589291" cy="369332"/>
+          </a:xfrm>
+          <a:prstGeom prst="rect">
+            <a:avLst/>
+          </a:prstGeom>
+          <a:noFill/>
+        </p:spPr>
+        <p:txBody>
+          <a:bodyPr wrap="square" rtlCol="0">
+            <a:spAutoFit/>
+          </a:bodyPr>
+          <a:lstStyle/>
+          <a:p>
+            <a:pPr algn="ctr"/>
+            <a:r>
               <a:rPr lang="en-US" dirty="0"/>
-              <a:t>VIDEO DEMO</a:t>
+              <a:t>Services used</a:t>
             </a:r>
           </a:p>
         </p:txBody>
@@ -10843,7 +13003,7 @@
     </p:spTree>
     <p:extLst>
       <p:ext uri="{BB962C8B-B14F-4D97-AF65-F5344CB8AC3E}">
-        <p14:creationId xmlns:p14="http://schemas.microsoft.com/office/powerpoint/2010/main" val="1714915707"/>
+        <p14:creationId xmlns:p14="http://schemas.microsoft.com/office/powerpoint/2010/main" val="3220377847"/>
       </p:ext>
     </p:extLst>
   </p:cSld>
@@ -10882,12 +13042,14 @@
         </p:nvSpPr>
         <p:spPr/>
         <p:txBody>
-          <a:bodyPr/>
+          <a:bodyPr>
+            <a:normAutofit/>
+          </a:bodyPr>
           <a:lstStyle/>
           <a:p>
             <a:r>
-              <a:rPr lang="en-US" dirty="0"/>
-              <a:t>References</a:t>
+              <a:rPr lang="en-US" sz="2800" dirty="0"/>
+              <a:t>Results</a:t>
             </a:r>
           </a:p>
         </p:txBody>
@@ -10902,1115 +13064,623 @@
             <p:ph idx="1"/>
           </p:nvPr>
         </p:nvSpPr>
-        <p:spPr/>
+        <p:spPr>
+          <a:xfrm>
+            <a:off x="609600" y="1470581"/>
+            <a:ext cx="10972799" cy="4817097"/>
+          </a:xfrm>
+        </p:spPr>
         <p:txBody>
-          <a:bodyPr anchor="ctr">
-            <a:normAutofit fontScale="70000" lnSpcReduction="20000"/>
+          <a:bodyPr numCol="2" anchor="ctr">
+            <a:normAutofit lnSpcReduction="10000"/>
           </a:bodyPr>
           <a:lstStyle/>
           <a:p>
-            <a:pPr marL="342900" marR="0" lvl="0" indent="-342900" algn="just">
+            <a:pPr marL="342900" indent="-342900" algn="just" rtl="0" fontAlgn="base">
               <a:spcBef>
                 <a:spcPts val="0"/>
               </a:spcBef>
               <a:spcAft>
-                <a:spcPts val="0"/>
+                <a:spcPts val="1200"/>
               </a:spcAft>
               <a:buFont typeface="Arial" panose="020B0604020202020204" pitchFamily="34" charset="0"/>
               <a:buChar char="•"/>
-              <a:tabLst>
-                <a:tab pos="457200" algn="l"/>
-              </a:tabLst>
             </a:pPr>
             <a:r>
-              <a:rPr lang="en-US" sz="1800" dirty="0" err="1">
+              <a:rPr lang="en-US" sz="1800" b="0" i="0" u="none" strike="noStrike" dirty="0">
+                <a:solidFill>
+                  <a:srgbClr val="595959"/>
+                </a:solidFill>
                 <a:effectLst/>
-                <a:latin typeface="TimesNewRomanPSMT"/>
-                <a:ea typeface="Times New Roman" panose="02020603050405020304" pitchFamily="18" charset="0"/>
-                <a:cs typeface="TimesNewRomanPSMT"/>
-              </a:rPr>
-              <a:t>Haidegger</a:t>
-            </a:r>
-            <a:r>
-              <a:rPr lang="en-US" sz="1800" dirty="0">
+                <a:latin typeface="Lato" panose="020F0502020204030203" pitchFamily="34" charset="0"/>
+              </a:rPr>
+              <a:t>The </a:t>
+            </a:r>
+            <a:r>
+              <a:rPr lang="en-US" sz="1800" b="0" i="0" u="none" strike="noStrike" dirty="0" err="1">
+                <a:solidFill>
+                  <a:srgbClr val="595959"/>
+                </a:solidFill>
                 <a:effectLst/>
-                <a:latin typeface="TimesNewRomanPSMT"/>
-                <a:ea typeface="Times New Roman" panose="02020603050405020304" pitchFamily="18" charset="0"/>
-                <a:cs typeface="TimesNewRomanPSMT"/>
-              </a:rPr>
-              <a:t>, </a:t>
-            </a:r>
-            <a:r>
-              <a:rPr lang="en-US" sz="1800" dirty="0" err="1">
+                <a:latin typeface="Lato" panose="020F0502020204030203" pitchFamily="34" charset="0"/>
+              </a:rPr>
+              <a:t>ROSBot</a:t>
+            </a:r>
+            <a:r>
+              <a:rPr lang="en-US" sz="1800" b="0" i="0" u="none" strike="noStrike" dirty="0">
+                <a:solidFill>
+                  <a:srgbClr val="595959"/>
+                </a:solidFill>
                 <a:effectLst/>
-                <a:latin typeface="TimesNewRomanPSMT"/>
-                <a:ea typeface="Times New Roman" panose="02020603050405020304" pitchFamily="18" charset="0"/>
-                <a:cs typeface="TimesNewRomanPSMT"/>
-              </a:rPr>
-              <a:t>Tamás</a:t>
-            </a:r>
-            <a:r>
-              <a:rPr lang="en-US" sz="1800" dirty="0">
+                <a:latin typeface="Lato" panose="020F0502020204030203" pitchFamily="34" charset="0"/>
+              </a:rPr>
+              <a:t> kinematics takes in information via </a:t>
+            </a:r>
+            <a:r>
+              <a:rPr lang="en-US" sz="1800" b="0" i="0" u="none" strike="noStrike" dirty="0" err="1">
+                <a:solidFill>
+                  <a:srgbClr val="595959"/>
+                </a:solidFill>
                 <a:effectLst/>
-                <a:latin typeface="TimesNewRomanPSMT"/>
-                <a:ea typeface="Times New Roman" panose="02020603050405020304" pitchFamily="18" charset="0"/>
-                <a:cs typeface="TimesNewRomanPSMT"/>
-              </a:rPr>
-              <a:t>, </a:t>
-            </a:r>
-            <a:r>
-              <a:rPr lang="en-US" sz="1800" dirty="0" err="1">
+                <a:latin typeface="Lato" panose="020F0502020204030203" pitchFamily="34" charset="0"/>
+              </a:rPr>
+              <a:t>rostopic</a:t>
+            </a:r>
+            <a:r>
+              <a:rPr lang="en-US" sz="1800" b="0" i="0" u="none" strike="noStrike" dirty="0">
+                <a:solidFill>
+                  <a:srgbClr val="595959"/>
+                </a:solidFill>
                 <a:effectLst/>
-                <a:latin typeface="TimesNewRomanPSMT"/>
-                <a:ea typeface="Times New Roman" panose="02020603050405020304" pitchFamily="18" charset="0"/>
-                <a:cs typeface="TimesNewRomanPSMT"/>
-              </a:rPr>
-              <a:t>Péter</a:t>
-            </a:r>
-            <a:r>
-              <a:rPr lang="en-US" sz="1800" dirty="0">
+                <a:latin typeface="Lato" panose="020F0502020204030203" pitchFamily="34" charset="0"/>
+              </a:rPr>
+              <a:t> /</a:t>
+            </a:r>
+            <a:r>
+              <a:rPr lang="en-US" sz="1800" b="0" i="0" u="none" strike="noStrike" dirty="0" err="1">
+                <a:solidFill>
+                  <a:srgbClr val="595959"/>
+                </a:solidFill>
                 <a:effectLst/>
-                <a:latin typeface="TimesNewRomanPSMT"/>
-                <a:ea typeface="Times New Roman" panose="02020603050405020304" pitchFamily="18" charset="0"/>
-                <a:cs typeface="TimesNewRomanPSMT"/>
-              </a:rPr>
-              <a:t> Galambos, and </a:t>
-            </a:r>
-            <a:r>
-              <a:rPr lang="en-US" sz="1800" dirty="0" err="1">
+                <a:latin typeface="Lato" panose="020F0502020204030203" pitchFamily="34" charset="0"/>
+              </a:rPr>
+              <a:t>cmd_vel</a:t>
+            </a:r>
+            <a:r>
+              <a:rPr lang="en-US" sz="1800" b="0" i="0" u="none" strike="noStrike" dirty="0">
+                <a:solidFill>
+                  <a:srgbClr val="595959"/>
+                </a:solidFill>
                 <a:effectLst/>
-                <a:latin typeface="TimesNewRomanPSMT"/>
-                <a:ea typeface="Times New Roman" panose="02020603050405020304" pitchFamily="18" charset="0"/>
-                <a:cs typeface="TimesNewRomanPSMT"/>
-              </a:rPr>
-              <a:t>Imre</a:t>
-            </a:r>
-            <a:r>
-              <a:rPr lang="en-US" sz="1800" dirty="0">
-                <a:effectLst/>
-                <a:latin typeface="TimesNewRomanPSMT"/>
-                <a:ea typeface="Times New Roman" panose="02020603050405020304" pitchFamily="18" charset="0"/>
-                <a:cs typeface="TimesNewRomanPSMT"/>
-              </a:rPr>
-              <a:t> J. Rudas. "Robotics 4.0–Are we there yet?." 2019 IEEE 23rd International Conference on Intelligent Engineering Systems (INES). IEEE, 2019.</a:t>
-            </a:r>
-            <a:endParaRPr lang="en-US" sz="1800" dirty="0">
-              <a:effectLst/>
-              <a:latin typeface="Times New Roman" panose="02020603050405020304" pitchFamily="18" charset="0"/>
-              <a:ea typeface="Times New Roman" panose="02020603050405020304" pitchFamily="18" charset="0"/>
-            </a:endParaRPr>
-          </a:p>
-          <a:p>
-            <a:pPr marL="342900" marR="0" lvl="0" indent="-342900" algn="just">
+                <a:latin typeface="Lato" panose="020F0502020204030203" pitchFamily="34" charset="0"/>
+              </a:rPr>
+              <a:t>. </a:t>
+            </a:r>
+          </a:p>
+          <a:p>
+            <a:pPr marL="342900" indent="-342900" algn="just" rtl="0" fontAlgn="base">
               <a:spcBef>
                 <a:spcPts val="0"/>
               </a:spcBef>
               <a:spcAft>
-                <a:spcPts val="0"/>
+                <a:spcPts val="1200"/>
               </a:spcAft>
               <a:buFont typeface="Arial" panose="020B0604020202020204" pitchFamily="34" charset="0"/>
               <a:buChar char="•"/>
-              <a:tabLst>
-                <a:tab pos="457200" algn="l"/>
-              </a:tabLst>
             </a:pPr>
             <a:r>
-              <a:rPr lang="en-US" sz="1800" dirty="0">
+              <a:rPr lang="en-US" sz="1800" b="0" i="0" u="none" strike="noStrike" dirty="0">
+                <a:solidFill>
+                  <a:srgbClr val="595959"/>
+                </a:solidFill>
                 <a:effectLst/>
-                <a:latin typeface="TimesNewRomanPSMT"/>
-                <a:ea typeface="Times New Roman" panose="02020603050405020304" pitchFamily="18" charset="0"/>
-                <a:cs typeface="TimesNewRomanPSMT"/>
-              </a:rPr>
-              <a:t>K. Goldberg, M. </a:t>
-            </a:r>
-            <a:r>
-              <a:rPr lang="en-US" sz="1800" dirty="0" err="1">
+                <a:latin typeface="Lato" panose="020F0502020204030203" pitchFamily="34" charset="0"/>
+              </a:rPr>
+              <a:t>We ran the client listener code on the </a:t>
+            </a:r>
+            <a:r>
+              <a:rPr lang="en-US" sz="1800" b="0" i="0" u="none" strike="noStrike" dirty="0" err="1">
+                <a:solidFill>
+                  <a:srgbClr val="595959"/>
+                </a:solidFill>
                 <a:effectLst/>
-                <a:latin typeface="TimesNewRomanPSMT"/>
-                <a:ea typeface="Times New Roman" panose="02020603050405020304" pitchFamily="18" charset="0"/>
-                <a:cs typeface="TimesNewRomanPSMT"/>
-              </a:rPr>
-              <a:t>Mascha</a:t>
-            </a:r>
-            <a:r>
-              <a:rPr lang="en-US" sz="1800" dirty="0">
+                <a:latin typeface="Lato" panose="020F0502020204030203" pitchFamily="34" charset="0"/>
+              </a:rPr>
+              <a:t>ROSBot</a:t>
+            </a:r>
+            <a:r>
+              <a:rPr lang="en-US" sz="1800" b="0" i="0" u="none" strike="noStrike" dirty="0">
+                <a:solidFill>
+                  <a:srgbClr val="595959"/>
+                </a:solidFill>
                 <a:effectLst/>
-                <a:latin typeface="TimesNewRomanPSMT"/>
-                <a:ea typeface="Times New Roman" panose="02020603050405020304" pitchFamily="18" charset="0"/>
-                <a:cs typeface="TimesNewRomanPSMT"/>
-              </a:rPr>
-              <a:t>, S. </a:t>
-            </a:r>
-            <a:r>
-              <a:rPr lang="en-US" sz="1800" dirty="0" err="1">
+                <a:latin typeface="Lato" panose="020F0502020204030203" pitchFamily="34" charset="0"/>
+              </a:rPr>
+              <a:t> which subscribes to PORT 5555 on AWS where we published the /</a:t>
+            </a:r>
+            <a:r>
+              <a:rPr lang="en-US" sz="1800" b="0" i="0" u="none" strike="noStrike" dirty="0" err="1">
+                <a:solidFill>
+                  <a:srgbClr val="595959"/>
+                </a:solidFill>
                 <a:effectLst/>
-                <a:latin typeface="TimesNewRomanPSMT"/>
-                <a:ea typeface="Times New Roman" panose="02020603050405020304" pitchFamily="18" charset="0"/>
-                <a:cs typeface="TimesNewRomanPSMT"/>
-              </a:rPr>
-              <a:t>Gentner</a:t>
-            </a:r>
-            <a:r>
-              <a:rPr lang="en-US" sz="1800" dirty="0">
+                <a:latin typeface="Lato" panose="020F0502020204030203" pitchFamily="34" charset="0"/>
+              </a:rPr>
+              <a:t>cmd_vel</a:t>
+            </a:r>
+            <a:r>
+              <a:rPr lang="en-US" sz="1800" b="0" i="0" u="none" strike="noStrike" dirty="0">
+                <a:solidFill>
+                  <a:srgbClr val="595959"/>
+                </a:solidFill>
                 <a:effectLst/>
-                <a:latin typeface="TimesNewRomanPSMT"/>
-                <a:ea typeface="Times New Roman" panose="02020603050405020304" pitchFamily="18" charset="0"/>
-                <a:cs typeface="TimesNewRomanPSMT"/>
-              </a:rPr>
-              <a:t>, N. Rothenberg, C. Sutter, and J. </a:t>
-            </a:r>
-            <a:r>
-              <a:rPr lang="en-US" sz="1800" dirty="0" err="1">
-                <a:effectLst/>
-                <a:latin typeface="TimesNewRomanPSMT"/>
-                <a:ea typeface="Times New Roman" panose="02020603050405020304" pitchFamily="18" charset="0"/>
-                <a:cs typeface="TimesNewRomanPSMT"/>
-              </a:rPr>
-              <a:t>Wiegley</a:t>
-            </a:r>
-            <a:r>
-              <a:rPr lang="en-US" sz="1800" dirty="0">
-                <a:effectLst/>
-                <a:latin typeface="TimesNewRomanPSMT"/>
-                <a:ea typeface="Times New Roman" panose="02020603050405020304" pitchFamily="18" charset="0"/>
-                <a:cs typeface="TimesNewRomanPSMT"/>
-              </a:rPr>
-              <a:t>, “Desktop teleoperation via the world wide web,” in Proceedings of 1995 IEEE International Conference on Robotics and Automation, vol. 1, May 1995, pp. 654–659 vol.1</a:t>
-            </a:r>
-            <a:endParaRPr lang="en-US" sz="1800" dirty="0">
-              <a:effectLst/>
-              <a:latin typeface="Times New Roman" panose="02020603050405020304" pitchFamily="18" charset="0"/>
-              <a:ea typeface="Times New Roman" panose="02020603050405020304" pitchFamily="18" charset="0"/>
-            </a:endParaRPr>
-          </a:p>
-          <a:p>
-            <a:pPr marL="342900" marR="0" lvl="0" indent="-342900" algn="just">
+                <a:latin typeface="Lato" panose="020F0502020204030203" pitchFamily="34" charset="0"/>
+              </a:rPr>
+              <a:t> messages.</a:t>
+            </a:r>
+          </a:p>
+          <a:p>
+            <a:pPr marL="342900" indent="-342900" algn="just" rtl="0" fontAlgn="base">
               <a:spcBef>
                 <a:spcPts val="0"/>
               </a:spcBef>
               <a:spcAft>
-                <a:spcPts val="0"/>
+                <a:spcPts val="1200"/>
               </a:spcAft>
               <a:buFont typeface="Arial" panose="020B0604020202020204" pitchFamily="34" charset="0"/>
               <a:buChar char="•"/>
-              <a:tabLst>
-                <a:tab pos="457200" algn="l"/>
-              </a:tabLst>
             </a:pPr>
             <a:r>
               <a:rPr lang="en-US" sz="1800" dirty="0">
-                <a:effectLst/>
-                <a:latin typeface="TimesNewRomanPSMT"/>
-                <a:ea typeface="Times New Roman" panose="02020603050405020304" pitchFamily="18" charset="0"/>
-                <a:cs typeface="TimesNewRomanPSMT"/>
-              </a:rPr>
-              <a:t>Waibel, Markus, Michael Beetz, Javier </a:t>
+                <a:solidFill>
+                  <a:srgbClr val="595959"/>
+                </a:solidFill>
+                <a:latin typeface="Lato" panose="020F0502020204030203" pitchFamily="34" charset="0"/>
+              </a:rPr>
+              <a:t>The lab computer ran the client code that send the motion commands via another </a:t>
             </a:r>
             <a:r>
               <a:rPr lang="en-US" sz="1800" dirty="0" err="1">
-                <a:effectLst/>
-                <a:latin typeface="TimesNewRomanPSMT"/>
-                <a:ea typeface="Times New Roman" panose="02020603050405020304" pitchFamily="18" charset="0"/>
-                <a:cs typeface="TimesNewRomanPSMT"/>
-              </a:rPr>
-              <a:t>Civera</a:t>
+                <a:solidFill>
+                  <a:srgbClr val="595959"/>
+                </a:solidFill>
+                <a:latin typeface="Lato" panose="020F0502020204030203" pitchFamily="34" charset="0"/>
+              </a:rPr>
+              <a:t>rostopic</a:t>
             </a:r>
             <a:r>
               <a:rPr lang="en-US" sz="1800" dirty="0">
-                <a:effectLst/>
-                <a:latin typeface="TimesNewRomanPSMT"/>
-                <a:ea typeface="Times New Roman" panose="02020603050405020304" pitchFamily="18" charset="0"/>
-                <a:cs typeface="TimesNewRomanPSMT"/>
-              </a:rPr>
-              <a:t>, </a:t>
+                <a:solidFill>
+                  <a:srgbClr val="595959"/>
+                </a:solidFill>
+                <a:latin typeface="Lato" panose="020F0502020204030203" pitchFamily="34" charset="0"/>
+              </a:rPr>
+              <a:t> /turtle1/</a:t>
             </a:r>
             <a:r>
               <a:rPr lang="en-US" sz="1800" dirty="0" err="1">
-                <a:effectLst/>
-                <a:latin typeface="TimesNewRomanPSMT"/>
-                <a:ea typeface="Times New Roman" panose="02020603050405020304" pitchFamily="18" charset="0"/>
-                <a:cs typeface="TimesNewRomanPSMT"/>
-              </a:rPr>
-              <a:t>Raffaello</a:t>
+                <a:solidFill>
+                  <a:srgbClr val="595959"/>
+                </a:solidFill>
+                <a:latin typeface="Lato" panose="020F0502020204030203" pitchFamily="34" charset="0"/>
+              </a:rPr>
+              <a:t>cmd_vel</a:t>
             </a:r>
             <a:r>
               <a:rPr lang="en-US" sz="1800" dirty="0">
-                <a:effectLst/>
-                <a:latin typeface="TimesNewRomanPSMT"/>
-                <a:ea typeface="Times New Roman" panose="02020603050405020304" pitchFamily="18" charset="0"/>
-                <a:cs typeface="TimesNewRomanPSMT"/>
-              </a:rPr>
-              <a:t> </a:t>
-            </a:r>
-            <a:r>
-              <a:rPr lang="en-US" sz="1800" dirty="0" err="1">
-                <a:effectLst/>
-                <a:latin typeface="TimesNewRomanPSMT"/>
-                <a:ea typeface="Times New Roman" panose="02020603050405020304" pitchFamily="18" charset="0"/>
-                <a:cs typeface="TimesNewRomanPSMT"/>
-              </a:rPr>
-              <a:t>d'Andrea</a:t>
-            </a:r>
-            <a:r>
-              <a:rPr lang="en-US" sz="1800" dirty="0">
-                <a:effectLst/>
-                <a:latin typeface="TimesNewRomanPSMT"/>
-                <a:ea typeface="Times New Roman" panose="02020603050405020304" pitchFamily="18" charset="0"/>
-                <a:cs typeface="TimesNewRomanPSMT"/>
-              </a:rPr>
-              <a:t>, Jos </a:t>
-            </a:r>
-            <a:r>
-              <a:rPr lang="en-US" sz="1800" dirty="0" err="1">
-                <a:effectLst/>
-                <a:latin typeface="TimesNewRomanPSMT"/>
-                <a:ea typeface="Times New Roman" panose="02020603050405020304" pitchFamily="18" charset="0"/>
-                <a:cs typeface="TimesNewRomanPSMT"/>
-              </a:rPr>
-              <a:t>Elfring</a:t>
-            </a:r>
-            <a:r>
-              <a:rPr lang="en-US" sz="1800" dirty="0">
-                <a:effectLst/>
-                <a:latin typeface="TimesNewRomanPSMT"/>
-                <a:ea typeface="Times New Roman" panose="02020603050405020304" pitchFamily="18" charset="0"/>
-                <a:cs typeface="TimesNewRomanPSMT"/>
-              </a:rPr>
-              <a:t>, Dorian Galvez-Lopez, Kai </a:t>
-            </a:r>
-            <a:r>
-              <a:rPr lang="en-US" sz="1800" dirty="0" err="1">
-                <a:effectLst/>
-                <a:latin typeface="TimesNewRomanPSMT"/>
-                <a:ea typeface="Times New Roman" panose="02020603050405020304" pitchFamily="18" charset="0"/>
-                <a:cs typeface="TimesNewRomanPSMT"/>
-              </a:rPr>
-              <a:t>Häussermann</a:t>
-            </a:r>
-            <a:r>
-              <a:rPr lang="en-US" sz="1800" dirty="0">
-                <a:effectLst/>
-                <a:latin typeface="TimesNewRomanPSMT"/>
-                <a:ea typeface="Times New Roman" panose="02020603050405020304" pitchFamily="18" charset="0"/>
-                <a:cs typeface="TimesNewRomanPSMT"/>
-              </a:rPr>
-              <a:t> et al. "</a:t>
-            </a:r>
-            <a:r>
-              <a:rPr lang="en-US" sz="1800" dirty="0" err="1">
-                <a:effectLst/>
-                <a:latin typeface="TimesNewRomanPSMT"/>
-                <a:ea typeface="Times New Roman" panose="02020603050405020304" pitchFamily="18" charset="0"/>
-                <a:cs typeface="TimesNewRomanPSMT"/>
-              </a:rPr>
-              <a:t>Roboearth</a:t>
-            </a:r>
-            <a:r>
-              <a:rPr lang="en-US" sz="1800" dirty="0">
-                <a:effectLst/>
-                <a:latin typeface="TimesNewRomanPSMT"/>
-                <a:ea typeface="Times New Roman" panose="02020603050405020304" pitchFamily="18" charset="0"/>
-                <a:cs typeface="TimesNewRomanPSMT"/>
-              </a:rPr>
-              <a:t>." IEEE Robotics &amp; Automation Magazine 18, no. 2 (2011): 69-82.</a:t>
-            </a:r>
-            <a:endParaRPr lang="en-US" sz="1800" dirty="0">
-              <a:effectLst/>
-              <a:latin typeface="Times New Roman" panose="02020603050405020304" pitchFamily="18" charset="0"/>
-              <a:ea typeface="Times New Roman" panose="02020603050405020304" pitchFamily="18" charset="0"/>
-            </a:endParaRPr>
-          </a:p>
-          <a:p>
-            <a:pPr marL="342900" marR="0" lvl="0" indent="-342900" algn="just">
+                <a:solidFill>
+                  <a:srgbClr val="595959"/>
+                </a:solidFill>
+                <a:latin typeface="Lato" panose="020F0502020204030203" pitchFamily="34" charset="0"/>
+              </a:rPr>
+              <a:t> to PORT 9999.</a:t>
+            </a:r>
+          </a:p>
+          <a:p>
+            <a:pPr marL="342900" indent="-342900" algn="just" rtl="0" fontAlgn="base">
               <a:spcBef>
                 <a:spcPts val="0"/>
               </a:spcBef>
               <a:spcAft>
-                <a:spcPts val="0"/>
+                <a:spcPts val="1200"/>
               </a:spcAft>
               <a:buFont typeface="Arial" panose="020B0604020202020204" pitchFamily="34" charset="0"/>
               <a:buChar char="•"/>
-              <a:tabLst>
-                <a:tab pos="457200" algn="l"/>
-              </a:tabLst>
             </a:pPr>
             <a:r>
+              <a:rPr lang="en-US" sz="1800" b="0" i="0" u="none" strike="noStrike" dirty="0">
+                <a:solidFill>
+                  <a:srgbClr val="595959"/>
+                </a:solidFill>
+                <a:effectLst/>
+                <a:latin typeface="Lato" panose="020F0502020204030203" pitchFamily="34" charset="0"/>
+              </a:rPr>
+              <a:t>The </a:t>
+            </a:r>
+            <a:r>
               <a:rPr lang="en-US" sz="1800" dirty="0">
-                <a:effectLst/>
-                <a:latin typeface="TimesNewRomanPSMT"/>
-                <a:ea typeface="Times New Roman" panose="02020603050405020304" pitchFamily="18" charset="0"/>
-                <a:cs typeface="TimesNewRomanPSMT"/>
-              </a:rPr>
-              <a:t>J. Kuffner, "What's Next: Cloud-Enabled Humanoids?" in 10th IEEE-RAS International Conference on Humanoid Robots (Humanoids 2010) Workshop, 2010.</a:t>
-            </a:r>
-            <a:endParaRPr lang="en-US" sz="1800" dirty="0">
-              <a:effectLst/>
-              <a:latin typeface="Times New Roman" panose="02020603050405020304" pitchFamily="18" charset="0"/>
-              <a:ea typeface="Times New Roman" panose="02020603050405020304" pitchFamily="18" charset="0"/>
-            </a:endParaRPr>
-          </a:p>
-          <a:p>
-            <a:pPr marL="342900" marR="0" lvl="0" indent="-342900" algn="just">
+                <a:solidFill>
+                  <a:srgbClr val="595959"/>
+                </a:solidFill>
+                <a:latin typeface="Lato" panose="020F0502020204030203" pitchFamily="34" charset="0"/>
+              </a:rPr>
+              <a:t>AWS server acts as a data hub for all the information.</a:t>
+            </a:r>
+          </a:p>
+          <a:p>
+            <a:pPr marL="342900" indent="-342900" algn="just" rtl="0" fontAlgn="base">
               <a:spcBef>
                 <a:spcPts val="0"/>
               </a:spcBef>
               <a:spcAft>
-                <a:spcPts val="0"/>
+                <a:spcPts val="1200"/>
               </a:spcAft>
               <a:buFont typeface="Arial" panose="020B0604020202020204" pitchFamily="34" charset="0"/>
               <a:buChar char="•"/>
-              <a:tabLst>
-                <a:tab pos="457200" algn="l"/>
-              </a:tabLst>
             </a:pPr>
             <a:r>
-              <a:rPr lang="en-US" sz="1800" dirty="0">
+              <a:rPr lang="en-US" sz="1800" b="0" i="0" u="none" strike="noStrike" dirty="0">
+                <a:solidFill>
+                  <a:srgbClr val="595959"/>
+                </a:solidFill>
                 <a:effectLst/>
-                <a:latin typeface="TimesNewRomanPSMT"/>
-                <a:ea typeface="Times New Roman" panose="02020603050405020304" pitchFamily="18" charset="0"/>
-                <a:cs typeface="TimesNewRomanPSMT"/>
-              </a:rPr>
-              <a:t>Fierro, Rafael, </a:t>
-            </a:r>
-            <a:r>
-              <a:rPr lang="en-US" sz="1800" dirty="0" err="1">
-                <a:effectLst/>
-                <a:latin typeface="TimesNewRomanPSMT"/>
-                <a:ea typeface="Times New Roman" panose="02020603050405020304" pitchFamily="18" charset="0"/>
-                <a:cs typeface="TimesNewRomanPSMT"/>
-              </a:rPr>
-              <a:t>Aveek</a:t>
-            </a:r>
-            <a:r>
-              <a:rPr lang="en-US" sz="1800" dirty="0">
-                <a:effectLst/>
-                <a:latin typeface="TimesNewRomanPSMT"/>
-                <a:ea typeface="Times New Roman" panose="02020603050405020304" pitchFamily="18" charset="0"/>
-                <a:cs typeface="TimesNewRomanPSMT"/>
-              </a:rPr>
-              <a:t> Das, John </a:t>
-            </a:r>
-            <a:r>
-              <a:rPr lang="en-US" sz="1800" dirty="0" err="1">
-                <a:effectLst/>
-                <a:latin typeface="TimesNewRomanPSMT"/>
-                <a:ea typeface="Times New Roman" panose="02020603050405020304" pitchFamily="18" charset="0"/>
-                <a:cs typeface="TimesNewRomanPSMT"/>
-              </a:rPr>
-              <a:t>Spletzer</a:t>
-            </a:r>
-            <a:r>
-              <a:rPr lang="en-US" sz="1800" dirty="0">
-                <a:effectLst/>
-                <a:latin typeface="TimesNewRomanPSMT"/>
-                <a:ea typeface="Times New Roman" panose="02020603050405020304" pitchFamily="18" charset="0"/>
-                <a:cs typeface="TimesNewRomanPSMT"/>
-              </a:rPr>
-              <a:t>, Joel Esposito, Vijay Kumar, James P. Ostrowski, George Pappas et al. "A framework and architecture for multi-robot coordination." The International Journal of Robotics Research 21, no. 10-11 (2002): 977-995.</a:t>
-            </a:r>
-            <a:endParaRPr lang="en-US" sz="1800" dirty="0">
-              <a:effectLst/>
-              <a:latin typeface="Times New Roman" panose="02020603050405020304" pitchFamily="18" charset="0"/>
-              <a:ea typeface="Times New Roman" panose="02020603050405020304" pitchFamily="18" charset="0"/>
-            </a:endParaRPr>
-          </a:p>
-          <a:p>
-            <a:pPr marL="342900" marR="0" lvl="0" indent="-342900" algn="just">
+                <a:latin typeface="Lato" panose="020F0502020204030203" pitchFamily="34" charset="0"/>
+              </a:rPr>
+              <a:t>The data bandwidth and bit rate is significant enough to transfer a low resolution image within seconds as shown in figure. The bitrate spiked as we started to send data and gradually settled to zero on halt.</a:t>
+            </a:r>
+          </a:p>
+          <a:p>
+            <a:pPr marL="342900" indent="-342900" algn="just" rtl="0" fontAlgn="base">
               <a:spcBef>
                 <a:spcPts val="0"/>
               </a:spcBef>
               <a:spcAft>
-                <a:spcPts val="0"/>
+                <a:spcPts val="1200"/>
               </a:spcAft>
               <a:buFont typeface="Arial" panose="020B0604020202020204" pitchFamily="34" charset="0"/>
               <a:buChar char="•"/>
-              <a:tabLst>
-                <a:tab pos="457200" algn="l"/>
-              </a:tabLst>
             </a:pPr>
-            <a:r>
-              <a:rPr lang="en-US" sz="1800" dirty="0" err="1">
-                <a:effectLst/>
-                <a:latin typeface="TimesNewRomanPSMT"/>
-                <a:ea typeface="Times New Roman" panose="02020603050405020304" pitchFamily="18" charset="0"/>
-                <a:cs typeface="TimesNewRomanPSMT"/>
-              </a:rPr>
-              <a:t>Penmetcha</a:t>
-            </a:r>
-            <a:r>
-              <a:rPr lang="en-US" sz="1800" dirty="0">
-                <a:effectLst/>
-                <a:latin typeface="TimesNewRomanPSMT"/>
-                <a:ea typeface="Times New Roman" panose="02020603050405020304" pitchFamily="18" charset="0"/>
-                <a:cs typeface="TimesNewRomanPSMT"/>
-              </a:rPr>
-              <a:t>, Manoj, </a:t>
-            </a:r>
-            <a:r>
-              <a:rPr lang="en-US" sz="1800" dirty="0" err="1">
-                <a:effectLst/>
-                <a:latin typeface="TimesNewRomanPSMT"/>
-                <a:ea typeface="Times New Roman" panose="02020603050405020304" pitchFamily="18" charset="0"/>
-                <a:cs typeface="TimesNewRomanPSMT"/>
-              </a:rPr>
-              <a:t>Shyam</a:t>
-            </a:r>
-            <a:r>
-              <a:rPr lang="en-US" sz="1800" dirty="0">
-                <a:effectLst/>
-                <a:latin typeface="TimesNewRomanPSMT"/>
-                <a:ea typeface="Times New Roman" panose="02020603050405020304" pitchFamily="18" charset="0"/>
-                <a:cs typeface="TimesNewRomanPSMT"/>
-              </a:rPr>
-              <a:t> Sundar Kannan, and Byung-Cheol Min. "Smart Cloud: Scalable Cloud Robotic Architecture for Web-powered Multi-Robot Applications." </a:t>
-            </a:r>
-            <a:r>
-              <a:rPr lang="en-US" sz="1800" dirty="0" err="1">
-                <a:effectLst/>
-                <a:latin typeface="TimesNewRomanPSMT"/>
-                <a:ea typeface="Times New Roman" panose="02020603050405020304" pitchFamily="18" charset="0"/>
-                <a:cs typeface="TimesNewRomanPSMT"/>
-              </a:rPr>
-              <a:t>arXiv</a:t>
-            </a:r>
-            <a:r>
-              <a:rPr lang="en-US" sz="1800" dirty="0">
-                <a:effectLst/>
-                <a:latin typeface="TimesNewRomanPSMT"/>
-                <a:ea typeface="Times New Roman" panose="02020603050405020304" pitchFamily="18" charset="0"/>
-                <a:cs typeface="TimesNewRomanPSMT"/>
-              </a:rPr>
-              <a:t> preprint arXiv:1912.02927 (2019). </a:t>
-            </a:r>
-            <a:endParaRPr lang="en-US" sz="1800" dirty="0">
+            <a:endParaRPr lang="en-US" sz="2000" b="0" i="0" u="none" strike="noStrike" dirty="0">
+              <a:solidFill>
+                <a:srgbClr val="595959"/>
+              </a:solidFill>
               <a:effectLst/>
-              <a:latin typeface="Times New Roman" panose="02020603050405020304" pitchFamily="18" charset="0"/>
-              <a:ea typeface="Times New Roman" panose="02020603050405020304" pitchFamily="18" charset="0"/>
+              <a:latin typeface="Lato" panose="020F0502020204030203" pitchFamily="34" charset="0"/>
             </a:endParaRPr>
           </a:p>
-          <a:p>
-            <a:pPr marL="342900" marR="0" lvl="0" indent="-342900" algn="just">
+        </p:txBody>
+      </p:sp>
+      <p:pic>
+        <p:nvPicPr>
+          <p:cNvPr id="1026" name="Picture 32">
+            <a:extLst>
+              <a:ext uri="{FF2B5EF4-FFF2-40B4-BE49-F238E27FC236}">
+                <a16:creationId xmlns:a16="http://schemas.microsoft.com/office/drawing/2014/main" id="{222D2494-18B7-4952-B79D-D71B74525F51}"/>
+              </a:ext>
+            </a:extLst>
+          </p:cNvPr>
+          <p:cNvPicPr>
+            <a:picLocks noChangeAspect="1" noChangeArrowheads="1"/>
+          </p:cNvPicPr>
+          <p:nvPr/>
+        </p:nvPicPr>
+        <p:blipFill>
+          <a:blip r:embed="rId3">
+            <a:extLst>
+              <a:ext uri="{28A0092B-C50C-407E-A947-70E740481C1C}">
+                <a14:useLocalDpi xmlns:a14="http://schemas.microsoft.com/office/drawing/2010/main" val="0"/>
+              </a:ext>
+            </a:extLst>
+          </a:blip>
+          <a:srcRect/>
+          <a:stretch>
+            <a:fillRect/>
+          </a:stretch>
+        </p:blipFill>
+        <p:spPr bwMode="auto">
+          <a:xfrm>
+            <a:off x="7727883" y="1314686"/>
+            <a:ext cx="3108325" cy="2568575"/>
+          </a:xfrm>
+          <a:prstGeom prst="rect">
+            <a:avLst/>
+          </a:prstGeom>
+          <a:noFill/>
+          <a:extLst>
+            <a:ext uri="{909E8E84-426E-40DD-AFC4-6F175D3DCCD1}">
+              <a14:hiddenFill xmlns:a14="http://schemas.microsoft.com/office/drawing/2010/main">
+                <a:solidFill>
+                  <a:srgbClr val="FFFFFF"/>
+                </a:solidFill>
+              </a14:hiddenFill>
+            </a:ext>
+          </a:extLst>
+        </p:spPr>
+      </p:pic>
+      <p:pic>
+        <p:nvPicPr>
+          <p:cNvPr id="1025" name="Picture 33">
+            <a:extLst>
+              <a:ext uri="{FF2B5EF4-FFF2-40B4-BE49-F238E27FC236}">
+                <a16:creationId xmlns:a16="http://schemas.microsoft.com/office/drawing/2014/main" id="{8A5D3AEA-AE76-4AA5-B156-12F548FDCCD9}"/>
+              </a:ext>
+            </a:extLst>
+          </p:cNvPr>
+          <p:cNvPicPr>
+            <a:picLocks noChangeAspect="1" noChangeArrowheads="1"/>
+          </p:cNvPicPr>
+          <p:nvPr/>
+        </p:nvPicPr>
+        <p:blipFill>
+          <a:blip r:embed="rId4">
+            <a:extLst>
+              <a:ext uri="{28A0092B-C50C-407E-A947-70E740481C1C}">
+                <a14:useLocalDpi xmlns:a14="http://schemas.microsoft.com/office/drawing/2010/main" val="0"/>
+              </a:ext>
+            </a:extLst>
+          </a:blip>
+          <a:srcRect/>
+          <a:stretch>
+            <a:fillRect/>
+          </a:stretch>
+        </p:blipFill>
+        <p:spPr bwMode="auto">
+          <a:xfrm>
+            <a:off x="7727882" y="3883261"/>
+            <a:ext cx="3108325" cy="1920875"/>
+          </a:xfrm>
+          <a:prstGeom prst="rect">
+            <a:avLst/>
+          </a:prstGeom>
+          <a:noFill/>
+          <a:extLst>
+            <a:ext uri="{909E8E84-426E-40DD-AFC4-6F175D3DCCD1}">
+              <a14:hiddenFill xmlns:a14="http://schemas.microsoft.com/office/drawing/2010/main">
+                <a:solidFill>
+                  <a:srgbClr val="FFFFFF"/>
+                </a:solidFill>
+              </a14:hiddenFill>
+            </a:ext>
+          </a:extLst>
+        </p:spPr>
+      </p:pic>
+      <p:sp>
+        <p:nvSpPr>
+          <p:cNvPr id="4" name="Rectangle 3">
+            <a:extLst>
+              <a:ext uri="{FF2B5EF4-FFF2-40B4-BE49-F238E27FC236}">
+                <a16:creationId xmlns:a16="http://schemas.microsoft.com/office/drawing/2014/main" id="{B20D67E3-86B2-43A0-9EB3-05549FD75C80}"/>
+              </a:ext>
+            </a:extLst>
+          </p:cNvPr>
+          <p:cNvSpPr>
+            <a:spLocks noChangeArrowheads="1"/>
+          </p:cNvSpPr>
+          <p:nvPr/>
+        </p:nvSpPr>
+        <p:spPr bwMode="auto">
+          <a:xfrm>
+            <a:off x="0" y="0"/>
+            <a:ext cx="12192000" cy="457200"/>
+          </a:xfrm>
+          <a:prstGeom prst="rect">
+            <a:avLst/>
+          </a:prstGeom>
+          <a:noFill/>
+          <a:ln>
+            <a:noFill/>
+          </a:ln>
+          <a:effectLst/>
+          <a:extLst>
+            <a:ext uri="{909E8E84-426E-40DD-AFC4-6F175D3DCCD1}">
+              <a14:hiddenFill xmlns:a14="http://schemas.microsoft.com/office/drawing/2010/main">
+                <a:solidFill>
+                  <a:schemeClr val="accent1"/>
+                </a:solidFill>
+              </a14:hiddenFill>
+            </a:ext>
+            <a:ext uri="{91240B29-F687-4F45-9708-019B960494DF}">
+              <a14:hiddenLine xmlns:a14="http://schemas.microsoft.com/office/drawing/2010/main" w="9525">
+                <a:solidFill>
+                  <a:schemeClr val="tx1"/>
+                </a:solidFill>
+                <a:miter lim="800000"/>
+                <a:headEnd/>
+                <a:tailEnd/>
+              </a14:hiddenLine>
+            </a:ext>
+            <a:ext uri="{AF507438-7753-43E0-B8FC-AC1667EBCBE1}">
+              <a14:hiddenEffects xmlns:a14="http://schemas.microsoft.com/office/drawing/2010/main">
+                <a:effectLst>
+                  <a:outerShdw dist="35921" dir="2700000" algn="ctr" rotWithShape="0">
+                    <a:schemeClr val="bg2"/>
+                  </a:outerShdw>
+                </a:effectLst>
+              </a14:hiddenEffects>
+            </a:ext>
+          </a:extLst>
+        </p:spPr>
+        <p:txBody>
+          <a:bodyPr vert="horz" wrap="none" lIns="91440" tIns="45720" rIns="91440" bIns="45720" numCol="1" anchor="ctr" anchorCtr="0" compatLnSpc="1">
+            <a:prstTxWarp prst="textNoShape">
+              <a:avLst/>
+            </a:prstTxWarp>
+            <a:spAutoFit/>
+          </a:bodyPr>
+          <a:lstStyle/>
+          <a:p>
+            <a:endParaRPr lang="en-US"/>
+          </a:p>
+        </p:txBody>
+      </p:sp>
+      <p:sp>
+        <p:nvSpPr>
+          <p:cNvPr id="5" name="Rectangle 4">
+            <a:extLst>
+              <a:ext uri="{FF2B5EF4-FFF2-40B4-BE49-F238E27FC236}">
+                <a16:creationId xmlns:a16="http://schemas.microsoft.com/office/drawing/2014/main" id="{3F092248-7D6F-4A99-8B31-66770C7FCC19}"/>
+              </a:ext>
+            </a:extLst>
+          </p:cNvPr>
+          <p:cNvSpPr>
+            <a:spLocks noChangeArrowheads="1"/>
+          </p:cNvSpPr>
+          <p:nvPr/>
+        </p:nvSpPr>
+        <p:spPr bwMode="auto">
+          <a:xfrm>
+            <a:off x="7748518" y="5917320"/>
+            <a:ext cx="3256020" cy="230832"/>
+          </a:xfrm>
+          <a:prstGeom prst="rect">
+            <a:avLst/>
+          </a:prstGeom>
+          <a:noFill/>
+          <a:ln>
+            <a:noFill/>
+          </a:ln>
+          <a:effectLst/>
+          <a:extLst>
+            <a:ext uri="{909E8E84-426E-40DD-AFC4-6F175D3DCCD1}">
+              <a14:hiddenFill xmlns:a14="http://schemas.microsoft.com/office/drawing/2010/main">
+                <a:solidFill>
+                  <a:schemeClr val="accent1"/>
+                </a:solidFill>
+              </a14:hiddenFill>
+            </a:ext>
+            <a:ext uri="{91240B29-F687-4F45-9708-019B960494DF}">
+              <a14:hiddenLine xmlns:a14="http://schemas.microsoft.com/office/drawing/2010/main" w="9525">
+                <a:solidFill>
+                  <a:schemeClr val="tx1"/>
+                </a:solidFill>
+                <a:miter lim="800000"/>
+                <a:headEnd/>
+                <a:tailEnd/>
+              </a14:hiddenLine>
+            </a:ext>
+            <a:ext uri="{AF507438-7753-43E0-B8FC-AC1667EBCBE1}">
+              <a14:hiddenEffects xmlns:a14="http://schemas.microsoft.com/office/drawing/2010/main">
+                <a:effectLst>
+                  <a:outerShdw dist="35921" dir="2700000" algn="ctr" rotWithShape="0">
+                    <a:schemeClr val="bg2"/>
+                  </a:outerShdw>
+                </a:effectLst>
+              </a14:hiddenEffects>
+            </a:ext>
+          </a:extLst>
+        </p:spPr>
+        <p:txBody>
+          <a:bodyPr vert="horz" wrap="none" lIns="91440" tIns="45720" rIns="91440" bIns="45720" numCol="1" anchor="ctr" anchorCtr="0" compatLnSpc="1">
+            <a:prstTxWarp prst="textNoShape">
+              <a:avLst/>
+            </a:prstTxWarp>
+            <a:spAutoFit/>
+          </a:bodyPr>
+          <a:lstStyle/>
+          <a:p>
+            <a:pPr marL="0" marR="0" lvl="0" indent="0" algn="ctr" defTabSz="914400" rtl="0" eaLnBrk="0" fontAlgn="base" latinLnBrk="0" hangingPunct="0">
+              <a:lnSpc>
+                <a:spcPct val="100000"/>
+              </a:lnSpc>
               <a:spcBef>
-                <a:spcPts val="0"/>
+                <a:spcPct val="0"/>
               </a:spcBef>
               <a:spcAft>
-                <a:spcPts val="0"/>
+                <a:spcPct val="0"/>
               </a:spcAft>
-              <a:buFont typeface="Arial" panose="020B0604020202020204" pitchFamily="34" charset="0"/>
-              <a:buChar char="•"/>
-              <a:tabLst>
-                <a:tab pos="457200" algn="l"/>
-              </a:tabLst>
+              <a:buClrTx/>
+              <a:buSzTx/>
+              <a:buFontTx/>
+              <a:buNone/>
+              <a:tabLst/>
             </a:pPr>
             <a:r>
-              <a:rPr lang="en-US" sz="1800" dirty="0">
+              <a:rPr kumimoji="0" lang="en-US" altLang="en-US" sz="900" b="0" i="1" u="none" strike="noStrike" cap="none" normalizeH="0" baseline="0" dirty="0">
+                <a:ln>
+                  <a:noFill/>
+                </a:ln>
+                <a:solidFill>
+                  <a:srgbClr val="1F497D"/>
+                </a:solidFill>
                 <a:effectLst/>
-                <a:latin typeface="TimesNewRomanPSMT"/>
+                <a:latin typeface="Arial" panose="020B0604020202020204" pitchFamily="34" charset="0"/>
                 <a:ea typeface="Times New Roman" panose="02020603050405020304" pitchFamily="18" charset="0"/>
-                <a:cs typeface="TimesNewRomanPSMT"/>
-              </a:rPr>
-              <a:t> </a:t>
-            </a:r>
-            <a:r>
-              <a:rPr lang="en-US" sz="1800" dirty="0" err="1">
+              </a:rPr>
+              <a:t>Bandwidth and Bitrate for the /</a:t>
+            </a:r>
+            <a:r>
+              <a:rPr kumimoji="0" lang="en-US" altLang="en-US" sz="900" b="0" i="1" u="none" strike="noStrike" cap="none" normalizeH="0" baseline="0" dirty="0" err="1">
+                <a:ln>
+                  <a:noFill/>
+                </a:ln>
+                <a:solidFill>
+                  <a:srgbClr val="1F497D"/>
+                </a:solidFill>
                 <a:effectLst/>
-                <a:latin typeface="TimesNewRomanPSMT"/>
+                <a:latin typeface="Arial" panose="020B0604020202020204" pitchFamily="34" charset="0"/>
                 <a:ea typeface="Times New Roman" panose="02020603050405020304" pitchFamily="18" charset="0"/>
-                <a:cs typeface="TimesNewRomanPSMT"/>
-              </a:rPr>
-              <a:t>Mohanarajah</a:t>
-            </a:r>
-            <a:r>
-              <a:rPr lang="en-US" sz="1800" dirty="0">
+              </a:rPr>
+              <a:t>cmd</a:t>
+            </a:r>
+            <a:r>
+              <a:rPr kumimoji="0" lang="en-US" altLang="en-US" sz="900" b="0" i="1" u="none" strike="noStrike" cap="none" normalizeH="0" baseline="0" dirty="0">
+                <a:ln>
+                  <a:noFill/>
+                </a:ln>
+                <a:solidFill>
+                  <a:srgbClr val="1F497D"/>
+                </a:solidFill>
                 <a:effectLst/>
-                <a:latin typeface="TimesNewRomanPSMT"/>
+                <a:latin typeface="Arial" panose="020B0604020202020204" pitchFamily="34" charset="0"/>
                 <a:ea typeface="Times New Roman" panose="02020603050405020304" pitchFamily="18" charset="0"/>
-                <a:cs typeface="TimesNewRomanPSMT"/>
-              </a:rPr>
-              <a:t>, </a:t>
-            </a:r>
-            <a:r>
-              <a:rPr lang="en-US" sz="1800" dirty="0" err="1">
+              </a:rPr>
+              <a:t>_ vel </a:t>
+            </a:r>
+            <a:r>
+              <a:rPr kumimoji="0" lang="en-US" altLang="en-US" sz="900" b="0" i="1" u="none" strike="noStrike" cap="none" normalizeH="0" baseline="0" dirty="0" err="1">
+                <a:ln>
+                  <a:noFill/>
+                </a:ln>
+                <a:solidFill>
+                  <a:srgbClr val="1F497D"/>
+                </a:solidFill>
                 <a:effectLst/>
-                <a:latin typeface="TimesNewRomanPSMT"/>
+                <a:latin typeface="Arial" panose="020B0604020202020204" pitchFamily="34" charset="0"/>
                 <a:ea typeface="Times New Roman" panose="02020603050405020304" pitchFamily="18" charset="0"/>
-                <a:cs typeface="TimesNewRomanPSMT"/>
-              </a:rPr>
-              <a:t>Gajamohan</a:t>
-            </a:r>
-            <a:r>
-              <a:rPr lang="en-US" sz="1800" dirty="0">
+              </a:rPr>
+              <a:t>rostopic</a:t>
+            </a:r>
+            <a:r>
+              <a:rPr kumimoji="0" lang="en-US" altLang="en-US" sz="900" b="0" i="1" u="none" strike="noStrike" cap="none" normalizeH="0" baseline="0" dirty="0">
+                <a:ln>
+                  <a:noFill/>
+                </a:ln>
+                <a:solidFill>
+                  <a:srgbClr val="1F497D"/>
+                </a:solidFill>
                 <a:effectLst/>
-                <a:latin typeface="TimesNewRomanPSMT"/>
+                <a:latin typeface="Arial" panose="020B0604020202020204" pitchFamily="34" charset="0"/>
                 <a:ea typeface="Times New Roman" panose="02020603050405020304" pitchFamily="18" charset="0"/>
-                <a:cs typeface="TimesNewRomanPSMT"/>
-              </a:rPr>
-              <a:t>, Dominique </a:t>
-            </a:r>
-            <a:r>
-              <a:rPr lang="en-US" sz="1800" dirty="0" err="1">
-                <a:effectLst/>
-                <a:latin typeface="TimesNewRomanPSMT"/>
-                <a:ea typeface="Times New Roman" panose="02020603050405020304" pitchFamily="18" charset="0"/>
-                <a:cs typeface="TimesNewRomanPSMT"/>
-              </a:rPr>
-              <a:t>Hunziker</a:t>
-            </a:r>
-            <a:r>
-              <a:rPr lang="en-US" sz="1800" dirty="0">
-                <a:effectLst/>
-                <a:latin typeface="TimesNewRomanPSMT"/>
-                <a:ea typeface="Times New Roman" panose="02020603050405020304" pitchFamily="18" charset="0"/>
-                <a:cs typeface="TimesNewRomanPSMT"/>
-              </a:rPr>
-              <a:t>, </a:t>
-            </a:r>
-            <a:r>
-              <a:rPr lang="en-US" sz="1800" dirty="0" err="1">
-                <a:effectLst/>
-                <a:latin typeface="TimesNewRomanPSMT"/>
-                <a:ea typeface="Times New Roman" panose="02020603050405020304" pitchFamily="18" charset="0"/>
-                <a:cs typeface="TimesNewRomanPSMT"/>
-              </a:rPr>
-              <a:t>Raffaello</a:t>
-            </a:r>
-            <a:r>
-              <a:rPr lang="en-US" sz="1800" dirty="0">
-                <a:effectLst/>
-                <a:latin typeface="TimesNewRomanPSMT"/>
-                <a:ea typeface="Times New Roman" panose="02020603050405020304" pitchFamily="18" charset="0"/>
-                <a:cs typeface="TimesNewRomanPSMT"/>
-              </a:rPr>
-              <a:t> </a:t>
-            </a:r>
-            <a:r>
-              <a:rPr lang="en-US" sz="1800" dirty="0" err="1">
-                <a:effectLst/>
-                <a:latin typeface="TimesNewRomanPSMT"/>
-                <a:ea typeface="Times New Roman" panose="02020603050405020304" pitchFamily="18" charset="0"/>
-                <a:cs typeface="TimesNewRomanPSMT"/>
-              </a:rPr>
-              <a:t>D'Andrea</a:t>
-            </a:r>
-            <a:r>
-              <a:rPr lang="en-US" sz="1800" dirty="0">
-                <a:effectLst/>
-                <a:latin typeface="TimesNewRomanPSMT"/>
-                <a:ea typeface="Times New Roman" panose="02020603050405020304" pitchFamily="18" charset="0"/>
-                <a:cs typeface="TimesNewRomanPSMT"/>
-              </a:rPr>
-              <a:t>, and Markus Waibel. "</a:t>
-            </a:r>
-            <a:r>
-              <a:rPr lang="en-US" sz="1800" dirty="0" err="1">
-                <a:effectLst/>
-                <a:latin typeface="TimesNewRomanPSMT"/>
-                <a:ea typeface="Times New Roman" panose="02020603050405020304" pitchFamily="18" charset="0"/>
-                <a:cs typeface="TimesNewRomanPSMT"/>
-              </a:rPr>
-              <a:t>Rapyuta</a:t>
-            </a:r>
-            <a:r>
-              <a:rPr lang="en-US" sz="1800" dirty="0">
-                <a:effectLst/>
-                <a:latin typeface="TimesNewRomanPSMT"/>
-                <a:ea typeface="Times New Roman" panose="02020603050405020304" pitchFamily="18" charset="0"/>
-                <a:cs typeface="TimesNewRomanPSMT"/>
-              </a:rPr>
-              <a:t>: A cloud robotics platform." IEEE Transactions on Automation Science and Engineering 12, no. 2 (2014): 481-493.</a:t>
-            </a:r>
-            <a:endParaRPr lang="en-US" sz="1800" dirty="0">
+              </a:rPr>
+              <a:t> published</a:t>
+            </a:r>
+            <a:endParaRPr kumimoji="0" lang="en-US" altLang="en-US" sz="1800" b="0" i="0" u="none" strike="noStrike" cap="none" normalizeH="0" baseline="0" dirty="0">
+              <a:ln>
+                <a:noFill/>
+              </a:ln>
+              <a:solidFill>
+                <a:schemeClr val="tx1"/>
+              </a:solidFill>
               <a:effectLst/>
-              <a:latin typeface="Times New Roman" panose="02020603050405020304" pitchFamily="18" charset="0"/>
-              <a:ea typeface="Times New Roman" panose="02020603050405020304" pitchFamily="18" charset="0"/>
+              <a:latin typeface="Arial" panose="020B0604020202020204" pitchFamily="34" charset="0"/>
             </a:endParaRPr>
-          </a:p>
-          <a:p>
-            <a:pPr marL="342900" marR="0" lvl="0" indent="-342900" algn="just">
-              <a:spcBef>
-                <a:spcPts val="0"/>
-              </a:spcBef>
-              <a:spcAft>
-                <a:spcPts val="0"/>
-              </a:spcAft>
-              <a:buFont typeface="Arial" panose="020B0604020202020204" pitchFamily="34" charset="0"/>
-              <a:buChar char="•"/>
-              <a:tabLst>
-                <a:tab pos="457200" algn="l"/>
-              </a:tabLst>
-            </a:pPr>
-            <a:r>
-              <a:rPr lang="en-US" sz="1800" dirty="0" err="1">
-                <a:effectLst/>
-                <a:latin typeface="TimesNewRomanPSMT"/>
-                <a:ea typeface="Times New Roman" panose="02020603050405020304" pitchFamily="18" charset="0"/>
-                <a:cs typeface="TimesNewRomanPSMT"/>
-              </a:rPr>
-              <a:t>Koubaa</a:t>
-            </a:r>
-            <a:r>
-              <a:rPr lang="en-US" sz="1800" dirty="0">
-                <a:effectLst/>
-                <a:latin typeface="TimesNewRomanPSMT"/>
-                <a:ea typeface="Times New Roman" panose="02020603050405020304" pitchFamily="18" charset="0"/>
-                <a:cs typeface="TimesNewRomanPSMT"/>
-              </a:rPr>
-              <a:t>, Anis, </a:t>
-            </a:r>
-            <a:r>
-              <a:rPr lang="en-US" sz="1800" dirty="0" err="1">
-                <a:effectLst/>
-                <a:latin typeface="TimesNewRomanPSMT"/>
-                <a:ea typeface="Times New Roman" panose="02020603050405020304" pitchFamily="18" charset="0"/>
-                <a:cs typeface="TimesNewRomanPSMT"/>
-              </a:rPr>
-              <a:t>Maram</a:t>
-            </a:r>
-            <a:r>
-              <a:rPr lang="en-US" sz="1800" dirty="0">
-                <a:effectLst/>
-                <a:latin typeface="TimesNewRomanPSMT"/>
-                <a:ea typeface="Times New Roman" panose="02020603050405020304" pitchFamily="18" charset="0"/>
-                <a:cs typeface="TimesNewRomanPSMT"/>
-              </a:rPr>
-              <a:t> </a:t>
-            </a:r>
-            <a:r>
-              <a:rPr lang="en-US" sz="1800" dirty="0" err="1">
-                <a:effectLst/>
-                <a:latin typeface="TimesNewRomanPSMT"/>
-                <a:ea typeface="Times New Roman" panose="02020603050405020304" pitchFamily="18" charset="0"/>
-                <a:cs typeface="TimesNewRomanPSMT"/>
-              </a:rPr>
-              <a:t>Alajlan</a:t>
-            </a:r>
-            <a:r>
-              <a:rPr lang="en-US" sz="1800" dirty="0">
-                <a:effectLst/>
-                <a:latin typeface="TimesNewRomanPSMT"/>
-                <a:ea typeface="Times New Roman" panose="02020603050405020304" pitchFamily="18" charset="0"/>
-                <a:cs typeface="TimesNewRomanPSMT"/>
-              </a:rPr>
-              <a:t>, and Basit Qureshi. "</a:t>
-            </a:r>
-            <a:r>
-              <a:rPr lang="en-US" sz="1800" dirty="0" err="1">
-                <a:effectLst/>
-                <a:latin typeface="TimesNewRomanPSMT"/>
-                <a:ea typeface="Times New Roman" panose="02020603050405020304" pitchFamily="18" charset="0"/>
-                <a:cs typeface="TimesNewRomanPSMT"/>
-              </a:rPr>
-              <a:t>ROSLink</a:t>
-            </a:r>
-            <a:r>
-              <a:rPr lang="en-US" sz="1800" dirty="0">
-                <a:effectLst/>
-                <a:latin typeface="TimesNewRomanPSMT"/>
-                <a:ea typeface="Times New Roman" panose="02020603050405020304" pitchFamily="18" charset="0"/>
-                <a:cs typeface="TimesNewRomanPSMT"/>
-              </a:rPr>
-              <a:t>: bridging ROS with the internet-of-things for cloud robotics." Robot Operating System (ROS). Springer, Cham, 2017. 265-283.</a:t>
-            </a:r>
-            <a:endParaRPr lang="en-US" sz="1800" dirty="0">
-              <a:effectLst/>
-              <a:latin typeface="Times New Roman" panose="02020603050405020304" pitchFamily="18" charset="0"/>
-              <a:ea typeface="Times New Roman" panose="02020603050405020304" pitchFamily="18" charset="0"/>
-            </a:endParaRPr>
-          </a:p>
-          <a:p>
-            <a:pPr marL="342900" marR="0" lvl="0" indent="-342900" algn="just">
-              <a:spcBef>
-                <a:spcPts val="0"/>
-              </a:spcBef>
-              <a:spcAft>
-                <a:spcPts val="0"/>
-              </a:spcAft>
-              <a:buFont typeface="Arial" panose="020B0604020202020204" pitchFamily="34" charset="0"/>
-              <a:buChar char="•"/>
-              <a:tabLst>
-                <a:tab pos="457200" algn="l"/>
-              </a:tabLst>
-            </a:pPr>
-            <a:r>
-              <a:rPr lang="en-US" sz="1800" dirty="0" err="1">
-                <a:effectLst/>
-                <a:latin typeface="TimesNewRomanPSMT"/>
-                <a:ea typeface="Times New Roman" panose="02020603050405020304" pitchFamily="18" charset="0"/>
-                <a:cs typeface="TimesNewRomanPSMT"/>
-              </a:rPr>
-              <a:t>Houxiang</a:t>
-            </a:r>
-            <a:r>
-              <a:rPr lang="en-US" sz="1800" dirty="0">
-                <a:effectLst/>
-                <a:latin typeface="TimesNewRomanPSMT"/>
-                <a:ea typeface="Times New Roman" panose="02020603050405020304" pitchFamily="18" charset="0"/>
-                <a:cs typeface="TimesNewRomanPSMT"/>
-              </a:rPr>
-              <a:t> Zhang, Juan Gonzalez-Gomez, </a:t>
-            </a:r>
-            <a:r>
-              <a:rPr lang="en-US" sz="1800" dirty="0" err="1">
-                <a:effectLst/>
-                <a:latin typeface="TimesNewRomanPSMT"/>
-                <a:ea typeface="Times New Roman" panose="02020603050405020304" pitchFamily="18" charset="0"/>
-                <a:cs typeface="TimesNewRomanPSMT"/>
-              </a:rPr>
-              <a:t>Zhizhu</a:t>
-            </a:r>
-            <a:r>
-              <a:rPr lang="en-US" sz="1800" dirty="0">
-                <a:effectLst/>
-                <a:latin typeface="TimesNewRomanPSMT"/>
-                <a:ea typeface="Times New Roman" panose="02020603050405020304" pitchFamily="18" charset="0"/>
-                <a:cs typeface="TimesNewRomanPSMT"/>
-              </a:rPr>
-              <a:t> Me, Sheng Cheng and </a:t>
-            </a:r>
-            <a:r>
-              <a:rPr lang="en-US" sz="1800" dirty="0" err="1">
-                <a:effectLst/>
-                <a:latin typeface="TimesNewRomanPSMT"/>
-                <a:ea typeface="Times New Roman" panose="02020603050405020304" pitchFamily="18" charset="0"/>
-                <a:cs typeface="TimesNewRomanPSMT"/>
-              </a:rPr>
-              <a:t>Jianwei</a:t>
-            </a:r>
-            <a:r>
-              <a:rPr lang="en-US" sz="1800" dirty="0">
-                <a:effectLst/>
-                <a:latin typeface="TimesNewRomanPSMT"/>
-                <a:ea typeface="Times New Roman" panose="02020603050405020304" pitchFamily="18" charset="0"/>
-                <a:cs typeface="TimesNewRomanPSMT"/>
-              </a:rPr>
-              <a:t> Zhang, "Development of a low-cost flexible modular robot GZ-I," 2008 IEEE/ASME International Conference on Advanced Intelligent Mechatronics, 2008, pp. 223-228, </a:t>
-            </a:r>
-            <a:r>
-              <a:rPr lang="en-US" sz="1800" dirty="0" err="1">
-                <a:effectLst/>
-                <a:latin typeface="TimesNewRomanPSMT"/>
-                <a:ea typeface="Times New Roman" panose="02020603050405020304" pitchFamily="18" charset="0"/>
-                <a:cs typeface="TimesNewRomanPSMT"/>
-              </a:rPr>
-              <a:t>doi</a:t>
-            </a:r>
-            <a:r>
-              <a:rPr lang="en-US" sz="1800" dirty="0">
-                <a:effectLst/>
-                <a:latin typeface="TimesNewRomanPSMT"/>
-                <a:ea typeface="Times New Roman" panose="02020603050405020304" pitchFamily="18" charset="0"/>
-                <a:cs typeface="TimesNewRomanPSMT"/>
-              </a:rPr>
-              <a:t>: 10.1109/AIM.2008.4601663.</a:t>
-            </a:r>
-            <a:endParaRPr lang="en-US" sz="1800" dirty="0">
-              <a:effectLst/>
-              <a:latin typeface="Times New Roman" panose="02020603050405020304" pitchFamily="18" charset="0"/>
-              <a:ea typeface="Times New Roman" panose="02020603050405020304" pitchFamily="18" charset="0"/>
-            </a:endParaRPr>
-          </a:p>
-          <a:p>
-            <a:pPr marL="342900" marR="0" lvl="0" indent="-342900" algn="just">
-              <a:spcBef>
-                <a:spcPts val="0"/>
-              </a:spcBef>
-              <a:spcAft>
-                <a:spcPts val="0"/>
-              </a:spcAft>
-              <a:buFont typeface="Arial" panose="020B0604020202020204" pitchFamily="34" charset="0"/>
-              <a:buChar char="•"/>
-              <a:tabLst>
-                <a:tab pos="457200" algn="l"/>
-              </a:tabLst>
-            </a:pPr>
-            <a:r>
-              <a:rPr lang="en-US" sz="1800" dirty="0" err="1">
-                <a:effectLst/>
-                <a:latin typeface="TimesNewRomanPSMT"/>
-                <a:ea typeface="Times New Roman" panose="02020603050405020304" pitchFamily="18" charset="0"/>
-                <a:cs typeface="TimesNewRomanPSMT"/>
-              </a:rPr>
-              <a:t>Simoens</a:t>
-            </a:r>
-            <a:r>
-              <a:rPr lang="en-US" sz="1800" dirty="0">
-                <a:effectLst/>
-                <a:latin typeface="TimesNewRomanPSMT"/>
-                <a:ea typeface="Times New Roman" panose="02020603050405020304" pitchFamily="18" charset="0"/>
-                <a:cs typeface="TimesNewRomanPSMT"/>
-              </a:rPr>
-              <a:t>, Pieter, Mauro </a:t>
-            </a:r>
-            <a:r>
-              <a:rPr lang="en-US" sz="1800" dirty="0" err="1">
-                <a:effectLst/>
-                <a:latin typeface="TimesNewRomanPSMT"/>
-                <a:ea typeface="Times New Roman" panose="02020603050405020304" pitchFamily="18" charset="0"/>
-                <a:cs typeface="TimesNewRomanPSMT"/>
-              </a:rPr>
-              <a:t>Dragone</a:t>
-            </a:r>
-            <a:r>
-              <a:rPr lang="en-US" sz="1800" dirty="0">
-                <a:effectLst/>
-                <a:latin typeface="TimesNewRomanPSMT"/>
-                <a:ea typeface="Times New Roman" panose="02020603050405020304" pitchFamily="18" charset="0"/>
-                <a:cs typeface="TimesNewRomanPSMT"/>
-              </a:rPr>
-              <a:t>, and Alessandro </a:t>
-            </a:r>
-            <a:r>
-              <a:rPr lang="en-US" sz="1800" dirty="0" err="1">
-                <a:effectLst/>
-                <a:latin typeface="TimesNewRomanPSMT"/>
-                <a:ea typeface="Times New Roman" panose="02020603050405020304" pitchFamily="18" charset="0"/>
-                <a:cs typeface="TimesNewRomanPSMT"/>
-              </a:rPr>
-              <a:t>Saffiotti</a:t>
-            </a:r>
-            <a:r>
-              <a:rPr lang="en-US" sz="1800" dirty="0">
-                <a:effectLst/>
-                <a:latin typeface="TimesNewRomanPSMT"/>
-                <a:ea typeface="Times New Roman" panose="02020603050405020304" pitchFamily="18" charset="0"/>
-                <a:cs typeface="TimesNewRomanPSMT"/>
-              </a:rPr>
-              <a:t>. "The Internet of Robotic Things: A review of the concept, added value, and applications." International Journal of Advanced Robotic Systems 15, no. 1 (2018): 1729881418759424.</a:t>
-            </a:r>
-            <a:endParaRPr lang="en-US" sz="1800" dirty="0">
-              <a:effectLst/>
-              <a:latin typeface="Times New Roman" panose="02020603050405020304" pitchFamily="18" charset="0"/>
-              <a:ea typeface="Times New Roman" panose="02020603050405020304" pitchFamily="18" charset="0"/>
-            </a:endParaRPr>
-          </a:p>
-          <a:p>
-            <a:pPr marL="342900" marR="0" lvl="0" indent="-342900" algn="just">
-              <a:spcBef>
-                <a:spcPts val="0"/>
-              </a:spcBef>
-              <a:spcAft>
-                <a:spcPts val="0"/>
-              </a:spcAft>
-              <a:buFont typeface="Arial" panose="020B0604020202020204" pitchFamily="34" charset="0"/>
-              <a:buChar char="•"/>
-              <a:tabLst>
-                <a:tab pos="457200" algn="l"/>
-              </a:tabLst>
-            </a:pPr>
-            <a:r>
-              <a:rPr lang="en-US" sz="1800" dirty="0">
-                <a:effectLst/>
-                <a:latin typeface="TimesNewRomanPSMT"/>
-                <a:ea typeface="Times New Roman" panose="02020603050405020304" pitchFamily="18" charset="0"/>
-                <a:cs typeface="TimesNewRomanPSMT"/>
-              </a:rPr>
-              <a:t>Geyer, Charles J. "Practical Markov chain monte </a:t>
-            </a:r>
-            <a:r>
-              <a:rPr lang="en-US" sz="1800" dirty="0" err="1">
-                <a:effectLst/>
-                <a:latin typeface="TimesNewRomanPSMT"/>
-                <a:ea typeface="Times New Roman" panose="02020603050405020304" pitchFamily="18" charset="0"/>
-                <a:cs typeface="TimesNewRomanPSMT"/>
-              </a:rPr>
-              <a:t>carlo</a:t>
-            </a:r>
-            <a:r>
-              <a:rPr lang="en-US" sz="1800" dirty="0">
-                <a:effectLst/>
-                <a:latin typeface="TimesNewRomanPSMT"/>
-                <a:ea typeface="Times New Roman" panose="02020603050405020304" pitchFamily="18" charset="0"/>
-                <a:cs typeface="TimesNewRomanPSMT"/>
-              </a:rPr>
-              <a:t>." Statistical science (1992): 473-483.</a:t>
-            </a:r>
-            <a:endParaRPr lang="en-US" sz="1800" dirty="0">
-              <a:effectLst/>
-              <a:latin typeface="Times New Roman" panose="02020603050405020304" pitchFamily="18" charset="0"/>
-              <a:ea typeface="Times New Roman" panose="02020603050405020304" pitchFamily="18" charset="0"/>
-            </a:endParaRPr>
-          </a:p>
-          <a:p>
-            <a:pPr marL="342900" marR="0" lvl="0" indent="-342900" algn="just">
-              <a:spcBef>
-                <a:spcPts val="0"/>
-              </a:spcBef>
-              <a:spcAft>
-                <a:spcPts val="0"/>
-              </a:spcAft>
-              <a:buFont typeface="Arial" panose="020B0604020202020204" pitchFamily="34" charset="0"/>
-              <a:buChar char="•"/>
-              <a:tabLst>
-                <a:tab pos="457200" algn="l"/>
-              </a:tabLst>
-            </a:pPr>
-            <a:r>
-              <a:rPr lang="en-US" sz="1800" dirty="0" err="1">
-                <a:effectLst/>
-                <a:latin typeface="TimesNewRomanPSMT"/>
-                <a:ea typeface="Times New Roman" panose="02020603050405020304" pitchFamily="18" charset="0"/>
-                <a:cs typeface="TimesNewRomanPSMT"/>
-              </a:rPr>
-              <a:t>Zykov</a:t>
-            </a:r>
-            <a:r>
-              <a:rPr lang="en-US" sz="1800" dirty="0">
-                <a:effectLst/>
-                <a:latin typeface="TimesNewRomanPSMT"/>
-                <a:ea typeface="Times New Roman" panose="02020603050405020304" pitchFamily="18" charset="0"/>
-                <a:cs typeface="TimesNewRomanPSMT"/>
-              </a:rPr>
-              <a:t>, Victor, Andrew Chan, and Hod Lipson. "</a:t>
-            </a:r>
-            <a:r>
-              <a:rPr lang="en-US" sz="1800" dirty="0" err="1">
-                <a:effectLst/>
-                <a:latin typeface="TimesNewRomanPSMT"/>
-                <a:ea typeface="Times New Roman" panose="02020603050405020304" pitchFamily="18" charset="0"/>
-                <a:cs typeface="TimesNewRomanPSMT"/>
-              </a:rPr>
-              <a:t>Molecubes</a:t>
-            </a:r>
-            <a:r>
-              <a:rPr lang="en-US" sz="1800" dirty="0">
-                <a:effectLst/>
-                <a:latin typeface="TimesNewRomanPSMT"/>
-                <a:ea typeface="Times New Roman" panose="02020603050405020304" pitchFamily="18" charset="0"/>
-                <a:cs typeface="TimesNewRomanPSMT"/>
-              </a:rPr>
-              <a:t>: An open-source modular robotics kit." IROS-2007 Self-Reconfigurable Robotics Workshop. 2007.</a:t>
-            </a:r>
-            <a:endParaRPr lang="en-US" sz="1800" dirty="0">
-              <a:effectLst/>
-              <a:latin typeface="Times New Roman" panose="02020603050405020304" pitchFamily="18" charset="0"/>
-              <a:ea typeface="Times New Roman" panose="02020603050405020304" pitchFamily="18" charset="0"/>
-            </a:endParaRPr>
-          </a:p>
-          <a:p>
-            <a:pPr marL="342900" marR="0" lvl="0" indent="-342900" algn="just">
-              <a:spcBef>
-                <a:spcPts val="0"/>
-              </a:spcBef>
-              <a:spcAft>
-                <a:spcPts val="0"/>
-              </a:spcAft>
-              <a:buFont typeface="Arial" panose="020B0604020202020204" pitchFamily="34" charset="0"/>
-              <a:buChar char="•"/>
-              <a:tabLst>
-                <a:tab pos="457200" algn="l"/>
-              </a:tabLst>
-            </a:pPr>
-            <a:r>
-              <a:rPr lang="en-US" sz="1800" dirty="0">
-                <a:effectLst/>
-                <a:latin typeface="TimesNewRomanPSMT"/>
-                <a:ea typeface="Times New Roman" panose="02020603050405020304" pitchFamily="18" charset="0"/>
-                <a:cs typeface="TimesNewRomanPSMT"/>
-              </a:rPr>
-              <a:t>Yan, </a:t>
-            </a:r>
-            <a:r>
-              <a:rPr lang="en-US" sz="1800" dirty="0" err="1">
-                <a:effectLst/>
-                <a:latin typeface="TimesNewRomanPSMT"/>
-                <a:ea typeface="Times New Roman" panose="02020603050405020304" pitchFamily="18" charset="0"/>
-                <a:cs typeface="TimesNewRomanPSMT"/>
-              </a:rPr>
-              <a:t>Zhi</a:t>
-            </a:r>
-            <a:r>
-              <a:rPr lang="en-US" sz="1800" dirty="0">
-                <a:effectLst/>
-                <a:latin typeface="TimesNewRomanPSMT"/>
-                <a:ea typeface="Times New Roman" panose="02020603050405020304" pitchFamily="18" charset="0"/>
-                <a:cs typeface="TimesNewRomanPSMT"/>
-              </a:rPr>
-              <a:t>, Nicolas </a:t>
-            </a:r>
-            <a:r>
-              <a:rPr lang="en-US" sz="1800" dirty="0" err="1">
-                <a:effectLst/>
-                <a:latin typeface="TimesNewRomanPSMT"/>
-                <a:ea typeface="Times New Roman" panose="02020603050405020304" pitchFamily="18" charset="0"/>
-                <a:cs typeface="TimesNewRomanPSMT"/>
-              </a:rPr>
-              <a:t>Jouandeau</a:t>
-            </a:r>
-            <a:r>
-              <a:rPr lang="en-US" sz="1800" dirty="0">
-                <a:effectLst/>
-                <a:latin typeface="TimesNewRomanPSMT"/>
-                <a:ea typeface="Times New Roman" panose="02020603050405020304" pitchFamily="18" charset="0"/>
-                <a:cs typeface="TimesNewRomanPSMT"/>
-              </a:rPr>
-              <a:t>, and Arab Ali </a:t>
-            </a:r>
-            <a:r>
-              <a:rPr lang="en-US" sz="1800" dirty="0" err="1">
-                <a:effectLst/>
-                <a:latin typeface="TimesNewRomanPSMT"/>
-                <a:ea typeface="Times New Roman" panose="02020603050405020304" pitchFamily="18" charset="0"/>
-                <a:cs typeface="TimesNewRomanPSMT"/>
-              </a:rPr>
-              <a:t>Cherif</a:t>
-            </a:r>
-            <a:r>
-              <a:rPr lang="en-US" sz="1800" dirty="0">
-                <a:effectLst/>
-                <a:latin typeface="TimesNewRomanPSMT"/>
-                <a:ea typeface="Times New Roman" panose="02020603050405020304" pitchFamily="18" charset="0"/>
-                <a:cs typeface="TimesNewRomanPSMT"/>
-              </a:rPr>
-              <a:t>. "A survey and analysis of multi-robot coordination." International Journal of Advanced Robotic Systems 10.12 (2013): 399.</a:t>
-            </a:r>
-            <a:endParaRPr lang="en-US" sz="1800" dirty="0">
-              <a:effectLst/>
-              <a:latin typeface="Times New Roman" panose="02020603050405020304" pitchFamily="18" charset="0"/>
-              <a:ea typeface="Times New Roman" panose="02020603050405020304" pitchFamily="18" charset="0"/>
-            </a:endParaRPr>
-          </a:p>
-          <a:p>
-            <a:pPr marL="342900" marR="0" lvl="0" indent="-342900" algn="just">
-              <a:spcBef>
-                <a:spcPts val="0"/>
-              </a:spcBef>
-              <a:spcAft>
-                <a:spcPts val="0"/>
-              </a:spcAft>
-              <a:buFont typeface="Arial" panose="020B0604020202020204" pitchFamily="34" charset="0"/>
-              <a:buChar char="•"/>
-              <a:tabLst>
-                <a:tab pos="457200" algn="l"/>
-              </a:tabLst>
-            </a:pPr>
-            <a:r>
-              <a:rPr lang="en-US" sz="1800" dirty="0">
-                <a:effectLst/>
-                <a:latin typeface="TimesNewRomanPSMT"/>
-                <a:ea typeface="Times New Roman" panose="02020603050405020304" pitchFamily="18" charset="0"/>
-                <a:cs typeface="TimesNewRomanPSMT"/>
-              </a:rPr>
-              <a:t>Parker, Lynne E. "Distributed Intelligence: Overview of the Field and its Application in Multi-Robot Systems." AAAI fall symposium: regarding the intelligence in distributed intelligent systems. 2007.</a:t>
-            </a:r>
-            <a:endParaRPr lang="en-US" sz="1800" dirty="0">
-              <a:effectLst/>
-              <a:latin typeface="Times New Roman" panose="02020603050405020304" pitchFamily="18" charset="0"/>
-              <a:ea typeface="Times New Roman" panose="02020603050405020304" pitchFamily="18" charset="0"/>
-            </a:endParaRPr>
-          </a:p>
-          <a:p>
-            <a:pPr marL="457200" indent="-457200">
-              <a:buFont typeface="Arial" panose="020B0604020202020204" pitchFamily="34" charset="0"/>
-              <a:buChar char="•"/>
-            </a:pPr>
-            <a:endParaRPr lang="en-US" dirty="0"/>
           </a:p>
         </p:txBody>
       </p:sp>
     </p:spTree>
     <p:extLst>
       <p:ext uri="{BB962C8B-B14F-4D97-AF65-F5344CB8AC3E}">
-        <p14:creationId xmlns:p14="http://schemas.microsoft.com/office/powerpoint/2010/main" val="1280355849"/>
+        <p14:creationId xmlns:p14="http://schemas.microsoft.com/office/powerpoint/2010/main" val="946799790"/>
       </p:ext>
     </p:extLst>
   </p:cSld>
